--- a/Проект диплома.pptx
+++ b/Проект диплома.pptx
@@ -4,15 +4,21 @@
   <p:sldMasterIdLst>
     <p:sldMasterId id="2147483660" r:id="rId1"/>
   </p:sldMasterIdLst>
+  <p:notesMasterIdLst>
+    <p:notesMasterId r:id="rId13"/>
+  </p:notesMasterIdLst>
   <p:sldIdLst>
     <p:sldId id="257" r:id="rId2"/>
-    <p:sldId id="270" r:id="rId3"/>
-    <p:sldId id="272" r:id="rId4"/>
-    <p:sldId id="273" r:id="rId5"/>
-    <p:sldId id="275" r:id="rId6"/>
-    <p:sldId id="280" r:id="rId7"/>
-    <p:sldId id="281" r:id="rId8"/>
-    <p:sldId id="307" r:id="rId9"/>
+    <p:sldId id="310" r:id="rId3"/>
+    <p:sldId id="316" r:id="rId4"/>
+    <p:sldId id="323" r:id="rId5"/>
+    <p:sldId id="273" r:id="rId6"/>
+    <p:sldId id="317" r:id="rId7"/>
+    <p:sldId id="312" r:id="rId8"/>
+    <p:sldId id="318" r:id="rId9"/>
+    <p:sldId id="321" r:id="rId10"/>
+    <p:sldId id="315" r:id="rId11"/>
+    <p:sldId id="314" r:id="rId12"/>
   </p:sldIdLst>
   <p:sldSz cx="12192000" cy="6858000"/>
   <p:notesSz cx="6858000" cy="9144000"/>
@@ -119,6 +125,523 @@
 </p:presentation>
 </file>
 
+<file path=ppt/notesMasters/notesMaster1.xml><?xml version="1.0" encoding="utf-8"?>
+<p:notesMaster xmlns:a="http://schemas.openxmlformats.org/drawingml/2006/main" xmlns:r="http://schemas.openxmlformats.org/officeDocument/2006/relationships" xmlns:p="http://schemas.openxmlformats.org/presentationml/2006/main">
+  <p:cSld>
+    <p:bg>
+      <p:bgRef idx="1001">
+        <a:schemeClr val="bg1"/>
+      </p:bgRef>
+    </p:bg>
+    <p:spTree>
+      <p:nvGrpSpPr>
+        <p:cNvPr id="1" name=""/>
+        <p:cNvGrpSpPr/>
+        <p:nvPr/>
+      </p:nvGrpSpPr>
+      <p:grpSpPr>
+        <a:xfrm>
+          <a:off x="0" y="0"/>
+          <a:ext cx="0" cy="0"/>
+          <a:chOff x="0" y="0"/>
+          <a:chExt cx="0" cy="0"/>
+        </a:xfrm>
+      </p:grpSpPr>
+      <p:sp>
+        <p:nvSpPr>
+          <p:cNvPr id="2" name="Верхний колонтитул 1"/>
+          <p:cNvSpPr>
+            <a:spLocks noGrp="1"/>
+          </p:cNvSpPr>
+          <p:nvPr>
+            <p:ph type="hdr" sz="quarter"/>
+          </p:nvPr>
+        </p:nvSpPr>
+        <p:spPr>
+          <a:xfrm>
+            <a:off x="0" y="0"/>
+            <a:ext cx="2971800" cy="458788"/>
+          </a:xfrm>
+          <a:prstGeom prst="rect">
+            <a:avLst/>
+          </a:prstGeom>
+        </p:spPr>
+        <p:txBody>
+          <a:bodyPr vert="horz" lIns="91440" tIns="45720" rIns="91440" bIns="45720" rtlCol="0"/>
+          <a:lstStyle>
+            <a:lvl1pPr algn="l">
+              <a:defRPr sz="1200"/>
+            </a:lvl1pPr>
+          </a:lstStyle>
+          <a:p>
+            <a:endParaRPr lang="ru-RU"/>
+          </a:p>
+        </p:txBody>
+      </p:sp>
+      <p:sp>
+        <p:nvSpPr>
+          <p:cNvPr id="3" name="Дата 2"/>
+          <p:cNvSpPr>
+            <a:spLocks noGrp="1"/>
+          </p:cNvSpPr>
+          <p:nvPr>
+            <p:ph type="dt" idx="1"/>
+          </p:nvPr>
+        </p:nvSpPr>
+        <p:spPr>
+          <a:xfrm>
+            <a:off x="3884613" y="0"/>
+            <a:ext cx="2971800" cy="458788"/>
+          </a:xfrm>
+          <a:prstGeom prst="rect">
+            <a:avLst/>
+          </a:prstGeom>
+        </p:spPr>
+        <p:txBody>
+          <a:bodyPr vert="horz" lIns="91440" tIns="45720" rIns="91440" bIns="45720" rtlCol="0"/>
+          <a:lstStyle>
+            <a:lvl1pPr algn="r">
+              <a:defRPr sz="1200"/>
+            </a:lvl1pPr>
+          </a:lstStyle>
+          <a:p>
+            <a:fld id="{C116E7AF-CAFC-417C-80D6-9DA477E951A0}" type="datetimeFigureOut">
+              <a:rPr lang="ru-RU" smtClean="0"/>
+              <a:t>12.05.2025</a:t>
+            </a:fld>
+            <a:endParaRPr lang="ru-RU"/>
+          </a:p>
+        </p:txBody>
+      </p:sp>
+      <p:sp>
+        <p:nvSpPr>
+          <p:cNvPr id="4" name="Образ слайда 3"/>
+          <p:cNvSpPr>
+            <a:spLocks noGrp="1" noRot="1" noChangeAspect="1"/>
+          </p:cNvSpPr>
+          <p:nvPr>
+            <p:ph type="sldImg" idx="2"/>
+          </p:nvPr>
+        </p:nvSpPr>
+        <p:spPr>
+          <a:xfrm>
+            <a:off x="685800" y="1143000"/>
+            <a:ext cx="5486400" cy="3086100"/>
+          </a:xfrm>
+          <a:prstGeom prst="rect">
+            <a:avLst/>
+          </a:prstGeom>
+          <a:noFill/>
+          <a:ln w="12700">
+            <a:solidFill>
+              <a:prstClr val="black"/>
+            </a:solidFill>
+          </a:ln>
+        </p:spPr>
+        <p:txBody>
+          <a:bodyPr vert="horz" lIns="91440" tIns="45720" rIns="91440" bIns="45720" rtlCol="0" anchor="ctr"/>
+          <a:lstStyle/>
+          <a:p>
+            <a:endParaRPr lang="ru-RU"/>
+          </a:p>
+        </p:txBody>
+      </p:sp>
+      <p:sp>
+        <p:nvSpPr>
+          <p:cNvPr id="5" name="Заметки 4"/>
+          <p:cNvSpPr>
+            <a:spLocks noGrp="1"/>
+          </p:cNvSpPr>
+          <p:nvPr>
+            <p:ph type="body" sz="quarter" idx="3"/>
+          </p:nvPr>
+        </p:nvSpPr>
+        <p:spPr>
+          <a:xfrm>
+            <a:off x="685800" y="4400550"/>
+            <a:ext cx="5486400" cy="3600450"/>
+          </a:xfrm>
+          <a:prstGeom prst="rect">
+            <a:avLst/>
+          </a:prstGeom>
+        </p:spPr>
+        <p:txBody>
+          <a:bodyPr vert="horz" lIns="91440" tIns="45720" rIns="91440" bIns="45720" rtlCol="0"/>
+          <a:lstStyle/>
+          <a:p>
+            <a:pPr lvl="0"/>
+            <a:r>
+              <a:rPr lang="ru-RU"/>
+              <a:t>Образец текста</a:t>
+            </a:r>
+          </a:p>
+          <a:p>
+            <a:pPr lvl="1"/>
+            <a:r>
+              <a:rPr lang="ru-RU"/>
+              <a:t>Второй уровень</a:t>
+            </a:r>
+          </a:p>
+          <a:p>
+            <a:pPr lvl="2"/>
+            <a:r>
+              <a:rPr lang="ru-RU"/>
+              <a:t>Третий уровень</a:t>
+            </a:r>
+          </a:p>
+          <a:p>
+            <a:pPr lvl="3"/>
+            <a:r>
+              <a:rPr lang="ru-RU"/>
+              <a:t>Четвертый уровень</a:t>
+            </a:r>
+          </a:p>
+          <a:p>
+            <a:pPr lvl="4"/>
+            <a:r>
+              <a:rPr lang="ru-RU"/>
+              <a:t>Пятый уровень</a:t>
+            </a:r>
+          </a:p>
+        </p:txBody>
+      </p:sp>
+      <p:sp>
+        <p:nvSpPr>
+          <p:cNvPr id="6" name="Нижний колонтитул 5"/>
+          <p:cNvSpPr>
+            <a:spLocks noGrp="1"/>
+          </p:cNvSpPr>
+          <p:nvPr>
+            <p:ph type="ftr" sz="quarter" idx="4"/>
+          </p:nvPr>
+        </p:nvSpPr>
+        <p:spPr>
+          <a:xfrm>
+            <a:off x="0" y="8685213"/>
+            <a:ext cx="2971800" cy="458787"/>
+          </a:xfrm>
+          <a:prstGeom prst="rect">
+            <a:avLst/>
+          </a:prstGeom>
+        </p:spPr>
+        <p:txBody>
+          <a:bodyPr vert="horz" lIns="91440" tIns="45720" rIns="91440" bIns="45720" rtlCol="0" anchor="b"/>
+          <a:lstStyle>
+            <a:lvl1pPr algn="l">
+              <a:defRPr sz="1200"/>
+            </a:lvl1pPr>
+          </a:lstStyle>
+          <a:p>
+            <a:endParaRPr lang="ru-RU"/>
+          </a:p>
+        </p:txBody>
+      </p:sp>
+      <p:sp>
+        <p:nvSpPr>
+          <p:cNvPr id="7" name="Номер слайда 6"/>
+          <p:cNvSpPr>
+            <a:spLocks noGrp="1"/>
+          </p:cNvSpPr>
+          <p:nvPr>
+            <p:ph type="sldNum" sz="quarter" idx="5"/>
+          </p:nvPr>
+        </p:nvSpPr>
+        <p:spPr>
+          <a:xfrm>
+            <a:off x="3884613" y="8685213"/>
+            <a:ext cx="2971800" cy="458787"/>
+          </a:xfrm>
+          <a:prstGeom prst="rect">
+            <a:avLst/>
+          </a:prstGeom>
+        </p:spPr>
+        <p:txBody>
+          <a:bodyPr vert="horz" lIns="91440" tIns="45720" rIns="91440" bIns="45720" rtlCol="0" anchor="b"/>
+          <a:lstStyle>
+            <a:lvl1pPr algn="r">
+              <a:defRPr sz="1200"/>
+            </a:lvl1pPr>
+          </a:lstStyle>
+          <a:p>
+            <a:fld id="{92A6000E-1A54-4925-8629-DCAAD720E2E4}" type="slidenum">
+              <a:rPr lang="ru-RU" smtClean="0"/>
+              <a:t>‹#›</a:t>
+            </a:fld>
+            <a:endParaRPr lang="ru-RU"/>
+          </a:p>
+        </p:txBody>
+      </p:sp>
+    </p:spTree>
+    <p:extLst>
+      <p:ext uri="{BB962C8B-B14F-4D97-AF65-F5344CB8AC3E}">
+        <p14:creationId xmlns:p14="http://schemas.microsoft.com/office/powerpoint/2010/main" val="1308040621"/>
+      </p:ext>
+    </p:extLst>
+  </p:cSld>
+  <p:clrMap bg1="lt1" tx1="dk1" bg2="lt2" tx2="dk2" accent1="accent1" accent2="accent2" accent3="accent3" accent4="accent4" accent5="accent5" accent6="accent6" hlink="hlink" folHlink="folHlink"/>
+  <p:notesStyle>
+    <a:lvl1pPr marL="0" algn="l" defTabSz="914400" rtl="0" eaLnBrk="1" latinLnBrk="0" hangingPunct="1">
+      <a:defRPr sz="1200" kern="1200">
+        <a:solidFill>
+          <a:schemeClr val="tx1"/>
+        </a:solidFill>
+        <a:latin typeface="+mn-lt"/>
+        <a:ea typeface="+mn-ea"/>
+        <a:cs typeface="+mn-cs"/>
+      </a:defRPr>
+    </a:lvl1pPr>
+    <a:lvl2pPr marL="457200" algn="l" defTabSz="914400" rtl="0" eaLnBrk="1" latinLnBrk="0" hangingPunct="1">
+      <a:defRPr sz="1200" kern="1200">
+        <a:solidFill>
+          <a:schemeClr val="tx1"/>
+        </a:solidFill>
+        <a:latin typeface="+mn-lt"/>
+        <a:ea typeface="+mn-ea"/>
+        <a:cs typeface="+mn-cs"/>
+      </a:defRPr>
+    </a:lvl2pPr>
+    <a:lvl3pPr marL="914400" algn="l" defTabSz="914400" rtl="0" eaLnBrk="1" latinLnBrk="0" hangingPunct="1">
+      <a:defRPr sz="1200" kern="1200">
+        <a:solidFill>
+          <a:schemeClr val="tx1"/>
+        </a:solidFill>
+        <a:latin typeface="+mn-lt"/>
+        <a:ea typeface="+mn-ea"/>
+        <a:cs typeface="+mn-cs"/>
+      </a:defRPr>
+    </a:lvl3pPr>
+    <a:lvl4pPr marL="1371600" algn="l" defTabSz="914400" rtl="0" eaLnBrk="1" latinLnBrk="0" hangingPunct="1">
+      <a:defRPr sz="1200" kern="1200">
+        <a:solidFill>
+          <a:schemeClr val="tx1"/>
+        </a:solidFill>
+        <a:latin typeface="+mn-lt"/>
+        <a:ea typeface="+mn-ea"/>
+        <a:cs typeface="+mn-cs"/>
+      </a:defRPr>
+    </a:lvl4pPr>
+    <a:lvl5pPr marL="1828800" algn="l" defTabSz="914400" rtl="0" eaLnBrk="1" latinLnBrk="0" hangingPunct="1">
+      <a:defRPr sz="1200" kern="1200">
+        <a:solidFill>
+          <a:schemeClr val="tx1"/>
+        </a:solidFill>
+        <a:latin typeface="+mn-lt"/>
+        <a:ea typeface="+mn-ea"/>
+        <a:cs typeface="+mn-cs"/>
+      </a:defRPr>
+    </a:lvl5pPr>
+    <a:lvl6pPr marL="2286000" algn="l" defTabSz="914400" rtl="0" eaLnBrk="1" latinLnBrk="0" hangingPunct="1">
+      <a:defRPr sz="1200" kern="1200">
+        <a:solidFill>
+          <a:schemeClr val="tx1"/>
+        </a:solidFill>
+        <a:latin typeface="+mn-lt"/>
+        <a:ea typeface="+mn-ea"/>
+        <a:cs typeface="+mn-cs"/>
+      </a:defRPr>
+    </a:lvl6pPr>
+    <a:lvl7pPr marL="2743200" algn="l" defTabSz="914400" rtl="0" eaLnBrk="1" latinLnBrk="0" hangingPunct="1">
+      <a:defRPr sz="1200" kern="1200">
+        <a:solidFill>
+          <a:schemeClr val="tx1"/>
+        </a:solidFill>
+        <a:latin typeface="+mn-lt"/>
+        <a:ea typeface="+mn-ea"/>
+        <a:cs typeface="+mn-cs"/>
+      </a:defRPr>
+    </a:lvl7pPr>
+    <a:lvl8pPr marL="3200400" algn="l" defTabSz="914400" rtl="0" eaLnBrk="1" latinLnBrk="0" hangingPunct="1">
+      <a:defRPr sz="1200" kern="1200">
+        <a:solidFill>
+          <a:schemeClr val="tx1"/>
+        </a:solidFill>
+        <a:latin typeface="+mn-lt"/>
+        <a:ea typeface="+mn-ea"/>
+        <a:cs typeface="+mn-cs"/>
+      </a:defRPr>
+    </a:lvl8pPr>
+    <a:lvl9pPr marL="3657600" algn="l" defTabSz="914400" rtl="0" eaLnBrk="1" latinLnBrk="0" hangingPunct="1">
+      <a:defRPr sz="1200" kern="1200">
+        <a:solidFill>
+          <a:schemeClr val="tx1"/>
+        </a:solidFill>
+        <a:latin typeface="+mn-lt"/>
+        <a:ea typeface="+mn-ea"/>
+        <a:cs typeface="+mn-cs"/>
+      </a:defRPr>
+    </a:lvl9pPr>
+  </p:notesStyle>
+</p:notesMaster>
+</file>
+
+<file path=ppt/notesSlides/notesSlide1.xml><?xml version="1.0" encoding="utf-8"?>
+<p:notes xmlns:a="http://schemas.openxmlformats.org/drawingml/2006/main" xmlns:r="http://schemas.openxmlformats.org/officeDocument/2006/relationships" xmlns:p="http://schemas.openxmlformats.org/presentationml/2006/main">
+  <p:cSld>
+    <p:spTree>
+      <p:nvGrpSpPr>
+        <p:cNvPr id="1" name=""/>
+        <p:cNvGrpSpPr/>
+        <p:nvPr/>
+      </p:nvGrpSpPr>
+      <p:grpSpPr>
+        <a:xfrm>
+          <a:off x="0" y="0"/>
+          <a:ext cx="0" cy="0"/>
+          <a:chOff x="0" y="0"/>
+          <a:chExt cx="0" cy="0"/>
+        </a:xfrm>
+      </p:grpSpPr>
+      <p:sp>
+        <p:nvSpPr>
+          <p:cNvPr id="2" name="Образ слайда 1"/>
+          <p:cNvSpPr>
+            <a:spLocks noGrp="1" noRot="1" noChangeAspect="1"/>
+          </p:cNvSpPr>
+          <p:nvPr>
+            <p:ph type="sldImg"/>
+          </p:nvPr>
+        </p:nvSpPr>
+        <p:spPr/>
+      </p:sp>
+      <p:sp>
+        <p:nvSpPr>
+          <p:cNvPr id="3" name="Заметки 2"/>
+          <p:cNvSpPr>
+            <a:spLocks noGrp="1"/>
+          </p:cNvSpPr>
+          <p:nvPr>
+            <p:ph type="body" idx="1"/>
+          </p:nvPr>
+        </p:nvSpPr>
+        <p:spPr/>
+        <p:txBody>
+          <a:bodyPr/>
+          <a:lstStyle/>
+          <a:p>
+            <a:endParaRPr lang="ru-RU" dirty="0"/>
+          </a:p>
+        </p:txBody>
+      </p:sp>
+      <p:sp>
+        <p:nvSpPr>
+          <p:cNvPr id="4" name="Номер слайда 3"/>
+          <p:cNvSpPr>
+            <a:spLocks noGrp="1"/>
+          </p:cNvSpPr>
+          <p:nvPr>
+            <p:ph type="sldNum" sz="quarter" idx="5"/>
+          </p:nvPr>
+        </p:nvSpPr>
+        <p:spPr/>
+        <p:txBody>
+          <a:bodyPr/>
+          <a:lstStyle/>
+          <a:p>
+            <a:fld id="{92A6000E-1A54-4925-8629-DCAAD720E2E4}" type="slidenum">
+              <a:rPr lang="ru-RU" smtClean="0"/>
+              <a:t>3</a:t>
+            </a:fld>
+            <a:endParaRPr lang="ru-RU"/>
+          </a:p>
+        </p:txBody>
+      </p:sp>
+    </p:spTree>
+    <p:extLst>
+      <p:ext uri="{BB962C8B-B14F-4D97-AF65-F5344CB8AC3E}">
+        <p14:creationId xmlns:p14="http://schemas.microsoft.com/office/powerpoint/2010/main" val="4030792826"/>
+      </p:ext>
+    </p:extLst>
+  </p:cSld>
+  <p:clrMapOvr>
+    <a:masterClrMapping/>
+  </p:clrMapOvr>
+</p:notes>
+</file>
+
+<file path=ppt/notesSlides/notesSlide2.xml><?xml version="1.0" encoding="utf-8"?>
+<p:notes xmlns:a="http://schemas.openxmlformats.org/drawingml/2006/main" xmlns:r="http://schemas.openxmlformats.org/officeDocument/2006/relationships" xmlns:p="http://schemas.openxmlformats.org/presentationml/2006/main">
+  <p:cSld>
+    <p:spTree>
+      <p:nvGrpSpPr>
+        <p:cNvPr id="1" name=""/>
+        <p:cNvGrpSpPr/>
+        <p:nvPr/>
+      </p:nvGrpSpPr>
+      <p:grpSpPr>
+        <a:xfrm>
+          <a:off x="0" y="0"/>
+          <a:ext cx="0" cy="0"/>
+          <a:chOff x="0" y="0"/>
+          <a:chExt cx="0" cy="0"/>
+        </a:xfrm>
+      </p:grpSpPr>
+      <p:sp>
+        <p:nvSpPr>
+          <p:cNvPr id="2" name="Образ слайда 1"/>
+          <p:cNvSpPr>
+            <a:spLocks noGrp="1" noRot="1" noChangeAspect="1"/>
+          </p:cNvSpPr>
+          <p:nvPr>
+            <p:ph type="sldImg"/>
+          </p:nvPr>
+        </p:nvSpPr>
+        <p:spPr/>
+      </p:sp>
+      <p:sp>
+        <p:nvSpPr>
+          <p:cNvPr id="3" name="Заметки 2"/>
+          <p:cNvSpPr>
+            <a:spLocks noGrp="1"/>
+          </p:cNvSpPr>
+          <p:nvPr>
+            <p:ph type="body" idx="1"/>
+          </p:nvPr>
+        </p:nvSpPr>
+        <p:spPr/>
+        <p:txBody>
+          <a:bodyPr/>
+          <a:lstStyle/>
+          <a:p>
+            <a:endParaRPr lang="ru-RU" dirty="0"/>
+          </a:p>
+        </p:txBody>
+      </p:sp>
+      <p:sp>
+        <p:nvSpPr>
+          <p:cNvPr id="4" name="Номер слайда 3"/>
+          <p:cNvSpPr>
+            <a:spLocks noGrp="1"/>
+          </p:cNvSpPr>
+          <p:nvPr>
+            <p:ph type="sldNum" sz="quarter" idx="5"/>
+          </p:nvPr>
+        </p:nvSpPr>
+        <p:spPr/>
+        <p:txBody>
+          <a:bodyPr/>
+          <a:lstStyle/>
+          <a:p>
+            <a:fld id="{92A6000E-1A54-4925-8629-DCAAD720E2E4}" type="slidenum">
+              <a:rPr lang="ru-RU" smtClean="0"/>
+              <a:t>4</a:t>
+            </a:fld>
+            <a:endParaRPr lang="ru-RU"/>
+          </a:p>
+        </p:txBody>
+      </p:sp>
+    </p:spTree>
+    <p:extLst>
+      <p:ext uri="{BB962C8B-B14F-4D97-AF65-F5344CB8AC3E}">
+        <p14:creationId xmlns:p14="http://schemas.microsoft.com/office/powerpoint/2010/main" val="2642147249"/>
+      </p:ext>
+    </p:extLst>
+  </p:cSld>
+  <p:clrMapOvr>
+    <a:masterClrMapping/>
+  </p:clrMapOvr>
+</p:notes>
+</file>
+
 <file path=ppt/slideLayouts/slideLayout1.xml><?xml version="1.0" encoding="utf-8"?>
 <p:sldLayout xmlns:a="http://schemas.openxmlformats.org/drawingml/2006/main" xmlns:r="http://schemas.openxmlformats.org/officeDocument/2006/relationships" xmlns:p="http://schemas.openxmlformats.org/presentationml/2006/main" type="title" preserve="1">
   <p:cSld name="Титульный слайд">
@@ -304,7 +827,7 @@
           <a:p>
             <a:fld id="{6B4C1045-342B-429F-AF7B-DF2A7968FF85}" type="datetimeFigureOut">
               <a:rPr lang="ru-RU" smtClean="0"/>
-              <a:t>16.01.2025</a:t>
+              <a:t>12.05.2025</a:t>
             </a:fld>
             <a:endParaRPr lang="ru-RU"/>
           </a:p>
@@ -602,7 +1125,7 @@
           <a:p>
             <a:fld id="{6B4C1045-342B-429F-AF7B-DF2A7968FF85}" type="datetimeFigureOut">
               <a:rPr lang="ru-RU" smtClean="0"/>
-              <a:t>16.01.2025</a:t>
+              <a:t>12.05.2025</a:t>
             </a:fld>
             <a:endParaRPr lang="ru-RU"/>
           </a:p>
@@ -794,7 +1317,7 @@
           <a:p>
             <a:fld id="{6B4C1045-342B-429F-AF7B-DF2A7968FF85}" type="datetimeFigureOut">
               <a:rPr lang="ru-RU" smtClean="0"/>
-              <a:t>16.01.2025</a:t>
+              <a:t>12.05.2025</a:t>
             </a:fld>
             <a:endParaRPr lang="ru-RU"/>
           </a:p>
@@ -1055,7 +1578,7 @@
           <a:p>
             <a:fld id="{6B4C1045-342B-429F-AF7B-DF2A7968FF85}" type="datetimeFigureOut">
               <a:rPr lang="ru-RU" smtClean="0"/>
-              <a:t>16.01.2025</a:t>
+              <a:t>12.05.2025</a:t>
             </a:fld>
             <a:endParaRPr lang="ru-RU"/>
           </a:p>
@@ -1479,7 +2002,7 @@
           <a:p>
             <a:fld id="{6B4C1045-342B-429F-AF7B-DF2A7968FF85}" type="datetimeFigureOut">
               <a:rPr lang="ru-RU" smtClean="0"/>
-              <a:t>16.01.2025</a:t>
+              <a:t>12.05.2025</a:t>
             </a:fld>
             <a:endParaRPr lang="ru-RU"/>
           </a:p>
@@ -2016,7 +2539,7 @@
           <a:p>
             <a:fld id="{6B4C1045-342B-429F-AF7B-DF2A7968FF85}" type="datetimeFigureOut">
               <a:rPr lang="ru-RU" smtClean="0"/>
-              <a:t>16.01.2025</a:t>
+              <a:t>12.05.2025</a:t>
             </a:fld>
             <a:endParaRPr lang="ru-RU"/>
           </a:p>
@@ -2880,7 +3403,7 @@
           <a:p>
             <a:fld id="{6B4C1045-342B-429F-AF7B-DF2A7968FF85}" type="datetimeFigureOut">
               <a:rPr lang="ru-RU" smtClean="0"/>
-              <a:t>16.01.2025</a:t>
+              <a:t>12.05.2025</a:t>
             </a:fld>
             <a:endParaRPr lang="ru-RU"/>
           </a:p>
@@ -3050,7 +3573,7 @@
           <a:p>
             <a:fld id="{6B4C1045-342B-429F-AF7B-DF2A7968FF85}" type="datetimeFigureOut">
               <a:rPr lang="ru-RU" smtClean="0"/>
-              <a:t>16.01.2025</a:t>
+              <a:t>12.05.2025</a:t>
             </a:fld>
             <a:endParaRPr lang="ru-RU"/>
           </a:p>
@@ -3234,7 +3757,7 @@
           <a:p>
             <a:fld id="{6B4C1045-342B-429F-AF7B-DF2A7968FF85}" type="datetimeFigureOut">
               <a:rPr lang="ru-RU" smtClean="0"/>
-              <a:t>16.01.2025</a:t>
+              <a:t>12.05.2025</a:t>
             </a:fld>
             <a:endParaRPr lang="ru-RU"/>
           </a:p>
@@ -3404,7 +3927,7 @@
           <a:p>
             <a:fld id="{6B4C1045-342B-429F-AF7B-DF2A7968FF85}" type="datetimeFigureOut">
               <a:rPr lang="ru-RU" smtClean="0"/>
-              <a:t>16.01.2025</a:t>
+              <a:t>12.05.2025</a:t>
             </a:fld>
             <a:endParaRPr lang="ru-RU"/>
           </a:p>
@@ -3648,7 +4171,7 @@
           <a:p>
             <a:fld id="{6B4C1045-342B-429F-AF7B-DF2A7968FF85}" type="datetimeFigureOut">
               <a:rPr lang="ru-RU" smtClean="0"/>
-              <a:t>16.01.2025</a:t>
+              <a:t>12.05.2025</a:t>
             </a:fld>
             <a:endParaRPr lang="ru-RU"/>
           </a:p>
@@ -3884,7 +4407,7 @@
           <a:p>
             <a:fld id="{6B4C1045-342B-429F-AF7B-DF2A7968FF85}" type="datetimeFigureOut">
               <a:rPr lang="ru-RU" smtClean="0"/>
-              <a:t>16.01.2025</a:t>
+              <a:t>12.05.2025</a:t>
             </a:fld>
             <a:endParaRPr lang="ru-RU"/>
           </a:p>
@@ -4350,7 +4873,7 @@
           <a:p>
             <a:fld id="{6B4C1045-342B-429F-AF7B-DF2A7968FF85}" type="datetimeFigureOut">
               <a:rPr lang="ru-RU" smtClean="0"/>
-              <a:t>16.01.2025</a:t>
+              <a:t>12.05.2025</a:t>
             </a:fld>
             <a:endParaRPr lang="ru-RU"/>
           </a:p>
@@ -4468,7 +4991,7 @@
           <a:p>
             <a:fld id="{6B4C1045-342B-429F-AF7B-DF2A7968FF85}" type="datetimeFigureOut">
               <a:rPr lang="ru-RU" smtClean="0"/>
-              <a:t>16.01.2025</a:t>
+              <a:t>12.05.2025</a:t>
             </a:fld>
             <a:endParaRPr lang="ru-RU"/>
           </a:p>
@@ -4563,7 +5086,7 @@
           <a:p>
             <a:fld id="{6B4C1045-342B-429F-AF7B-DF2A7968FF85}" type="datetimeFigureOut">
               <a:rPr lang="ru-RU" smtClean="0"/>
-              <a:t>16.01.2025</a:t>
+              <a:t>12.05.2025</a:t>
             </a:fld>
             <a:endParaRPr lang="ru-RU"/>
           </a:p>
@@ -4818,7 +5341,7 @@
           <a:p>
             <a:fld id="{6B4C1045-342B-429F-AF7B-DF2A7968FF85}" type="datetimeFigureOut">
               <a:rPr lang="ru-RU" smtClean="0"/>
-              <a:t>16.01.2025</a:t>
+              <a:t>12.05.2025</a:t>
             </a:fld>
             <a:endParaRPr lang="ru-RU"/>
           </a:p>
@@ -5118,7 +5641,7 @@
           <a:p>
             <a:fld id="{6B4C1045-342B-429F-AF7B-DF2A7968FF85}" type="datetimeFigureOut">
               <a:rPr lang="ru-RU" smtClean="0"/>
-              <a:t>16.01.2025</a:t>
+              <a:t>12.05.2025</a:t>
             </a:fld>
             <a:endParaRPr lang="ru-RU"/>
           </a:p>
@@ -5183,8 +5706,8 @@
 <p:sldMaster xmlns:a="http://schemas.openxmlformats.org/drawingml/2006/main" xmlns:r="http://schemas.openxmlformats.org/officeDocument/2006/relationships" xmlns:p="http://schemas.openxmlformats.org/presentationml/2006/main">
   <p:cSld>
     <p:bg>
-      <p:bgRef idx="1003">
-        <a:schemeClr val="bg2"/>
+      <p:bgRef idx="1001">
+        <a:schemeClr val="bg1"/>
       </p:bgRef>
     </p:bg>
     <p:spTree>
@@ -5352,7 +5875,7 @@
           <a:p>
             <a:fld id="{6B4C1045-342B-429F-AF7B-DF2A7968FF85}" type="datetimeFigureOut">
               <a:rPr lang="ru-RU" smtClean="0"/>
-              <a:t>16.01.2025</a:t>
+              <a:t>12.05.2025</a:t>
             </a:fld>
             <a:endParaRPr lang="ru-RU"/>
           </a:p>
@@ -5457,7 +5980,7 @@
       </p:ext>
     </p:extLst>
   </p:cSld>
-  <p:clrMap bg1="dk1" tx1="lt1" bg2="dk2" tx2="lt2" accent1="accent1" accent2="accent2" accent3="accent3" accent4="accent4" accent5="accent5" accent6="accent6" hlink="hlink" folHlink="folHlink"/>
+  <p:clrMap bg1="lt1" tx1="dk1" bg2="lt2" tx2="dk2" accent1="accent1" accent2="accent2" accent3="accent3" accent4="accent4" accent5="accent5" accent6="accent6" hlink="hlink" folHlink="folHlink"/>
   <p:sldLayoutIdLst>
     <p:sldLayoutId id="2147483661" r:id="rId1"/>
     <p:sldLayoutId id="2147483662" r:id="rId2"/>
@@ -6042,7 +6565,7 @@
         </p:nvSpPr>
         <p:spPr bwMode="auto">
           <a:xfrm>
-            <a:off x="2209800" y="2060576"/>
+            <a:off x="2209800" y="1949143"/>
             <a:ext cx="7772400" cy="1470025"/>
           </a:xfrm>
           <a:prstGeom prst="rect">
@@ -6188,7 +6711,7 @@
               </a:spcAft>
             </a:pPr>
             <a:r>
-              <a:rPr lang="ru-RU" sz="2000" b="1" dirty="0">
+              <a:rPr lang="ru-RU" sz="2400" b="1" dirty="0">
                 <a:effectLst/>
                 <a:latin typeface="Times New Roman" panose="02020603050405020304" pitchFamily="18" charset="0"/>
                 <a:ea typeface="Calibri" panose="020F0502020204030204" pitchFamily="34" charset="0"/>
@@ -6197,7 +6720,7 @@
               <a:t>Разработка программного продукта на платформе 1С Предприятие для автоматизации учета готовой продукции на основе технологии </a:t>
             </a:r>
             <a:r>
-              <a:rPr lang="en-US" sz="2000" b="1" dirty="0">
+              <a:rPr lang="en-US" sz="2400" b="1" dirty="0">
                 <a:effectLst/>
                 <a:latin typeface="Times New Roman" panose="02020603050405020304" pitchFamily="18" charset="0"/>
                 <a:ea typeface="Calibri" panose="020F0502020204030204" pitchFamily="34" charset="0"/>
@@ -6206,7 +6729,7 @@
               <a:t>R</a:t>
             </a:r>
             <a:r>
-              <a:rPr lang="ru-RU" sz="2000" b="1" dirty="0">
+              <a:rPr lang="ru-RU" sz="2400" b="1" dirty="0">
                 <a:effectLst/>
                 <a:latin typeface="Times New Roman" panose="02020603050405020304" pitchFamily="18" charset="0"/>
                 <a:ea typeface="Calibri" panose="020F0502020204030204" pitchFamily="34" charset="0"/>
@@ -6214,9 +6737,9 @@
               </a:rPr>
               <a:t>FID</a:t>
             </a:r>
-            <a:endParaRPr lang="ru-RU" sz="1600" dirty="0">
+            <a:endParaRPr lang="ru-RU" dirty="0">
               <a:effectLst/>
-              <a:latin typeface="Calibri" panose="020F0502020204030204" pitchFamily="34" charset="0"/>
+              <a:latin typeface="Times New Roman" panose="02020603050405020304" pitchFamily="18" charset="0"/>
               <a:ea typeface="Calibri" panose="020F0502020204030204" pitchFamily="34" charset="0"/>
               <a:cs typeface="Times New Roman" panose="02020603050405020304" pitchFamily="18" charset="0"/>
             </a:endParaRPr>
@@ -6239,7 +6762,7 @@
         </p:nvSpPr>
         <p:spPr bwMode="auto">
           <a:xfrm>
-            <a:off x="6311900" y="3789364"/>
+            <a:off x="6311900" y="3779532"/>
             <a:ext cx="5830888" cy="2663825"/>
           </a:xfrm>
           <a:prstGeom prst="rect">
@@ -6388,7 +6911,10 @@
               </a:spcBef>
             </a:pPr>
             <a:r>
-              <a:rPr lang="ru-RU" altLang="ru-RU" b="1" dirty="0"/>
+              <a:rPr lang="ru-RU" altLang="ru-RU" sz="2200" b="1" dirty="0">
+                <a:latin typeface="Times New Roman" panose="02020603050405020304" pitchFamily="18" charset="0"/>
+                <a:cs typeface="Times New Roman" panose="02020603050405020304" pitchFamily="18" charset="0"/>
+              </a:rPr>
               <a:t>Выполнил:</a:t>
             </a:r>
           </a:p>
@@ -6402,7 +6928,10 @@
               </a:spcBef>
             </a:pPr>
             <a:r>
-              <a:rPr lang="ru-RU" altLang="ru-RU" dirty="0"/>
+              <a:rPr lang="ru-RU" altLang="ru-RU" sz="2200" dirty="0">
+                <a:latin typeface="Times New Roman" panose="02020603050405020304" pitchFamily="18" charset="0"/>
+                <a:cs typeface="Times New Roman" panose="02020603050405020304" pitchFamily="18" charset="0"/>
+              </a:rPr>
               <a:t>Поляков Максим Евгеньевич</a:t>
             </a:r>
           </a:p>
@@ -6416,7 +6945,10 @@
               </a:spcBef>
             </a:pPr>
             <a:r>
-              <a:rPr lang="ru-RU" altLang="ru-RU" b="1" dirty="0"/>
+              <a:rPr lang="ru-RU" altLang="ru-RU" sz="2200" b="1" dirty="0">
+                <a:latin typeface="Times New Roman" panose="02020603050405020304" pitchFamily="18" charset="0"/>
+                <a:cs typeface="Times New Roman" panose="02020603050405020304" pitchFamily="18" charset="0"/>
+              </a:rPr>
               <a:t>Группа: 21П-1</a:t>
             </a:r>
           </a:p>
@@ -6430,7 +6962,10 @@
               </a:spcBef>
             </a:pPr>
             <a:r>
-              <a:rPr lang="ru-RU" altLang="ru-RU" b="1" dirty="0"/>
+              <a:rPr lang="ru-RU" altLang="ru-RU" sz="2200" b="1" dirty="0">
+                <a:latin typeface="Times New Roman" panose="02020603050405020304" pitchFamily="18" charset="0"/>
+                <a:cs typeface="Times New Roman" panose="02020603050405020304" pitchFamily="18" charset="0"/>
+              </a:rPr>
               <a:t>Специальность:</a:t>
             </a:r>
           </a:p>
@@ -6444,7 +6979,10 @@
               </a:spcBef>
             </a:pPr>
             <a:r>
-              <a:rPr lang="ru-RU" altLang="ru-RU" dirty="0"/>
+              <a:rPr lang="ru-RU" altLang="ru-RU" sz="2200" dirty="0">
+                <a:latin typeface="Times New Roman" panose="02020603050405020304" pitchFamily="18" charset="0"/>
+                <a:cs typeface="Times New Roman" panose="02020603050405020304" pitchFamily="18" charset="0"/>
+              </a:rPr>
               <a:t>09.02.07 Информационные </a:t>
             </a:r>
           </a:p>
@@ -6458,7 +6996,10 @@
               </a:spcBef>
             </a:pPr>
             <a:r>
-              <a:rPr lang="ru-RU" altLang="ru-RU" dirty="0"/>
+              <a:rPr lang="ru-RU" altLang="ru-RU" sz="2200" dirty="0">
+                <a:latin typeface="Times New Roman" panose="02020603050405020304" pitchFamily="18" charset="0"/>
+                <a:cs typeface="Times New Roman" panose="02020603050405020304" pitchFamily="18" charset="0"/>
+              </a:rPr>
               <a:t>системы и программирование</a:t>
             </a:r>
           </a:p>
@@ -6472,24 +7013,19 @@
               </a:spcBef>
             </a:pPr>
             <a:r>
-              <a:rPr lang="ru-RU" altLang="ru-RU" b="1" dirty="0"/>
+              <a:rPr lang="ru-RU" altLang="ru-RU" sz="2200" b="1" dirty="0">
+                <a:latin typeface="Times New Roman" panose="02020603050405020304" pitchFamily="18" charset="0"/>
+                <a:cs typeface="Times New Roman" panose="02020603050405020304" pitchFamily="18" charset="0"/>
+              </a:rPr>
               <a:t>Руководитель: </a:t>
             </a:r>
             <a:r>
-              <a:rPr lang="ru-RU" altLang="ru-RU" dirty="0"/>
+              <a:rPr lang="ru-RU" altLang="ru-RU" sz="2200" dirty="0">
+                <a:latin typeface="Times New Roman" panose="02020603050405020304" pitchFamily="18" charset="0"/>
+                <a:cs typeface="Times New Roman" panose="02020603050405020304" pitchFamily="18" charset="0"/>
+              </a:rPr>
               <a:t>Седов Алексей Сергеевич</a:t>
             </a:r>
-          </a:p>
-          <a:p>
-            <a:pPr eaLnBrk="1" hangingPunct="1">
-              <a:lnSpc>
-                <a:spcPct val="80000"/>
-              </a:lnSpc>
-              <a:spcBef>
-                <a:spcPct val="20000"/>
-              </a:spcBef>
-            </a:pPr>
-            <a:endParaRPr lang="ru-RU" altLang="ru-RU" b="1" dirty="0"/>
           </a:p>
         </p:txBody>
       </p:sp>
@@ -6650,14 +7186,20 @@
           <a:p>
             <a:pPr algn="ctr" eaLnBrk="1" hangingPunct="1"/>
             <a:r>
-              <a:rPr lang="ru-RU" altLang="ru-RU" sz="2000" dirty="0"/>
+              <a:rPr lang="ru-RU" altLang="ru-RU" sz="2000" dirty="0">
+                <a:latin typeface="Times New Roman" panose="02020603050405020304" pitchFamily="18" charset="0"/>
+                <a:cs typeface="Times New Roman" panose="02020603050405020304" pitchFamily="18" charset="0"/>
+              </a:rPr>
               <a:t>Кировское областное государственное профессиональное образовательное бюджетное учреждение</a:t>
             </a:r>
           </a:p>
           <a:p>
             <a:pPr algn="ctr" eaLnBrk="1" hangingPunct="1"/>
             <a:r>
-              <a:rPr lang="ru-RU" altLang="ru-RU" sz="2000" dirty="0"/>
+              <a:rPr lang="ru-RU" altLang="ru-RU" sz="2000" dirty="0">
+                <a:latin typeface="Times New Roman" panose="02020603050405020304" pitchFamily="18" charset="0"/>
+                <a:cs typeface="Times New Roman" panose="02020603050405020304" pitchFamily="18" charset="0"/>
+              </a:rPr>
               <a:t>«Слободской колледж педагогики и социальных отношений»</a:t>
             </a:r>
           </a:p>
@@ -6740,7 +7282,7 @@
         <p:spPr bwMode="auto">
           <a:xfrm>
             <a:off x="4583114" y="6244031"/>
-            <a:ext cx="2376487" cy="366712"/>
+            <a:ext cx="2376487" cy="461665"/>
           </a:xfrm>
           <a:prstGeom prst="rect">
             <a:avLst/>
@@ -6897,13 +7439,512 @@
               </a:spcBef>
             </a:pPr>
             <a:r>
-              <a:rPr lang="ru-RU" altLang="ru-RU" dirty="0"/>
+              <a:rPr lang="ru-RU" altLang="ru-RU" sz="2400" dirty="0">
+                <a:latin typeface="Times New Roman" panose="02020603050405020304" pitchFamily="18" charset="0"/>
+                <a:cs typeface="Times New Roman" panose="02020603050405020304" pitchFamily="18" charset="0"/>
+              </a:rPr>
               <a:t>2025</a:t>
             </a:r>
           </a:p>
         </p:txBody>
       </p:sp>
     </p:spTree>
+  </p:cSld>
+  <p:clrMapOvr>
+    <a:masterClrMapping/>
+  </p:clrMapOvr>
+</p:sld>
+</file>
+
+<file path=ppt/slides/slide10.xml><?xml version="1.0" encoding="utf-8"?>
+<p:sld xmlns:a="http://schemas.openxmlformats.org/drawingml/2006/main" xmlns:r="http://schemas.openxmlformats.org/officeDocument/2006/relationships" xmlns:p="http://schemas.openxmlformats.org/presentationml/2006/main">
+  <p:cSld>
+    <p:spTree>
+      <p:nvGrpSpPr>
+        <p:cNvPr id="1" name=""/>
+        <p:cNvGrpSpPr/>
+        <p:nvPr/>
+      </p:nvGrpSpPr>
+      <p:grpSpPr>
+        <a:xfrm>
+          <a:off x="0" y="0"/>
+          <a:ext cx="0" cy="0"/>
+          <a:chOff x="0" y="0"/>
+          <a:chExt cx="0" cy="0"/>
+        </a:xfrm>
+      </p:grpSpPr>
+      <p:sp>
+        <p:nvSpPr>
+          <p:cNvPr id="6146" name="Rectangle 2">
+            <a:extLst>
+              <a:ext uri="{FF2B5EF4-FFF2-40B4-BE49-F238E27FC236}">
+                <a16:creationId xmlns:a16="http://schemas.microsoft.com/office/drawing/2014/main" id="{A2A3581E-8C57-46FE-8BF3-C47707894F2E}"/>
+              </a:ext>
+            </a:extLst>
+          </p:cNvPr>
+          <p:cNvSpPr>
+            <a:spLocks noGrp="1" noChangeArrowheads="1"/>
+          </p:cNvSpPr>
+          <p:nvPr>
+            <p:ph type="title"/>
+          </p:nvPr>
+        </p:nvSpPr>
+        <p:spPr>
+          <a:xfrm>
+            <a:off x="1846200" y="268658"/>
+            <a:ext cx="8499600" cy="561975"/>
+          </a:xfrm>
+          <a:effectLst/>
+        </p:spPr>
+        <p:txBody>
+          <a:bodyPr>
+            <a:noAutofit/>
+          </a:bodyPr>
+          <a:lstStyle/>
+          <a:p>
+            <a:pPr algn="ctr">
+              <a:defRPr/>
+            </a:pPr>
+            <a:r>
+              <a:rPr kumimoji="0" lang="ru-RU" altLang="ru-RU" sz="2000" b="1" i="0" u="none" strike="noStrike" kern="1200" cap="none" spc="0" normalizeH="0" baseline="0" noProof="0" dirty="0">
+                <a:ln>
+                  <a:noFill/>
+                </a:ln>
+                <a:solidFill>
+                  <a:schemeClr val="tx1"/>
+                </a:solidFill>
+                <a:effectLst/>
+                <a:uLnTx/>
+                <a:uFillTx/>
+                <a:latin typeface="Times New Roman" panose="02020603050405020304" pitchFamily="18" charset="0"/>
+                <a:cs typeface="Times New Roman" panose="02020603050405020304" pitchFamily="18" charset="0"/>
+              </a:rPr>
+              <a:t>Разработка программного продукта на платформе 1С Предприятие для автоматизации учета готовой продукции на основе технологии RFID</a:t>
+            </a:r>
+          </a:p>
+        </p:txBody>
+      </p:sp>
+      <p:sp>
+        <p:nvSpPr>
+          <p:cNvPr id="2" name="Rectangle 3">
+            <a:extLst>
+              <a:ext uri="{FF2B5EF4-FFF2-40B4-BE49-F238E27FC236}">
+                <a16:creationId xmlns:a16="http://schemas.microsoft.com/office/drawing/2014/main" id="{84F121AC-2852-C235-4843-164DDBD45CB8}"/>
+              </a:ext>
+            </a:extLst>
+          </p:cNvPr>
+          <p:cNvSpPr>
+            <a:spLocks noGrp="1" noChangeArrowheads="1"/>
+          </p:cNvSpPr>
+          <p:nvPr>
+            <p:ph idx="1"/>
+          </p:nvPr>
+        </p:nvSpPr>
+        <p:spPr>
+          <a:xfrm>
+            <a:off x="1981200" y="3213100"/>
+            <a:ext cx="8229600" cy="965200"/>
+          </a:xfrm>
+        </p:spPr>
+        <p:txBody>
+          <a:bodyPr rtlCol="0">
+            <a:normAutofit/>
+          </a:bodyPr>
+          <a:lstStyle/>
+          <a:p>
+            <a:pPr marL="182880" indent="-182880" algn="ctr">
+              <a:buClr>
+                <a:schemeClr val="accent1">
+                  <a:lumMod val="75000"/>
+                </a:schemeClr>
+              </a:buClr>
+              <a:buNone/>
+              <a:defRPr/>
+            </a:pPr>
+            <a:r>
+              <a:rPr lang="ru-RU" altLang="ru-RU" sz="3600" dirty="0">
+                <a:solidFill>
+                  <a:schemeClr val="tx1"/>
+                </a:solidFill>
+                <a:effectLst/>
+                <a:latin typeface="Times New Roman" panose="02020603050405020304" pitchFamily="18" charset="0"/>
+              </a:rPr>
+              <a:t>Демонстрация программы</a:t>
+            </a:r>
+          </a:p>
+        </p:txBody>
+      </p:sp>
+    </p:spTree>
+    <p:extLst>
+      <p:ext uri="{BB962C8B-B14F-4D97-AF65-F5344CB8AC3E}">
+        <p14:creationId xmlns:p14="http://schemas.microsoft.com/office/powerpoint/2010/main" val="2204661976"/>
+      </p:ext>
+    </p:extLst>
+  </p:cSld>
+  <p:clrMapOvr>
+    <a:masterClrMapping/>
+  </p:clrMapOvr>
+</p:sld>
+</file>
+
+<file path=ppt/slides/slide11.xml><?xml version="1.0" encoding="utf-8"?>
+<p:sld xmlns:a="http://schemas.openxmlformats.org/drawingml/2006/main" xmlns:r="http://schemas.openxmlformats.org/officeDocument/2006/relationships" xmlns:p="http://schemas.openxmlformats.org/presentationml/2006/main">
+  <p:cSld>
+    <p:spTree>
+      <p:nvGrpSpPr>
+        <p:cNvPr id="1" name=""/>
+        <p:cNvGrpSpPr/>
+        <p:nvPr/>
+      </p:nvGrpSpPr>
+      <p:grpSpPr>
+        <a:xfrm>
+          <a:off x="0" y="0"/>
+          <a:ext cx="0" cy="0"/>
+          <a:chOff x="0" y="0"/>
+          <a:chExt cx="0" cy="0"/>
+        </a:xfrm>
+      </p:grpSpPr>
+      <p:sp>
+        <p:nvSpPr>
+          <p:cNvPr id="4098" name="Rectangle 2">
+            <a:extLst>
+              <a:ext uri="{FF2B5EF4-FFF2-40B4-BE49-F238E27FC236}">
+                <a16:creationId xmlns:a16="http://schemas.microsoft.com/office/drawing/2014/main" id="{D265DC48-4346-440A-B79D-A3C830C24618}"/>
+              </a:ext>
+            </a:extLst>
+          </p:cNvPr>
+          <p:cNvSpPr>
+            <a:spLocks noGrp="1" noChangeArrowheads="1"/>
+          </p:cNvSpPr>
+          <p:nvPr>
+            <p:ph type="title"/>
+          </p:nvPr>
+        </p:nvSpPr>
+        <p:spPr>
+          <a:xfrm>
+            <a:off x="1846200" y="274638"/>
+            <a:ext cx="8499600" cy="561975"/>
+          </a:xfrm>
+          <a:effectLst/>
+        </p:spPr>
+        <p:txBody>
+          <a:bodyPr>
+            <a:noAutofit/>
+          </a:bodyPr>
+          <a:lstStyle/>
+          <a:p>
+            <a:pPr algn="ctr">
+              <a:defRPr/>
+            </a:pPr>
+            <a:r>
+              <a:rPr kumimoji="0" lang="ru-RU" altLang="ru-RU" sz="2000" b="1" i="0" u="none" strike="noStrike" kern="1200" cap="none" spc="0" normalizeH="0" baseline="0" noProof="0" dirty="0">
+                <a:ln>
+                  <a:noFill/>
+                </a:ln>
+                <a:solidFill>
+                  <a:schemeClr val="tx1"/>
+                </a:solidFill>
+                <a:effectLst/>
+                <a:uLnTx/>
+                <a:uFillTx/>
+                <a:latin typeface="Times New Roman" panose="02020603050405020304" pitchFamily="18" charset="0"/>
+                <a:cs typeface="Times New Roman" panose="02020603050405020304" pitchFamily="18" charset="0"/>
+              </a:rPr>
+              <a:t>Разработка программного продукта на платформе 1С Предприятие для автоматизации учета готовой продукции на основе технологии RFID</a:t>
+            </a:r>
+          </a:p>
+        </p:txBody>
+      </p:sp>
+      <p:sp>
+        <p:nvSpPr>
+          <p:cNvPr id="7171" name="Rectangle 3">
+            <a:extLst>
+              <a:ext uri="{FF2B5EF4-FFF2-40B4-BE49-F238E27FC236}">
+                <a16:creationId xmlns:a16="http://schemas.microsoft.com/office/drawing/2014/main" id="{F0400F77-D084-4832-956A-302882DE030F}"/>
+              </a:ext>
+            </a:extLst>
+          </p:cNvPr>
+          <p:cNvSpPr>
+            <a:spLocks noGrp="1" noChangeArrowheads="1"/>
+          </p:cNvSpPr>
+          <p:nvPr>
+            <p:ph idx="1"/>
+          </p:nvPr>
+        </p:nvSpPr>
+        <p:spPr>
+          <a:xfrm>
+            <a:off x="1343026" y="1557339"/>
+            <a:ext cx="9324975" cy="4872958"/>
+          </a:xfrm>
+        </p:spPr>
+        <p:txBody>
+          <a:bodyPr>
+            <a:noAutofit/>
+          </a:bodyPr>
+          <a:lstStyle/>
+          <a:p>
+            <a:pPr marL="0" indent="452438" algn="just">
+              <a:spcAft>
+                <a:spcPts val="800"/>
+              </a:spcAft>
+              <a:buNone/>
+            </a:pPr>
+            <a:endParaRPr lang="ru-RU" altLang="ru-RU" sz="2200" dirty="0">
+              <a:solidFill>
+                <a:schemeClr val="tx1"/>
+              </a:solidFill>
+              <a:effectLst/>
+              <a:latin typeface="Times New Roman" panose="02020603050405020304" pitchFamily="18" charset="0"/>
+              <a:cs typeface="Times New Roman" panose="02020603050405020304" pitchFamily="18" charset="0"/>
+            </a:endParaRPr>
+          </a:p>
+          <a:p>
+            <a:pPr marL="0" indent="452438" algn="just">
+              <a:spcAft>
+                <a:spcPts val="800"/>
+              </a:spcAft>
+              <a:buNone/>
+            </a:pPr>
+            <a:r>
+              <a:rPr lang="ru-RU" altLang="ru-RU" sz="2200" dirty="0">
+                <a:solidFill>
+                  <a:schemeClr val="tx1"/>
+                </a:solidFill>
+                <a:effectLst/>
+                <a:latin typeface="Times New Roman" panose="02020603050405020304" pitchFamily="18" charset="0"/>
+                <a:cs typeface="Times New Roman" panose="02020603050405020304" pitchFamily="18" charset="0"/>
+              </a:rPr>
+              <a:t>В результате выполнения дипломного проекта была разработана программа для учета готовой продукции на основе технологии RFID. Основные задачи, поставленные в начале работы, были успешно решены, что позволило создать эффективный инструмент для управления запасами на складах и в производственных помещениях. </a:t>
+            </a:r>
+          </a:p>
+          <a:p>
+            <a:pPr marL="0" indent="452438" algn="just">
+              <a:spcAft>
+                <a:spcPts val="800"/>
+              </a:spcAft>
+              <a:buNone/>
+            </a:pPr>
+            <a:endParaRPr lang="ru-RU" altLang="ru-RU" sz="2200" dirty="0">
+              <a:solidFill>
+                <a:schemeClr val="tx1"/>
+              </a:solidFill>
+              <a:latin typeface="Times New Roman" panose="02020603050405020304" pitchFamily="18" charset="0"/>
+              <a:cs typeface="Times New Roman" panose="02020603050405020304" pitchFamily="18" charset="0"/>
+            </a:endParaRPr>
+          </a:p>
+        </p:txBody>
+      </p:sp>
+      <p:sp>
+        <p:nvSpPr>
+          <p:cNvPr id="7172" name="Text Box 4">
+            <a:extLst>
+              <a:ext uri="{FF2B5EF4-FFF2-40B4-BE49-F238E27FC236}">
+                <a16:creationId xmlns:a16="http://schemas.microsoft.com/office/drawing/2014/main" id="{865126F9-BFEC-4A7B-BB01-A3A690E2F42F}"/>
+              </a:ext>
+            </a:extLst>
+          </p:cNvPr>
+          <p:cNvSpPr txBox="1">
+            <a:spLocks noChangeArrowheads="1"/>
+          </p:cNvSpPr>
+          <p:nvPr/>
+        </p:nvSpPr>
+        <p:spPr bwMode="auto">
+          <a:xfrm>
+            <a:off x="2782888" y="836613"/>
+            <a:ext cx="6553200" cy="541174"/>
+          </a:xfrm>
+          <a:prstGeom prst="rect">
+            <a:avLst/>
+          </a:prstGeom>
+          <a:noFill/>
+          <a:ln>
+            <a:noFill/>
+          </a:ln>
+          <a:effectLst/>
+          <a:extLst>
+            <a:ext uri="{909E8E84-426E-40DD-AFC4-6F175D3DCCD1}">
+              <a14:hiddenFill xmlns:a14="http://schemas.microsoft.com/office/drawing/2010/main">
+                <a:solidFill>
+                  <a:schemeClr val="accent1"/>
+                </a:solidFill>
+              </a14:hiddenFill>
+            </a:ext>
+            <a:ext uri="{91240B29-F687-4F45-9708-019B960494DF}">
+              <a14:hiddenLine xmlns:a14="http://schemas.microsoft.com/office/drawing/2010/main" w="9525">
+                <a:solidFill>
+                  <a:schemeClr val="tx1"/>
+                </a:solidFill>
+                <a:miter lim="800000"/>
+                <a:headEnd/>
+                <a:tailEnd/>
+              </a14:hiddenLine>
+            </a:ext>
+            <a:ext uri="{AF507438-7753-43E0-B8FC-AC1667EBCBE1}">
+              <a14:hiddenEffects xmlns:a14="http://schemas.microsoft.com/office/drawing/2010/main">
+                <a:effectLst>
+                  <a:outerShdw dist="35921" dir="2700000" algn="ctr" rotWithShape="0">
+                    <a:schemeClr val="bg2"/>
+                  </a:outerShdw>
+                </a:effectLst>
+              </a14:hiddenEffects>
+            </a:ext>
+          </a:extLst>
+        </p:spPr>
+        <p:txBody>
+          <a:bodyPr>
+            <a:spAutoFit/>
+          </a:bodyPr>
+          <a:lstStyle>
+            <a:lvl1pPr>
+              <a:defRPr>
+                <a:solidFill>
+                  <a:schemeClr val="tx1"/>
+                </a:solidFill>
+                <a:latin typeface="Arial" panose="020B0604020202020204" pitchFamily="34" charset="0"/>
+                <a:cs typeface="Arial" panose="020B0604020202020204" pitchFamily="34" charset="0"/>
+              </a:defRPr>
+            </a:lvl1pPr>
+            <a:lvl2pPr marL="742950" indent="-285750">
+              <a:defRPr>
+                <a:solidFill>
+                  <a:schemeClr val="tx1"/>
+                </a:solidFill>
+                <a:latin typeface="Arial" panose="020B0604020202020204" pitchFamily="34" charset="0"/>
+                <a:cs typeface="Arial" panose="020B0604020202020204" pitchFamily="34" charset="0"/>
+              </a:defRPr>
+            </a:lvl2pPr>
+            <a:lvl3pPr marL="1143000" indent="-228600">
+              <a:defRPr>
+                <a:solidFill>
+                  <a:schemeClr val="tx1"/>
+                </a:solidFill>
+                <a:latin typeface="Arial" panose="020B0604020202020204" pitchFamily="34" charset="0"/>
+                <a:cs typeface="Arial" panose="020B0604020202020204" pitchFamily="34" charset="0"/>
+              </a:defRPr>
+            </a:lvl3pPr>
+            <a:lvl4pPr marL="1600200" indent="-228600">
+              <a:defRPr>
+                <a:solidFill>
+                  <a:schemeClr val="tx1"/>
+                </a:solidFill>
+                <a:latin typeface="Arial" panose="020B0604020202020204" pitchFamily="34" charset="0"/>
+                <a:cs typeface="Arial" panose="020B0604020202020204" pitchFamily="34" charset="0"/>
+              </a:defRPr>
+            </a:lvl4pPr>
+            <a:lvl5pPr marL="2057400" indent="-228600">
+              <a:defRPr>
+                <a:solidFill>
+                  <a:schemeClr val="tx1"/>
+                </a:solidFill>
+                <a:latin typeface="Arial" panose="020B0604020202020204" pitchFamily="34" charset="0"/>
+                <a:cs typeface="Arial" panose="020B0604020202020204" pitchFamily="34" charset="0"/>
+              </a:defRPr>
+            </a:lvl5pPr>
+            <a:lvl6pPr marL="2514600" indent="-228600" eaLnBrk="0" fontAlgn="base" hangingPunct="0">
+              <a:spcBef>
+                <a:spcPct val="0"/>
+              </a:spcBef>
+              <a:spcAft>
+                <a:spcPct val="0"/>
+              </a:spcAft>
+              <a:defRPr>
+                <a:solidFill>
+                  <a:schemeClr val="tx1"/>
+                </a:solidFill>
+                <a:latin typeface="Arial" panose="020B0604020202020204" pitchFamily="34" charset="0"/>
+                <a:cs typeface="Arial" panose="020B0604020202020204" pitchFamily="34" charset="0"/>
+              </a:defRPr>
+            </a:lvl6pPr>
+            <a:lvl7pPr marL="2971800" indent="-228600" eaLnBrk="0" fontAlgn="base" hangingPunct="0">
+              <a:spcBef>
+                <a:spcPct val="0"/>
+              </a:spcBef>
+              <a:spcAft>
+                <a:spcPct val="0"/>
+              </a:spcAft>
+              <a:defRPr>
+                <a:solidFill>
+                  <a:schemeClr val="tx1"/>
+                </a:solidFill>
+                <a:latin typeface="Arial" panose="020B0604020202020204" pitchFamily="34" charset="0"/>
+                <a:cs typeface="Arial" panose="020B0604020202020204" pitchFamily="34" charset="0"/>
+              </a:defRPr>
+            </a:lvl7pPr>
+            <a:lvl8pPr marL="3429000" indent="-228600" eaLnBrk="0" fontAlgn="base" hangingPunct="0">
+              <a:spcBef>
+                <a:spcPct val="0"/>
+              </a:spcBef>
+              <a:spcAft>
+                <a:spcPct val="0"/>
+              </a:spcAft>
+              <a:defRPr>
+                <a:solidFill>
+                  <a:schemeClr val="tx1"/>
+                </a:solidFill>
+                <a:latin typeface="Arial" panose="020B0604020202020204" pitchFamily="34" charset="0"/>
+                <a:cs typeface="Arial" panose="020B0604020202020204" pitchFamily="34" charset="0"/>
+              </a:defRPr>
+            </a:lvl8pPr>
+            <a:lvl9pPr marL="3886200" indent="-228600" eaLnBrk="0" fontAlgn="base" hangingPunct="0">
+              <a:spcBef>
+                <a:spcPct val="0"/>
+              </a:spcBef>
+              <a:spcAft>
+                <a:spcPct val="0"/>
+              </a:spcAft>
+              <a:defRPr>
+                <a:solidFill>
+                  <a:schemeClr val="tx1"/>
+                </a:solidFill>
+                <a:latin typeface="Arial" panose="020B0604020202020204" pitchFamily="34" charset="0"/>
+                <a:cs typeface="Arial" panose="020B0604020202020204" pitchFamily="34" charset="0"/>
+              </a:defRPr>
+            </a:lvl9pPr>
+          </a:lstStyle>
+          <a:p>
+            <a:pPr marL="0" marR="0" lvl="0" indent="0" algn="ctr" defTabSz="457200" rtl="0" eaLnBrk="1" fontAlgn="auto" latinLnBrk="0" hangingPunct="1">
+              <a:lnSpc>
+                <a:spcPct val="100000"/>
+              </a:lnSpc>
+              <a:spcBef>
+                <a:spcPct val="50000"/>
+              </a:spcBef>
+              <a:spcAft>
+                <a:spcPts val="0"/>
+              </a:spcAft>
+              <a:buClrTx/>
+              <a:buSzTx/>
+              <a:buFontTx/>
+              <a:buNone/>
+              <a:tabLst/>
+              <a:defRPr/>
+            </a:pPr>
+            <a:r>
+              <a:rPr kumimoji="0" lang="ru-RU" altLang="ru-RU" sz="2800" b="1" i="0" u="none" strike="noStrike" kern="1200" cap="none" spc="0" normalizeH="0" baseline="0" noProof="0" dirty="0">
+                <a:ln>
+                  <a:noFill/>
+                </a:ln>
+                <a:solidFill>
+                  <a:prstClr val="black"/>
+                </a:solidFill>
+                <a:effectLst/>
+                <a:uLnTx/>
+                <a:uFillTx/>
+                <a:latin typeface="Times New Roman" panose="02020603050405020304" pitchFamily="18" charset="0"/>
+                <a:ea typeface="+mn-ea"/>
+                <a:cs typeface="+mn-cs"/>
+              </a:rPr>
+              <a:t>Заключение</a:t>
+            </a:r>
+          </a:p>
+        </p:txBody>
+      </p:sp>
+    </p:spTree>
+    <p:extLst>
+      <p:ext uri="{BB962C8B-B14F-4D97-AF65-F5344CB8AC3E}">
+        <p14:creationId xmlns:p14="http://schemas.microsoft.com/office/powerpoint/2010/main" val="2813848813"/>
+      </p:ext>
+    </p:extLst>
   </p:cSld>
   <p:clrMapOvr>
     <a:masterClrMapping/>
@@ -6946,9 +7987,10 @@
         </p:nvSpPr>
         <p:spPr>
           <a:xfrm>
-            <a:off x="1986756" y="274638"/>
-            <a:ext cx="8218487" cy="561975"/>
+            <a:off x="1832964" y="274638"/>
+            <a:ext cx="8526072" cy="561975"/>
           </a:xfrm>
+          <a:effectLst/>
         </p:spPr>
         <p:txBody>
           <a:bodyPr>
@@ -6974,7 +8016,7 @@
               <a:defRPr/>
             </a:pPr>
             <a:r>
-              <a:rPr kumimoji="0" lang="ru-RU" altLang="ru-RU" sz="1600" b="1" i="0" u="none" strike="noStrike" kern="1200" cap="none" spc="0" normalizeH="0" baseline="0" noProof="0" dirty="0">
+              <a:rPr kumimoji="0" lang="ru-RU" altLang="ru-RU" sz="2000" b="1" i="0" u="none" strike="noStrike" kern="1200" cap="none" spc="0" normalizeH="0" baseline="0" noProof="0" dirty="0">
                 <a:ln>
                   <a:noFill/>
                 </a:ln>
@@ -6990,68 +8032,6 @@
               </a:rPr>
               <a:t>Разработка программного продукта на платформе 1С Предприятие для автоматизации учета готовой продукции на основе технологии RFID</a:t>
             </a:r>
-          </a:p>
-        </p:txBody>
-      </p:sp>
-      <p:sp>
-        <p:nvSpPr>
-          <p:cNvPr id="7171" name="Rectangle 3">
-            <a:extLst>
-              <a:ext uri="{FF2B5EF4-FFF2-40B4-BE49-F238E27FC236}">
-                <a16:creationId xmlns:a16="http://schemas.microsoft.com/office/drawing/2014/main" id="{F0400F77-D084-4832-956A-302882DE030F}"/>
-              </a:ext>
-            </a:extLst>
-          </p:cNvPr>
-          <p:cNvSpPr>
-            <a:spLocks noGrp="1" noChangeArrowheads="1"/>
-          </p:cNvSpPr>
-          <p:nvPr>
-            <p:ph idx="1"/>
-          </p:nvPr>
-        </p:nvSpPr>
-        <p:spPr>
-          <a:xfrm>
-            <a:off x="1362075" y="1722439"/>
-            <a:ext cx="9324975" cy="1322419"/>
-          </a:xfrm>
-        </p:spPr>
-        <p:txBody>
-          <a:bodyPr>
-            <a:normAutofit/>
-          </a:bodyPr>
-          <a:lstStyle/>
-          <a:p>
-            <a:pPr marL="0" indent="452438" algn="just">
-              <a:buFontTx/>
-              <a:buNone/>
-            </a:pPr>
-            <a:r>
-              <a:rPr lang="ru-RU" altLang="ru-RU" sz="2400" dirty="0">
-                <a:solidFill>
-                  <a:schemeClr val="tx1"/>
-                </a:solidFill>
-                <a:latin typeface="Times New Roman" panose="02020603050405020304" pitchFamily="18" charset="0"/>
-              </a:rPr>
-              <a:t>Цель дипломного проекта – </a:t>
-            </a:r>
-            <a:r>
-              <a:rPr lang="ru-RU" sz="2400" dirty="0">
-                <a:solidFill>
-                  <a:schemeClr val="tx1"/>
-                </a:solidFill>
-                <a:effectLst/>
-                <a:latin typeface="Times New Roman" panose="02020603050405020304" pitchFamily="18" charset="0"/>
-                <a:ea typeface="Calibri" panose="020F0502020204030204" pitchFamily="34" charset="0"/>
-              </a:rPr>
-              <a:t>разработка программного обеспечения, направленного на повышение эффективности учета готовой продукции на основе технологии RFID</a:t>
-            </a:r>
-            <a:endParaRPr lang="ru-RU" altLang="ru-RU" sz="2400" dirty="0">
-              <a:solidFill>
-                <a:schemeClr val="tx1"/>
-              </a:solidFill>
-              <a:latin typeface="Times New Roman" panose="02020603050405020304" pitchFamily="18" charset="0"/>
-              <a:cs typeface="Times New Roman" panose="02020603050405020304" pitchFamily="18" charset="0"/>
-            </a:endParaRPr>
           </a:p>
         </p:txBody>
       </p:sp>
@@ -7071,7 +8051,7 @@
         </p:nvSpPr>
         <p:spPr bwMode="auto">
           <a:xfrm>
-            <a:off x="2782888" y="836613"/>
+            <a:off x="2819400" y="938017"/>
             <a:ext cx="6553200" cy="519112"/>
           </a:xfrm>
           <a:prstGeom prst="rect">
@@ -7239,255 +8219,277 @@
       </p:sp>
       <p:sp>
         <p:nvSpPr>
-          <p:cNvPr id="7173" name="Rectangle 5">
+          <p:cNvPr id="7" name="Text 1">
             <a:extLst>
               <a:ext uri="{FF2B5EF4-FFF2-40B4-BE49-F238E27FC236}">
-                <a16:creationId xmlns:a16="http://schemas.microsoft.com/office/drawing/2014/main" id="{8F784F4C-5443-4AC7-8C02-E27F17AE00B0}"/>
+                <a16:creationId xmlns:a16="http://schemas.microsoft.com/office/drawing/2014/main" id="{E4D35E34-756F-7361-F83B-463E745C5605}"/>
               </a:ext>
             </a:extLst>
           </p:cNvPr>
-          <p:cNvSpPr>
-            <a:spLocks noChangeArrowheads="1"/>
-          </p:cNvSpPr>
+          <p:cNvSpPr/>
           <p:nvPr/>
         </p:nvSpPr>
-        <p:spPr bwMode="auto">
+        <p:spPr>
           <a:xfrm>
-            <a:off x="1562893" y="3044858"/>
-            <a:ext cx="8642350" cy="3046412"/>
+            <a:off x="1239838" y="2022728"/>
+            <a:ext cx="3086100" cy="385763"/>
           </a:xfrm>
           <a:prstGeom prst="rect">
             <a:avLst/>
           </a:prstGeom>
           <a:noFill/>
-          <a:ln>
-            <a:noFill/>
-          </a:ln>
-          <a:effectLst/>
-          <a:extLst>
-            <a:ext uri="{909E8E84-426E-40DD-AFC4-6F175D3DCCD1}">
-              <a14:hiddenFill xmlns:a14="http://schemas.microsoft.com/office/drawing/2010/main">
-                <a:solidFill>
-                  <a:schemeClr val="accent1"/>
-                </a:solidFill>
-              </a14:hiddenFill>
-            </a:ext>
-            <a:ext uri="{91240B29-F687-4F45-9708-019B960494DF}">
-              <a14:hiddenLine xmlns:a14="http://schemas.microsoft.com/office/drawing/2010/main" w="9525">
-                <a:solidFill>
-                  <a:schemeClr val="tx1"/>
-                </a:solidFill>
-                <a:miter lim="800000"/>
-                <a:headEnd/>
-                <a:tailEnd/>
-              </a14:hiddenLine>
-            </a:ext>
-            <a:ext uri="{AF507438-7753-43E0-B8FC-AC1667EBCBE1}">
-              <a14:hiddenEffects xmlns:a14="http://schemas.microsoft.com/office/drawing/2010/main">
-                <a:effectLst>
-                  <a:outerShdw dist="35921" dir="2700000" algn="ctr" rotWithShape="0">
-                    <a:schemeClr val="bg2"/>
-                  </a:outerShdw>
-                </a:effectLst>
-              </a14:hiddenEffects>
-            </a:ext>
-          </a:extLst>
+          <a:ln/>
         </p:spPr>
         <p:txBody>
-          <a:bodyPr>
-            <a:spAutoFit/>
-          </a:bodyPr>
-          <a:lstStyle>
-            <a:lvl1pPr>
-              <a:defRPr>
-                <a:solidFill>
-                  <a:schemeClr val="tx1"/>
-                </a:solidFill>
-                <a:latin typeface="Arial" panose="020B0604020202020204" pitchFamily="34" charset="0"/>
-                <a:cs typeface="Arial" panose="020B0604020202020204" pitchFamily="34" charset="0"/>
-              </a:defRPr>
-            </a:lvl1pPr>
-            <a:lvl2pPr marL="742950" indent="-285750">
-              <a:defRPr>
-                <a:solidFill>
-                  <a:schemeClr val="tx1"/>
-                </a:solidFill>
-                <a:latin typeface="Arial" panose="020B0604020202020204" pitchFamily="34" charset="0"/>
-                <a:cs typeface="Arial" panose="020B0604020202020204" pitchFamily="34" charset="0"/>
-              </a:defRPr>
-            </a:lvl2pPr>
-            <a:lvl3pPr marL="1143000" indent="-228600">
-              <a:defRPr>
-                <a:solidFill>
-                  <a:schemeClr val="tx1"/>
-                </a:solidFill>
-                <a:latin typeface="Arial" panose="020B0604020202020204" pitchFamily="34" charset="0"/>
-                <a:cs typeface="Arial" panose="020B0604020202020204" pitchFamily="34" charset="0"/>
-              </a:defRPr>
-            </a:lvl3pPr>
-            <a:lvl4pPr marL="1600200" indent="-228600">
-              <a:defRPr>
-                <a:solidFill>
-                  <a:schemeClr val="tx1"/>
-                </a:solidFill>
-                <a:latin typeface="Arial" panose="020B0604020202020204" pitchFamily="34" charset="0"/>
-                <a:cs typeface="Arial" panose="020B0604020202020204" pitchFamily="34" charset="0"/>
-              </a:defRPr>
-            </a:lvl4pPr>
-            <a:lvl5pPr marL="2057400" indent="-228600">
-              <a:defRPr>
-                <a:solidFill>
-                  <a:schemeClr val="tx1"/>
-                </a:solidFill>
-                <a:latin typeface="Arial" panose="020B0604020202020204" pitchFamily="34" charset="0"/>
-                <a:cs typeface="Arial" panose="020B0604020202020204" pitchFamily="34" charset="0"/>
-              </a:defRPr>
-            </a:lvl5pPr>
-            <a:lvl6pPr marL="2514600" indent="-228600" eaLnBrk="0" fontAlgn="base" hangingPunct="0">
-              <a:spcBef>
-                <a:spcPct val="0"/>
-              </a:spcBef>
-              <a:spcAft>
-                <a:spcPct val="0"/>
-              </a:spcAft>
-              <a:defRPr>
-                <a:solidFill>
-                  <a:schemeClr val="tx1"/>
-                </a:solidFill>
-                <a:latin typeface="Arial" panose="020B0604020202020204" pitchFamily="34" charset="0"/>
-                <a:cs typeface="Arial" panose="020B0604020202020204" pitchFamily="34" charset="0"/>
-              </a:defRPr>
-            </a:lvl6pPr>
-            <a:lvl7pPr marL="2971800" indent="-228600" eaLnBrk="0" fontAlgn="base" hangingPunct="0">
-              <a:spcBef>
-                <a:spcPct val="0"/>
-              </a:spcBef>
-              <a:spcAft>
-                <a:spcPct val="0"/>
-              </a:spcAft>
-              <a:defRPr>
-                <a:solidFill>
-                  <a:schemeClr val="tx1"/>
-                </a:solidFill>
-                <a:latin typeface="Arial" panose="020B0604020202020204" pitchFamily="34" charset="0"/>
-                <a:cs typeface="Arial" panose="020B0604020202020204" pitchFamily="34" charset="0"/>
-              </a:defRPr>
-            </a:lvl7pPr>
-            <a:lvl8pPr marL="3429000" indent="-228600" eaLnBrk="0" fontAlgn="base" hangingPunct="0">
-              <a:spcBef>
-                <a:spcPct val="0"/>
-              </a:spcBef>
-              <a:spcAft>
-                <a:spcPct val="0"/>
-              </a:spcAft>
-              <a:defRPr>
-                <a:solidFill>
-                  <a:schemeClr val="tx1"/>
-                </a:solidFill>
-                <a:latin typeface="Arial" panose="020B0604020202020204" pitchFamily="34" charset="0"/>
-                <a:cs typeface="Arial" panose="020B0604020202020204" pitchFamily="34" charset="0"/>
-              </a:defRPr>
-            </a:lvl8pPr>
-            <a:lvl9pPr marL="3886200" indent="-228600" eaLnBrk="0" fontAlgn="base" hangingPunct="0">
-              <a:spcBef>
-                <a:spcPct val="0"/>
-              </a:spcBef>
-              <a:spcAft>
-                <a:spcPct val="0"/>
-              </a:spcAft>
-              <a:defRPr>
-                <a:solidFill>
-                  <a:schemeClr val="tx1"/>
-                </a:solidFill>
-                <a:latin typeface="Arial" panose="020B0604020202020204" pitchFamily="34" charset="0"/>
-                <a:cs typeface="Arial" panose="020B0604020202020204" pitchFamily="34" charset="0"/>
-              </a:defRPr>
-            </a:lvl9pPr>
-          </a:lstStyle>
-          <a:p>
-            <a:pPr eaLnBrk="1" hangingPunct="1"/>
+          <a:bodyPr wrap="none" lIns="0" tIns="0" rIns="0" bIns="0" rtlCol="0" anchor="t"/>
+          <a:lstStyle/>
+          <a:p>
+            <a:pPr marL="0" indent="0" algn="ctr">
+              <a:lnSpc>
+                <a:spcPts val="3000"/>
+              </a:lnSpc>
+              <a:buNone/>
+            </a:pPr>
             <a:r>
               <a:rPr lang="ru-RU" altLang="ru-RU" sz="2400" dirty="0">
                 <a:latin typeface="Times New Roman" panose="02020603050405020304" pitchFamily="18" charset="0"/>
+                <a:cs typeface="Times New Roman" panose="02020603050405020304" pitchFamily="18" charset="0"/>
               </a:rPr>
-              <a:t>  Задачи</a:t>
-            </a:r>
-          </a:p>
-          <a:p>
-            <a:pPr eaLnBrk="1" hangingPunct="1">
-              <a:buFontTx/>
+              <a:t>Цель дипломного проекта</a:t>
+            </a:r>
+            <a:endParaRPr lang="en-US" sz="2400" dirty="0">
+              <a:latin typeface="Times New Roman" panose="02020603050405020304" pitchFamily="18" charset="0"/>
+              <a:cs typeface="Times New Roman" panose="02020603050405020304" pitchFamily="18" charset="0"/>
+            </a:endParaRPr>
+          </a:p>
+        </p:txBody>
+      </p:sp>
+      <p:sp>
+        <p:nvSpPr>
+          <p:cNvPr id="8" name="Text 2">
+            <a:extLst>
+              <a:ext uri="{FF2B5EF4-FFF2-40B4-BE49-F238E27FC236}">
+                <a16:creationId xmlns:a16="http://schemas.microsoft.com/office/drawing/2014/main" id="{32A26053-BE3F-2432-FDAA-FB07A35BD27D}"/>
+              </a:ext>
+            </a:extLst>
+          </p:cNvPr>
+          <p:cNvSpPr/>
+          <p:nvPr/>
+        </p:nvSpPr>
+        <p:spPr>
+          <a:xfrm>
+            <a:off x="555546" y="2596758"/>
+            <a:ext cx="5239344" cy="2767222"/>
+          </a:xfrm>
+          <a:prstGeom prst="rect">
+            <a:avLst/>
+          </a:prstGeom>
+          <a:noFill/>
+          <a:ln/>
+        </p:spPr>
+        <p:txBody>
+          <a:bodyPr wrap="square" lIns="0" tIns="0" rIns="0" bIns="0" rtlCol="0" anchor="t"/>
+          <a:lstStyle/>
+          <a:p>
+            <a:pPr indent="452438">
+              <a:lnSpc>
+                <a:spcPct val="150000"/>
+              </a:lnSpc>
+            </a:pPr>
+            <a:r>
+              <a:rPr lang="ru-RU" sz="2200" dirty="0">
+                <a:latin typeface="Times New Roman" panose="02020603050405020304" pitchFamily="18" charset="0"/>
+                <a:cs typeface="Times New Roman" panose="02020603050405020304" pitchFamily="18" charset="0"/>
+              </a:rPr>
+              <a:t>Разработка программного обеспечения, направленного на повышение эффективности учета готовой продукции на основе технологии RFID</a:t>
+            </a:r>
+          </a:p>
+        </p:txBody>
+      </p:sp>
+      <p:sp>
+        <p:nvSpPr>
+          <p:cNvPr id="9" name="Text 3">
+            <a:extLst>
+              <a:ext uri="{FF2B5EF4-FFF2-40B4-BE49-F238E27FC236}">
+                <a16:creationId xmlns:a16="http://schemas.microsoft.com/office/drawing/2014/main" id="{BF4F4C2D-68E9-0BD0-CE3E-BCD39AF22A4A}"/>
+              </a:ext>
+            </a:extLst>
+          </p:cNvPr>
+          <p:cNvSpPr/>
+          <p:nvPr/>
+        </p:nvSpPr>
+        <p:spPr>
+          <a:xfrm>
+            <a:off x="6619108" y="1917700"/>
+            <a:ext cx="3086100" cy="385763"/>
+          </a:xfrm>
+          <a:prstGeom prst="rect">
+            <a:avLst/>
+          </a:prstGeom>
+          <a:noFill/>
+          <a:ln/>
+        </p:spPr>
+        <p:txBody>
+          <a:bodyPr wrap="none" lIns="0" tIns="0" rIns="0" bIns="0" rtlCol="0" anchor="t"/>
+          <a:lstStyle/>
+          <a:p>
+            <a:pPr marL="0" indent="0" algn="ctr">
+              <a:lnSpc>
+                <a:spcPts val="3000"/>
+              </a:lnSpc>
+              <a:buNone/>
+            </a:pPr>
+            <a:r>
+              <a:rPr lang="ru-RU" sz="2400" dirty="0">
+                <a:latin typeface="Times New Roman" panose="02020603050405020304" pitchFamily="18" charset="0"/>
+                <a:ea typeface="Fraunces Extra Bold" pitchFamily="34" charset="-122"/>
+                <a:cs typeface="Times New Roman" panose="02020603050405020304" pitchFamily="18" charset="0"/>
+              </a:rPr>
+              <a:t>Задачи</a:t>
+            </a:r>
+            <a:endParaRPr lang="en-US" sz="2400" dirty="0">
+              <a:latin typeface="Times New Roman" panose="02020603050405020304" pitchFamily="18" charset="0"/>
+              <a:cs typeface="Times New Roman" panose="02020603050405020304" pitchFamily="18" charset="0"/>
+            </a:endParaRPr>
+          </a:p>
+        </p:txBody>
+      </p:sp>
+      <p:sp>
+        <p:nvSpPr>
+          <p:cNvPr id="10" name="Text 4">
+            <a:extLst>
+              <a:ext uri="{FF2B5EF4-FFF2-40B4-BE49-F238E27FC236}">
+                <a16:creationId xmlns:a16="http://schemas.microsoft.com/office/drawing/2014/main" id="{1EC5F619-A6C1-BA11-A0E7-45523A449FD8}"/>
+              </a:ext>
+            </a:extLst>
+          </p:cNvPr>
+          <p:cNvSpPr/>
+          <p:nvPr/>
+        </p:nvSpPr>
+        <p:spPr>
+          <a:xfrm>
+            <a:off x="5486400" y="2408491"/>
+            <a:ext cx="6150054" cy="3877194"/>
+          </a:xfrm>
+          <a:prstGeom prst="rect">
+            <a:avLst/>
+          </a:prstGeom>
+          <a:noFill/>
+          <a:ln/>
+        </p:spPr>
+        <p:txBody>
+          <a:bodyPr wrap="square" lIns="0" tIns="0" rIns="0" bIns="0" rtlCol="0" anchor="t"/>
+          <a:lstStyle/>
+          <a:p>
+            <a:pPr marL="800100" lvl="1" indent="-342900">
+              <a:lnSpc>
+                <a:spcPct val="150000"/>
+              </a:lnSpc>
+              <a:buFont typeface="Arial" panose="020B0604020202020204" pitchFamily="34" charset="0"/>
               <a:buChar char="•"/>
             </a:pPr>
             <a:r>
-              <a:rPr lang="ru-RU" altLang="ru-RU" sz="2400" dirty="0">
+              <a:rPr lang="ru-RU" sz="2200" dirty="0">
                 <a:latin typeface="Times New Roman" panose="02020603050405020304" pitchFamily="18" charset="0"/>
+                <a:ea typeface="Nobile" pitchFamily="34" charset="-122"/>
+                <a:cs typeface="Times New Roman" panose="02020603050405020304" pitchFamily="18" charset="0"/>
               </a:rPr>
-              <a:t> Описать предметную область</a:t>
-            </a:r>
-          </a:p>
-          <a:p>
-            <a:pPr eaLnBrk="1" hangingPunct="1">
-              <a:buFontTx/>
+              <a:t>Описание предметной области</a:t>
+            </a:r>
+          </a:p>
+          <a:p>
+            <a:pPr marL="800100" lvl="1" indent="-342900">
+              <a:lnSpc>
+                <a:spcPct val="150000"/>
+              </a:lnSpc>
+              <a:buFont typeface="Arial" panose="020B0604020202020204" pitchFamily="34" charset="0"/>
               <a:buChar char="•"/>
             </a:pPr>
             <a:r>
-              <a:rPr lang="ru-RU" altLang="ru-RU" sz="2400" dirty="0">
+              <a:rPr lang="ru-RU" sz="2200" dirty="0">
                 <a:latin typeface="Times New Roman" panose="02020603050405020304" pitchFamily="18" charset="0"/>
+                <a:ea typeface="Nobile" pitchFamily="34" charset="-122"/>
+                <a:cs typeface="Times New Roman" panose="02020603050405020304" pitchFamily="18" charset="0"/>
               </a:rPr>
-              <a:t> Разработать техническое задание для создания программного продукта</a:t>
-            </a:r>
-          </a:p>
-          <a:p>
-            <a:pPr eaLnBrk="1" hangingPunct="1">
-              <a:buFontTx/>
+              <a:t>Разработка технического задания</a:t>
+            </a:r>
+          </a:p>
+          <a:p>
+            <a:pPr marL="800100" lvl="1" indent="-342900">
+              <a:lnSpc>
+                <a:spcPct val="150000"/>
+              </a:lnSpc>
+              <a:buFont typeface="Arial" panose="020B0604020202020204" pitchFamily="34" charset="0"/>
               <a:buChar char="•"/>
             </a:pPr>
             <a:r>
-              <a:rPr lang="ru-RU" altLang="ru-RU" sz="2400" dirty="0">
+              <a:rPr lang="ru-RU" sz="2200" dirty="0">
                 <a:latin typeface="Times New Roman" panose="02020603050405020304" pitchFamily="18" charset="0"/>
+                <a:ea typeface="Nobile" pitchFamily="34" charset="-122"/>
+                <a:cs typeface="Times New Roman" panose="02020603050405020304" pitchFamily="18" charset="0"/>
               </a:rPr>
-              <a:t> Описать архитектуру программы</a:t>
-            </a:r>
-          </a:p>
-          <a:p>
-            <a:pPr eaLnBrk="1" hangingPunct="1">
-              <a:buFontTx/>
+              <a:t>Описание архитектуры программного обеспечения</a:t>
+            </a:r>
+          </a:p>
+          <a:p>
+            <a:pPr marL="800100" lvl="1" indent="-342900">
+              <a:lnSpc>
+                <a:spcPct val="150000"/>
+              </a:lnSpc>
+              <a:buFont typeface="Arial" panose="020B0604020202020204" pitchFamily="34" charset="0"/>
               <a:buChar char="•"/>
             </a:pPr>
             <a:r>
-              <a:rPr lang="ru-RU" altLang="ru-RU" sz="2400" dirty="0">
+              <a:rPr lang="ru-RU" sz="2200" dirty="0">
                 <a:latin typeface="Times New Roman" panose="02020603050405020304" pitchFamily="18" charset="0"/>
+                <a:ea typeface="Nobile" pitchFamily="34" charset="-122"/>
+                <a:cs typeface="Times New Roman" panose="02020603050405020304" pitchFamily="18" charset="0"/>
               </a:rPr>
-              <a:t> Описать алгоритмы и функционирование программы</a:t>
-            </a:r>
-          </a:p>
-          <a:p>
-            <a:pPr eaLnBrk="1" hangingPunct="1">
-              <a:buFontTx/>
+              <a:t>Разработка алгоритмов функционирования программы</a:t>
+            </a:r>
+          </a:p>
+          <a:p>
+            <a:pPr marL="800100" lvl="1" indent="-342900">
+              <a:lnSpc>
+                <a:spcPct val="150000"/>
+              </a:lnSpc>
+              <a:buFont typeface="Arial" panose="020B0604020202020204" pitchFamily="34" charset="0"/>
               <a:buChar char="•"/>
             </a:pPr>
             <a:r>
-              <a:rPr lang="ru-RU" altLang="ru-RU" sz="2400" dirty="0">
+              <a:rPr lang="ru-RU" sz="2200" dirty="0">
                 <a:latin typeface="Times New Roman" panose="02020603050405020304" pitchFamily="18" charset="0"/>
+                <a:ea typeface="Nobile" pitchFamily="34" charset="-122"/>
+                <a:cs typeface="Times New Roman" panose="02020603050405020304" pitchFamily="18" charset="0"/>
               </a:rPr>
-              <a:t> Провести тестирование и опытную эксплуатацию</a:t>
-            </a:r>
-          </a:p>
-          <a:p>
-            <a:pPr eaLnBrk="1" hangingPunct="1">
-              <a:buFontTx/>
+              <a:t>Тестирование программного модуля </a:t>
+            </a:r>
+          </a:p>
+          <a:p>
+            <a:pPr marL="800100" lvl="1" indent="-342900">
+              <a:lnSpc>
+                <a:spcPct val="150000"/>
+              </a:lnSpc>
+              <a:buFont typeface="Arial" panose="020B0604020202020204" pitchFamily="34" charset="0"/>
               <a:buChar char="•"/>
             </a:pPr>
             <a:r>
-              <a:rPr lang="ru-RU" altLang="ru-RU" sz="2400" dirty="0">
+              <a:rPr lang="ru-RU" sz="2200" dirty="0">
                 <a:latin typeface="Times New Roman" panose="02020603050405020304" pitchFamily="18" charset="0"/>
+                <a:ea typeface="Nobile" pitchFamily="34" charset="-122"/>
+                <a:cs typeface="Times New Roman" panose="02020603050405020304" pitchFamily="18" charset="0"/>
               </a:rPr>
-              <a:t> Разработать руководство оператора</a:t>
+              <a:t>Разработка руководства оператора</a:t>
             </a:r>
           </a:p>
         </p:txBody>
       </p:sp>
     </p:spTree>
+    <p:extLst>
+      <p:ext uri="{BB962C8B-B14F-4D97-AF65-F5344CB8AC3E}">
+        <p14:creationId xmlns:p14="http://schemas.microsoft.com/office/powerpoint/2010/main" val="2018041561"/>
+      </p:ext>
+    </p:extLst>
   </p:cSld>
   <p:clrMapOvr>
     <a:masterClrMapping/>
@@ -7530,13 +8532,14 @@
         </p:nvSpPr>
         <p:spPr>
           <a:xfrm>
-            <a:off x="1992314" y="274639"/>
-            <a:ext cx="8218487" cy="561975"/>
+            <a:off x="1846200" y="274638"/>
+            <a:ext cx="8499600" cy="561975"/>
           </a:xfrm>
+          <a:effectLst/>
         </p:spPr>
         <p:txBody>
           <a:bodyPr>
-            <a:normAutofit fontScale="90000"/>
+            <a:noAutofit/>
           </a:bodyPr>
           <a:lstStyle/>
           <a:p>
@@ -7544,7 +8547,7 @@
               <a:defRPr/>
             </a:pPr>
             <a:r>
-              <a:rPr kumimoji="0" lang="ru-RU" altLang="ru-RU" sz="1800" b="1" i="0" u="none" strike="noStrike" kern="1200" cap="none" spc="0" normalizeH="0" baseline="0" noProof="0" dirty="0">
+              <a:rPr kumimoji="0" lang="ru-RU" altLang="ru-RU" sz="2000" b="1" i="0" u="none" strike="noStrike" kern="1200" cap="none" spc="0" normalizeH="0" baseline="0" noProof="0" dirty="0">
                 <a:ln>
                   <a:noFill/>
                 </a:ln>
@@ -7559,222 +8562,6 @@
               </a:rPr>
               <a:t>Разработка программного продукта на платформе 1С Предприятие для автоматизации учета готовой продукции на основе технологии RFID</a:t>
             </a:r>
-          </a:p>
-        </p:txBody>
-      </p:sp>
-      <p:sp>
-        <p:nvSpPr>
-          <p:cNvPr id="7171" name="Rectangle 3">
-            <a:extLst>
-              <a:ext uri="{FF2B5EF4-FFF2-40B4-BE49-F238E27FC236}">
-                <a16:creationId xmlns:a16="http://schemas.microsoft.com/office/drawing/2014/main" id="{F0400F77-D084-4832-956A-302882DE030F}"/>
-              </a:ext>
-            </a:extLst>
-          </p:cNvPr>
-          <p:cNvSpPr>
-            <a:spLocks noGrp="1" noChangeArrowheads="1"/>
-          </p:cNvSpPr>
-          <p:nvPr>
-            <p:ph idx="1"/>
-          </p:nvPr>
-        </p:nvSpPr>
-        <p:spPr>
-          <a:xfrm>
-            <a:off x="1343026" y="1557339"/>
-            <a:ext cx="9324975" cy="4872958"/>
-          </a:xfrm>
-        </p:spPr>
-        <p:txBody>
-          <a:bodyPr>
-            <a:noAutofit/>
-          </a:bodyPr>
-          <a:lstStyle/>
-          <a:p>
-            <a:pPr marL="0" indent="452438" algn="just">
-              <a:lnSpc>
-                <a:spcPct val="100000"/>
-              </a:lnSpc>
-              <a:spcAft>
-                <a:spcPts val="800"/>
-              </a:spcAft>
-              <a:buNone/>
-            </a:pPr>
-            <a:r>
-              <a:rPr lang="ru-RU" sz="2200" dirty="0">
-                <a:solidFill>
-                  <a:schemeClr val="tx1"/>
-                </a:solidFill>
-                <a:effectLst/>
-                <a:latin typeface="Times New Roman" panose="02020603050405020304" pitchFamily="18" charset="0"/>
-                <a:ea typeface="Calibri" panose="020F0502020204030204" pitchFamily="34" charset="0"/>
-                <a:cs typeface="Times New Roman" panose="02020603050405020304" pitchFamily="18" charset="0"/>
-              </a:rPr>
-              <a:t>Деревообрабатывающее предприятие – это производственное предприятие, занимающееся первичной и вторичной обработкой древесины. </a:t>
-            </a:r>
-          </a:p>
-          <a:p>
-            <a:pPr marL="0" indent="452438" algn="just">
-              <a:lnSpc>
-                <a:spcPct val="100000"/>
-              </a:lnSpc>
-              <a:spcAft>
-                <a:spcPts val="800"/>
-              </a:spcAft>
-              <a:buNone/>
-            </a:pPr>
-            <a:r>
-              <a:rPr lang="ru-RU" sz="2200" dirty="0">
-                <a:solidFill>
-                  <a:schemeClr val="tx1"/>
-                </a:solidFill>
-                <a:effectLst/>
-                <a:latin typeface="Times New Roman" panose="02020603050405020304" pitchFamily="18" charset="0"/>
-                <a:ea typeface="Calibri" panose="020F0502020204030204" pitchFamily="34" charset="0"/>
-              </a:rPr>
-              <a:t>Учет готовой продукции — это процесс отслеживания и управления запасами товаров, которые были произведены и готовы к продаже. </a:t>
-            </a:r>
-          </a:p>
-          <a:p>
-            <a:pPr marL="0" indent="452438" algn="just">
-              <a:lnSpc>
-                <a:spcPct val="100000"/>
-              </a:lnSpc>
-              <a:spcAft>
-                <a:spcPts val="800"/>
-              </a:spcAft>
-              <a:buNone/>
-            </a:pPr>
-            <a:r>
-              <a:rPr lang="ru-RU" sz="2200" dirty="0">
-                <a:solidFill>
-                  <a:schemeClr val="tx1"/>
-                </a:solidFill>
-                <a:effectLst/>
-                <a:latin typeface="Times New Roman" panose="02020603050405020304" pitchFamily="18" charset="0"/>
-                <a:ea typeface="Calibri" panose="020F0502020204030204" pitchFamily="34" charset="0"/>
-                <a:cs typeface="Times New Roman" panose="02020603050405020304" pitchFamily="18" charset="0"/>
-              </a:rPr>
-              <a:t>Специфика учета продукции на таких предприятиях заключается в:</a:t>
-            </a:r>
-          </a:p>
-          <a:p>
-            <a:pPr marL="0" lvl="0" indent="452438" algn="just">
-              <a:lnSpc>
-                <a:spcPct val="100000"/>
-              </a:lnSpc>
-              <a:spcAft>
-                <a:spcPts val="800"/>
-              </a:spcAft>
-              <a:buSzPts val="1000"/>
-              <a:buFont typeface="Symbol" panose="05050102010706020507" pitchFamily="18" charset="2"/>
-              <a:buChar char=""/>
-              <a:tabLst>
-                <a:tab pos="457200" algn="l"/>
-              </a:tabLst>
-            </a:pPr>
-            <a:r>
-              <a:rPr lang="ru-RU" sz="2200" dirty="0">
-                <a:solidFill>
-                  <a:schemeClr val="tx1"/>
-                </a:solidFill>
-                <a:effectLst/>
-                <a:latin typeface="Times New Roman" panose="02020603050405020304" pitchFamily="18" charset="0"/>
-                <a:ea typeface="Calibri" panose="020F0502020204030204" pitchFamily="34" charset="0"/>
-                <a:cs typeface="Times New Roman" panose="02020603050405020304" pitchFamily="18" charset="0"/>
-              </a:rPr>
-              <a:t>Многообразии продукции</a:t>
-            </a:r>
-          </a:p>
-          <a:p>
-            <a:pPr marL="0" lvl="0" indent="452438" algn="just">
-              <a:lnSpc>
-                <a:spcPct val="100000"/>
-              </a:lnSpc>
-              <a:spcAft>
-                <a:spcPts val="800"/>
-              </a:spcAft>
-              <a:buSzPts val="1000"/>
-              <a:buFont typeface="Symbol" panose="05050102010706020507" pitchFamily="18" charset="2"/>
-              <a:buChar char=""/>
-              <a:tabLst>
-                <a:tab pos="457200" algn="l"/>
-              </a:tabLst>
-            </a:pPr>
-            <a:r>
-              <a:rPr lang="ru-RU" sz="2200" dirty="0">
-                <a:solidFill>
-                  <a:schemeClr val="tx1"/>
-                </a:solidFill>
-                <a:effectLst/>
-                <a:latin typeface="Times New Roman" panose="02020603050405020304" pitchFamily="18" charset="0"/>
-                <a:ea typeface="Calibri" panose="020F0502020204030204" pitchFamily="34" charset="0"/>
-                <a:cs typeface="Times New Roman" panose="02020603050405020304" pitchFamily="18" charset="0"/>
-              </a:rPr>
-              <a:t>Больших объемах производства</a:t>
-            </a:r>
-          </a:p>
-          <a:p>
-            <a:pPr marL="0" lvl="0" indent="452438" algn="just">
-              <a:lnSpc>
-                <a:spcPct val="100000"/>
-              </a:lnSpc>
-              <a:spcAft>
-                <a:spcPts val="800"/>
-              </a:spcAft>
-              <a:buSzPts val="1000"/>
-              <a:buFont typeface="Symbol" panose="05050102010706020507" pitchFamily="18" charset="2"/>
-              <a:buChar char=""/>
-              <a:tabLst>
-                <a:tab pos="457200" algn="l"/>
-              </a:tabLst>
-            </a:pPr>
-            <a:r>
-              <a:rPr lang="ru-RU" sz="2200" dirty="0">
-                <a:solidFill>
-                  <a:schemeClr val="tx1"/>
-                </a:solidFill>
-                <a:effectLst/>
-                <a:latin typeface="Times New Roman" panose="02020603050405020304" pitchFamily="18" charset="0"/>
-                <a:ea typeface="Calibri" panose="020F0502020204030204" pitchFamily="34" charset="0"/>
-                <a:cs typeface="Times New Roman" panose="02020603050405020304" pitchFamily="18" charset="0"/>
-              </a:rPr>
-              <a:t>Высокой степени индивидуальности продукции</a:t>
-            </a:r>
-          </a:p>
-          <a:p>
-            <a:pPr marL="0" lvl="0" indent="452438" algn="just">
-              <a:lnSpc>
-                <a:spcPct val="100000"/>
-              </a:lnSpc>
-              <a:spcAft>
-                <a:spcPts val="800"/>
-              </a:spcAft>
-              <a:buSzPts val="1000"/>
-              <a:buFont typeface="Symbol" panose="05050102010706020507" pitchFamily="18" charset="2"/>
-              <a:buChar char=""/>
-              <a:tabLst>
-                <a:tab pos="457200" algn="l"/>
-              </a:tabLst>
-            </a:pPr>
-            <a:r>
-              <a:rPr lang="ru-RU" sz="2200" dirty="0">
-                <a:solidFill>
-                  <a:schemeClr val="tx1"/>
-                </a:solidFill>
-                <a:effectLst/>
-                <a:latin typeface="Times New Roman" panose="02020603050405020304" pitchFamily="18" charset="0"/>
-                <a:ea typeface="Calibri" panose="020F0502020204030204" pitchFamily="34" charset="0"/>
-                <a:cs typeface="Times New Roman" panose="02020603050405020304" pitchFamily="18" charset="0"/>
-              </a:rPr>
-              <a:t>Сложных технологических процессах</a:t>
-            </a:r>
-            <a:endParaRPr lang="ru-RU" altLang="ru-RU" sz="2200" dirty="0">
-              <a:solidFill>
-                <a:schemeClr val="tx1"/>
-              </a:solidFill>
-              <a:latin typeface="Times New Roman" panose="02020603050405020304" pitchFamily="18" charset="0"/>
-              <a:cs typeface="Times New Roman" panose="02020603050405020304" pitchFamily="18" charset="0"/>
-            </a:endParaRPr>
           </a:p>
         </p:txBody>
       </p:sp>
@@ -7794,7 +8581,7 @@
         </p:nvSpPr>
         <p:spPr bwMode="auto">
           <a:xfrm>
-            <a:off x="2782888" y="836613"/>
+            <a:off x="2819400" y="908454"/>
             <a:ext cx="6553200" cy="519112"/>
           </a:xfrm>
           <a:prstGeom prst="rect">
@@ -7960,10 +8747,400 @@
           </a:p>
         </p:txBody>
       </p:sp>
+      <p:sp>
+        <p:nvSpPr>
+          <p:cNvPr id="12" name="Text 6">
+            <a:extLst>
+              <a:ext uri="{FF2B5EF4-FFF2-40B4-BE49-F238E27FC236}">
+                <a16:creationId xmlns:a16="http://schemas.microsoft.com/office/drawing/2014/main" id="{427E1AE8-041B-AE47-984D-D215235DE9C3}"/>
+              </a:ext>
+            </a:extLst>
+          </p:cNvPr>
+          <p:cNvSpPr/>
+          <p:nvPr/>
+        </p:nvSpPr>
+        <p:spPr>
+          <a:xfrm>
+            <a:off x="6096000" y="1477587"/>
+            <a:ext cx="5809456" cy="5233902"/>
+          </a:xfrm>
+          <a:prstGeom prst="rect">
+            <a:avLst/>
+          </a:prstGeom>
+          <a:noFill/>
+          <a:ln/>
+        </p:spPr>
+        <p:txBody>
+          <a:bodyPr wrap="square" lIns="0" tIns="0" rIns="0" bIns="0" rtlCol="0" anchor="t"/>
+          <a:lstStyle/>
+          <a:p>
+            <a:pPr indent="450215"/>
+            <a:r>
+              <a:rPr lang="ru-RU" sz="1900" b="1" dirty="0">
+                <a:latin typeface="Times New Roman" panose="02020603050405020304" pitchFamily="18" charset="0"/>
+                <a:cs typeface="Times New Roman" panose="02020603050405020304" pitchFamily="18" charset="0"/>
+              </a:rPr>
+              <a:t>Учет готовой продукции</a:t>
+            </a:r>
+            <a:r>
+              <a:rPr lang="en-US" sz="1900" b="1" dirty="0">
+                <a:latin typeface="Times New Roman" panose="02020603050405020304" pitchFamily="18" charset="0"/>
+                <a:cs typeface="Times New Roman" panose="02020603050405020304" pitchFamily="18" charset="0"/>
+              </a:rPr>
+              <a:t>:</a:t>
+            </a:r>
+            <a:endParaRPr lang="ru-RU" sz="1900" b="1" dirty="0">
+              <a:latin typeface="Times New Roman" panose="02020603050405020304" pitchFamily="18" charset="0"/>
+              <a:cs typeface="Times New Roman" panose="02020603050405020304" pitchFamily="18" charset="0"/>
+            </a:endParaRPr>
+          </a:p>
+          <a:p>
+            <a:pPr indent="450215" algn="just"/>
+            <a:r>
+              <a:rPr lang="ru-RU" sz="1900" dirty="0">
+                <a:latin typeface="Times New Roman" panose="02020603050405020304" pitchFamily="18" charset="0"/>
+                <a:cs typeface="Times New Roman" panose="02020603050405020304" pitchFamily="18" charset="0"/>
+              </a:rPr>
+              <a:t>Учет готовой продукции — это процесс отслеживания и управления запасами товаров, которые были произведены и готовы к продаже.</a:t>
+            </a:r>
+          </a:p>
+          <a:p>
+            <a:pPr marL="0" marR="0" lvl="0" indent="452438" algn="just" defTabSz="457200" rtl="0" eaLnBrk="1" fontAlgn="auto" latinLnBrk="0" hangingPunct="1">
+              <a:lnSpc>
+                <a:spcPct val="125000"/>
+              </a:lnSpc>
+              <a:spcBef>
+                <a:spcPts val="0"/>
+              </a:spcBef>
+              <a:spcAft>
+                <a:spcPts val="0"/>
+              </a:spcAft>
+              <a:buClrTx/>
+              <a:buSzTx/>
+              <a:buFontTx/>
+              <a:buNone/>
+              <a:tabLst/>
+              <a:defRPr/>
+            </a:pPr>
+            <a:r>
+              <a:rPr lang="ru-RU" sz="1900" b="1" dirty="0">
+                <a:effectLst/>
+                <a:latin typeface="Times New Roman" panose="02020603050405020304" pitchFamily="18" charset="0"/>
+                <a:ea typeface="Calibri" panose="020F0502020204030204" pitchFamily="34" charset="0"/>
+              </a:rPr>
+              <a:t>Принципы учета готовой продукции</a:t>
+            </a:r>
+            <a:r>
+              <a:rPr lang="en-US" sz="1900" b="1" dirty="0">
+                <a:effectLst/>
+                <a:latin typeface="Times New Roman" panose="02020603050405020304" pitchFamily="18" charset="0"/>
+                <a:ea typeface="Calibri" panose="020F0502020204030204" pitchFamily="34" charset="0"/>
+              </a:rPr>
+              <a:t> </a:t>
+            </a:r>
+            <a:r>
+              <a:rPr lang="ru-RU" sz="1900" b="1" dirty="0">
+                <a:effectLst/>
+                <a:latin typeface="Times New Roman" panose="02020603050405020304" pitchFamily="18" charset="0"/>
+                <a:ea typeface="Calibri" panose="020F0502020204030204" pitchFamily="34" charset="0"/>
+              </a:rPr>
+              <a:t>с использованием RFID </a:t>
+            </a:r>
+            <a:r>
+              <a:rPr kumimoji="0" lang="ru-RU" sz="1900" b="1" i="0" u="none" strike="noStrike" kern="1200" cap="none" spc="0" normalizeH="0" baseline="0" noProof="0" dirty="0">
+                <a:ln>
+                  <a:noFill/>
+                </a:ln>
+                <a:solidFill>
+                  <a:prstClr val="black"/>
+                </a:solidFill>
+                <a:effectLst/>
+                <a:uLnTx/>
+                <a:uFillTx/>
+                <a:latin typeface="Times New Roman" panose="02020603050405020304" pitchFamily="18" charset="0"/>
+                <a:ea typeface="Nobile" pitchFamily="34" charset="-122"/>
+                <a:cs typeface="Times New Roman" panose="02020603050405020304" pitchFamily="18" charset="0"/>
+              </a:rPr>
+              <a:t>:</a:t>
+            </a:r>
+          </a:p>
+          <a:p>
+            <a:pPr marR="0" lvl="0" indent="452438" algn="just" defTabSz="457200" rtl="0" eaLnBrk="1" fontAlgn="auto" latinLnBrk="0" hangingPunct="1">
+              <a:lnSpc>
+                <a:spcPct val="125000"/>
+              </a:lnSpc>
+              <a:spcBef>
+                <a:spcPts val="0"/>
+              </a:spcBef>
+              <a:spcAft>
+                <a:spcPts val="0"/>
+              </a:spcAft>
+              <a:buClrTx/>
+              <a:buSzTx/>
+              <a:buFont typeface="Arial" panose="020B0604020202020204" pitchFamily="34" charset="0"/>
+              <a:buChar char="•"/>
+              <a:tabLst/>
+              <a:defRPr/>
+            </a:pPr>
+            <a:r>
+              <a:rPr lang="ru-RU" sz="1900" dirty="0">
+                <a:effectLst/>
+                <a:latin typeface="Times New Roman" panose="02020603050405020304" pitchFamily="18" charset="0"/>
+                <a:ea typeface="Calibri" panose="020F0502020204030204" pitchFamily="34" charset="0"/>
+              </a:rPr>
+              <a:t>Регистрация продукции</a:t>
+            </a:r>
+            <a:endParaRPr lang="en-US" sz="1900" dirty="0">
+              <a:effectLst/>
+              <a:latin typeface="Times New Roman" panose="02020603050405020304" pitchFamily="18" charset="0"/>
+              <a:ea typeface="Calibri" panose="020F0502020204030204" pitchFamily="34" charset="0"/>
+            </a:endParaRPr>
+          </a:p>
+          <a:p>
+            <a:pPr indent="452438" algn="just">
+              <a:lnSpc>
+                <a:spcPct val="125000"/>
+              </a:lnSpc>
+              <a:buFont typeface="Arial" panose="020B0604020202020204" pitchFamily="34" charset="0"/>
+              <a:buChar char="•"/>
+              <a:defRPr/>
+            </a:pPr>
+            <a:r>
+              <a:rPr lang="ru-RU" sz="1900" dirty="0">
+                <a:effectLst/>
+                <a:latin typeface="Times New Roman" panose="02020603050405020304" pitchFamily="18" charset="0"/>
+                <a:ea typeface="Calibri" panose="020F0502020204030204" pitchFamily="34" charset="0"/>
+              </a:rPr>
+              <a:t>Считывание данных</a:t>
+            </a:r>
+            <a:endParaRPr lang="en-US" sz="1900" dirty="0">
+              <a:effectLst/>
+              <a:latin typeface="Times New Roman" panose="02020603050405020304" pitchFamily="18" charset="0"/>
+              <a:ea typeface="Calibri" panose="020F0502020204030204" pitchFamily="34" charset="0"/>
+            </a:endParaRPr>
+          </a:p>
+          <a:p>
+            <a:pPr marR="0" lvl="0" indent="452438" algn="just" defTabSz="457200" rtl="0" eaLnBrk="1" fontAlgn="auto" latinLnBrk="0" hangingPunct="1">
+              <a:lnSpc>
+                <a:spcPct val="125000"/>
+              </a:lnSpc>
+              <a:spcBef>
+                <a:spcPts val="0"/>
+              </a:spcBef>
+              <a:spcAft>
+                <a:spcPts val="0"/>
+              </a:spcAft>
+              <a:buClrTx/>
+              <a:buSzTx/>
+              <a:buFont typeface="Arial" panose="020B0604020202020204" pitchFamily="34" charset="0"/>
+              <a:buChar char="•"/>
+              <a:tabLst/>
+              <a:defRPr/>
+            </a:pPr>
+            <a:r>
+              <a:rPr lang="ru-RU" sz="1900" dirty="0">
+                <a:effectLst/>
+                <a:latin typeface="Times New Roman" panose="02020603050405020304" pitchFamily="18" charset="0"/>
+                <a:ea typeface="Calibri" panose="020F0502020204030204" pitchFamily="34" charset="0"/>
+              </a:rPr>
+              <a:t>Отслеживание движения</a:t>
+            </a:r>
+          </a:p>
+          <a:p>
+            <a:pPr marR="0" lvl="0" indent="452438" algn="just" defTabSz="457200" rtl="0" eaLnBrk="1" fontAlgn="auto" latinLnBrk="0" hangingPunct="1">
+              <a:lnSpc>
+                <a:spcPct val="125000"/>
+              </a:lnSpc>
+              <a:spcBef>
+                <a:spcPts val="0"/>
+              </a:spcBef>
+              <a:spcAft>
+                <a:spcPts val="0"/>
+              </a:spcAft>
+              <a:buClrTx/>
+              <a:buSzTx/>
+              <a:buFont typeface="Arial" panose="020B0604020202020204" pitchFamily="34" charset="0"/>
+              <a:buChar char="•"/>
+              <a:tabLst/>
+              <a:defRPr/>
+            </a:pPr>
+            <a:r>
+              <a:rPr lang="ru-RU" sz="1900" dirty="0">
+                <a:effectLst/>
+                <a:latin typeface="Times New Roman" panose="02020603050405020304" pitchFamily="18" charset="0"/>
+                <a:ea typeface="Calibri" panose="020F0502020204030204" pitchFamily="34" charset="0"/>
+              </a:rPr>
+              <a:t>Инвентаризация</a:t>
+            </a:r>
+          </a:p>
+          <a:p>
+            <a:pPr marR="0" lvl="0" indent="452438" algn="just" defTabSz="457200" rtl="0" eaLnBrk="1" fontAlgn="auto" latinLnBrk="0" hangingPunct="1">
+              <a:lnSpc>
+                <a:spcPct val="125000"/>
+              </a:lnSpc>
+              <a:spcBef>
+                <a:spcPts val="0"/>
+              </a:spcBef>
+              <a:spcAft>
+                <a:spcPts val="0"/>
+              </a:spcAft>
+              <a:buClrTx/>
+              <a:buSzTx/>
+              <a:buFont typeface="Arial" panose="020B0604020202020204" pitchFamily="34" charset="0"/>
+              <a:buChar char="•"/>
+              <a:tabLst/>
+              <a:defRPr/>
+            </a:pPr>
+            <a:r>
+              <a:rPr lang="ru-RU" sz="1900" dirty="0">
+                <a:effectLst/>
+                <a:latin typeface="Times New Roman" panose="02020603050405020304" pitchFamily="18" charset="0"/>
+                <a:ea typeface="Calibri" panose="020F0502020204030204" pitchFamily="34" charset="0"/>
+              </a:rPr>
+              <a:t>Отчетность</a:t>
+            </a:r>
+          </a:p>
+          <a:p>
+            <a:pPr indent="450215"/>
+            <a:r>
+              <a:rPr lang="ru-RU" sz="1900" b="1" dirty="0">
+                <a:latin typeface="Times New Roman" panose="02020603050405020304" pitchFamily="18" charset="0"/>
+                <a:cs typeface="Times New Roman" panose="02020603050405020304" pitchFamily="18" charset="0"/>
+              </a:rPr>
+              <a:t>Технология RFID:</a:t>
+            </a:r>
+          </a:p>
+          <a:p>
+            <a:pPr indent="450215" algn="just"/>
+            <a:r>
+              <a:rPr lang="ru-RU" sz="1900" dirty="0">
+                <a:latin typeface="Times New Roman" panose="02020603050405020304" pitchFamily="18" charset="0"/>
+                <a:cs typeface="Times New Roman" panose="02020603050405020304" pitchFamily="18" charset="0"/>
+              </a:rPr>
+              <a:t>RFID (</a:t>
+            </a:r>
+            <a:r>
+              <a:rPr lang="ru-RU" sz="2000" dirty="0">
+                <a:solidFill>
+                  <a:schemeClr val="tx1"/>
+                </a:solidFill>
+                <a:effectLst/>
+                <a:latin typeface="Times New Roman" panose="02020603050405020304" pitchFamily="18" charset="0"/>
+                <a:cs typeface="Times New Roman" panose="02020603050405020304" pitchFamily="18" charset="0"/>
+              </a:rPr>
+              <a:t>Radio Frequency Identification</a:t>
+            </a:r>
+            <a:r>
+              <a:rPr lang="en-US" sz="2000" dirty="0">
+                <a:solidFill>
+                  <a:schemeClr val="tx1"/>
+                </a:solidFill>
+                <a:effectLst/>
+                <a:latin typeface="Times New Roman" panose="02020603050405020304" pitchFamily="18" charset="0"/>
+                <a:cs typeface="Times New Roman" panose="02020603050405020304" pitchFamily="18" charset="0"/>
+              </a:rPr>
+              <a:t>  -</a:t>
+            </a:r>
+            <a:r>
+              <a:rPr lang="en-US" sz="1900" dirty="0">
+                <a:latin typeface="Times New Roman" panose="02020603050405020304" pitchFamily="18" charset="0"/>
+                <a:cs typeface="Times New Roman" panose="02020603050405020304" pitchFamily="18" charset="0"/>
+              </a:rPr>
+              <a:t> </a:t>
+            </a:r>
+            <a:r>
+              <a:rPr lang="ru-RU" sz="1900" dirty="0">
+                <a:latin typeface="Times New Roman" panose="02020603050405020304" pitchFamily="18" charset="0"/>
+                <a:cs typeface="Times New Roman" panose="02020603050405020304" pitchFamily="18" charset="0"/>
+              </a:rPr>
+              <a:t>радиочастотная идентификация) — это технология, позволяющая автоматически идентифицировать объекты с помощью радиоволн.</a:t>
+            </a:r>
+          </a:p>
+        </p:txBody>
+      </p:sp>
+      <p:sp>
+        <p:nvSpPr>
+          <p:cNvPr id="16" name="TextBox 15">
+            <a:extLst>
+              <a:ext uri="{FF2B5EF4-FFF2-40B4-BE49-F238E27FC236}">
+                <a16:creationId xmlns:a16="http://schemas.microsoft.com/office/drawing/2014/main" id="{619EE63A-E1FC-9DC1-8EC1-7FB9D7D5E218}"/>
+              </a:ext>
+            </a:extLst>
+          </p:cNvPr>
+          <p:cNvSpPr txBox="1"/>
+          <p:nvPr/>
+        </p:nvSpPr>
+        <p:spPr>
+          <a:xfrm>
+            <a:off x="149901" y="5838825"/>
+            <a:ext cx="5809456" cy="400110"/>
+          </a:xfrm>
+          <a:prstGeom prst="rect">
+            <a:avLst/>
+          </a:prstGeom>
+          <a:noFill/>
+        </p:spPr>
+        <p:txBody>
+          <a:bodyPr wrap="square" rtlCol="0">
+            <a:spAutoFit/>
+          </a:bodyPr>
+          <a:lstStyle/>
+          <a:p>
+            <a:pPr algn="ctr"/>
+            <a:r>
+              <a:rPr lang="ru-RU" sz="2000" dirty="0">
+                <a:latin typeface="Times New Roman" panose="02020603050405020304" pitchFamily="18" charset="0"/>
+                <a:cs typeface="Times New Roman" panose="02020603050405020304" pitchFamily="18" charset="0"/>
+              </a:rPr>
+              <a:t>Диаграмма вариантов использования</a:t>
+            </a:r>
+          </a:p>
+        </p:txBody>
+      </p:sp>
+      <p:pic>
+        <p:nvPicPr>
+          <p:cNvPr id="3" name="Рисунок 2" descr="Изображение выглядит как текст, снимок экрана, диаграмма, дизайн&#10;&#10;Контент, сгенерированный ИИ, может содержать ошибки.">
+            <a:extLst>
+              <a:ext uri="{FF2B5EF4-FFF2-40B4-BE49-F238E27FC236}">
+                <a16:creationId xmlns:a16="http://schemas.microsoft.com/office/drawing/2014/main" id="{EE04497A-9223-EB71-5A6C-83C1DC83D60F}"/>
+              </a:ext>
+            </a:extLst>
+          </p:cNvPr>
+          <p:cNvPicPr>
+            <a:picLocks noChangeAspect="1"/>
+          </p:cNvPicPr>
+          <p:nvPr/>
+        </p:nvPicPr>
+        <p:blipFill>
+          <a:blip r:embed="rId3">
+            <a:extLst>
+              <a:ext uri="{28A0092B-C50C-407E-A947-70E740481C1C}">
+                <a14:useLocalDpi xmlns:a14="http://schemas.microsoft.com/office/drawing/2010/main" val="0"/>
+              </a:ext>
+            </a:extLst>
+          </a:blip>
+          <a:srcRect b="1495"/>
+          <a:stretch/>
+        </p:blipFill>
+        <p:spPr>
+          <a:xfrm>
+            <a:off x="149900" y="1427566"/>
+            <a:ext cx="5810400" cy="4411259"/>
+          </a:xfrm>
+          <a:prstGeom prst="rect">
+            <a:avLst/>
+          </a:prstGeom>
+          <a:ln w="12700">
+            <a:solidFill>
+              <a:schemeClr val="tx1"/>
+            </a:solidFill>
+          </a:ln>
+        </p:spPr>
+      </p:pic>
     </p:spTree>
     <p:extLst>
       <p:ext uri="{BB962C8B-B14F-4D97-AF65-F5344CB8AC3E}">
-        <p14:creationId xmlns:p14="http://schemas.microsoft.com/office/powerpoint/2010/main" val="517465966"/>
+        <p14:creationId xmlns:p14="http://schemas.microsoft.com/office/powerpoint/2010/main" val="489627647"/>
       </p:ext>
     </p:extLst>
   </p:cSld>
@@ -7992,6 +9169,429 @@
       </p:grpSpPr>
       <p:sp>
         <p:nvSpPr>
+          <p:cNvPr id="4098" name="Rectangle 2">
+            <a:extLst>
+              <a:ext uri="{FF2B5EF4-FFF2-40B4-BE49-F238E27FC236}">
+                <a16:creationId xmlns:a16="http://schemas.microsoft.com/office/drawing/2014/main" id="{D265DC48-4346-440A-B79D-A3C830C24618}"/>
+              </a:ext>
+            </a:extLst>
+          </p:cNvPr>
+          <p:cNvSpPr>
+            <a:spLocks noGrp="1" noChangeArrowheads="1"/>
+          </p:cNvSpPr>
+          <p:nvPr>
+            <p:ph type="title"/>
+          </p:nvPr>
+        </p:nvSpPr>
+        <p:spPr>
+          <a:xfrm>
+            <a:off x="1846200" y="274638"/>
+            <a:ext cx="8499600" cy="561975"/>
+          </a:xfrm>
+          <a:effectLst/>
+        </p:spPr>
+        <p:txBody>
+          <a:bodyPr>
+            <a:noAutofit/>
+          </a:bodyPr>
+          <a:lstStyle/>
+          <a:p>
+            <a:pPr algn="ctr">
+              <a:defRPr/>
+            </a:pPr>
+            <a:r>
+              <a:rPr kumimoji="0" lang="ru-RU" altLang="ru-RU" sz="2000" b="1" i="0" u="none" strike="noStrike" kern="1200" cap="none" spc="0" normalizeH="0" baseline="0" noProof="0" dirty="0">
+                <a:ln>
+                  <a:noFill/>
+                </a:ln>
+                <a:solidFill>
+                  <a:schemeClr val="tx1"/>
+                </a:solidFill>
+                <a:effectLst/>
+                <a:uLnTx/>
+                <a:uFillTx/>
+                <a:latin typeface="Times New Roman" panose="02020603050405020304" pitchFamily="18" charset="0"/>
+                <a:cs typeface="Times New Roman" panose="02020603050405020304" pitchFamily="18" charset="0"/>
+              </a:rPr>
+              <a:t>Разработка программного продукта на платформе 1С Предприятие для автоматизации учета готовой продукции на основе технологии RFID</a:t>
+            </a:r>
+          </a:p>
+        </p:txBody>
+      </p:sp>
+      <p:sp>
+        <p:nvSpPr>
+          <p:cNvPr id="7172" name="Text Box 4">
+            <a:extLst>
+              <a:ext uri="{FF2B5EF4-FFF2-40B4-BE49-F238E27FC236}">
+                <a16:creationId xmlns:a16="http://schemas.microsoft.com/office/drawing/2014/main" id="{865126F9-BFEC-4A7B-BB01-A3A690E2F42F}"/>
+              </a:ext>
+            </a:extLst>
+          </p:cNvPr>
+          <p:cNvSpPr txBox="1">
+            <a:spLocks noChangeArrowheads="1"/>
+          </p:cNvSpPr>
+          <p:nvPr/>
+        </p:nvSpPr>
+        <p:spPr bwMode="auto">
+          <a:xfrm>
+            <a:off x="2819400" y="908454"/>
+            <a:ext cx="6553200" cy="519112"/>
+          </a:xfrm>
+          <a:prstGeom prst="rect">
+            <a:avLst/>
+          </a:prstGeom>
+          <a:noFill/>
+          <a:ln>
+            <a:noFill/>
+          </a:ln>
+          <a:effectLst/>
+          <a:extLst>
+            <a:ext uri="{909E8E84-426E-40DD-AFC4-6F175D3DCCD1}">
+              <a14:hiddenFill xmlns:a14="http://schemas.microsoft.com/office/drawing/2010/main">
+                <a:solidFill>
+                  <a:schemeClr val="accent1"/>
+                </a:solidFill>
+              </a14:hiddenFill>
+            </a:ext>
+            <a:ext uri="{91240B29-F687-4F45-9708-019B960494DF}">
+              <a14:hiddenLine xmlns:a14="http://schemas.microsoft.com/office/drawing/2010/main" w="9525">
+                <a:solidFill>
+                  <a:schemeClr val="tx1"/>
+                </a:solidFill>
+                <a:miter lim="800000"/>
+                <a:headEnd/>
+                <a:tailEnd/>
+              </a14:hiddenLine>
+            </a:ext>
+            <a:ext uri="{AF507438-7753-43E0-B8FC-AC1667EBCBE1}">
+              <a14:hiddenEffects xmlns:a14="http://schemas.microsoft.com/office/drawing/2010/main">
+                <a:effectLst>
+                  <a:outerShdw dist="35921" dir="2700000" algn="ctr" rotWithShape="0">
+                    <a:schemeClr val="bg2"/>
+                  </a:outerShdw>
+                </a:effectLst>
+              </a14:hiddenEffects>
+            </a:ext>
+          </a:extLst>
+        </p:spPr>
+        <p:txBody>
+          <a:bodyPr>
+            <a:spAutoFit/>
+          </a:bodyPr>
+          <a:lstStyle>
+            <a:lvl1pPr>
+              <a:defRPr>
+                <a:solidFill>
+                  <a:schemeClr val="tx1"/>
+                </a:solidFill>
+                <a:latin typeface="Arial" panose="020B0604020202020204" pitchFamily="34" charset="0"/>
+                <a:cs typeface="Arial" panose="020B0604020202020204" pitchFamily="34" charset="0"/>
+              </a:defRPr>
+            </a:lvl1pPr>
+            <a:lvl2pPr marL="742950" indent="-285750">
+              <a:defRPr>
+                <a:solidFill>
+                  <a:schemeClr val="tx1"/>
+                </a:solidFill>
+                <a:latin typeface="Arial" panose="020B0604020202020204" pitchFamily="34" charset="0"/>
+                <a:cs typeface="Arial" panose="020B0604020202020204" pitchFamily="34" charset="0"/>
+              </a:defRPr>
+            </a:lvl2pPr>
+            <a:lvl3pPr marL="1143000" indent="-228600">
+              <a:defRPr>
+                <a:solidFill>
+                  <a:schemeClr val="tx1"/>
+                </a:solidFill>
+                <a:latin typeface="Arial" panose="020B0604020202020204" pitchFamily="34" charset="0"/>
+                <a:cs typeface="Arial" panose="020B0604020202020204" pitchFamily="34" charset="0"/>
+              </a:defRPr>
+            </a:lvl3pPr>
+            <a:lvl4pPr marL="1600200" indent="-228600">
+              <a:defRPr>
+                <a:solidFill>
+                  <a:schemeClr val="tx1"/>
+                </a:solidFill>
+                <a:latin typeface="Arial" panose="020B0604020202020204" pitchFamily="34" charset="0"/>
+                <a:cs typeface="Arial" panose="020B0604020202020204" pitchFamily="34" charset="0"/>
+              </a:defRPr>
+            </a:lvl4pPr>
+            <a:lvl5pPr marL="2057400" indent="-228600">
+              <a:defRPr>
+                <a:solidFill>
+                  <a:schemeClr val="tx1"/>
+                </a:solidFill>
+                <a:latin typeface="Arial" panose="020B0604020202020204" pitchFamily="34" charset="0"/>
+                <a:cs typeface="Arial" panose="020B0604020202020204" pitchFamily="34" charset="0"/>
+              </a:defRPr>
+            </a:lvl5pPr>
+            <a:lvl6pPr marL="2514600" indent="-228600" eaLnBrk="0" fontAlgn="base" hangingPunct="0">
+              <a:spcBef>
+                <a:spcPct val="0"/>
+              </a:spcBef>
+              <a:spcAft>
+                <a:spcPct val="0"/>
+              </a:spcAft>
+              <a:defRPr>
+                <a:solidFill>
+                  <a:schemeClr val="tx1"/>
+                </a:solidFill>
+                <a:latin typeface="Arial" panose="020B0604020202020204" pitchFamily="34" charset="0"/>
+                <a:cs typeface="Arial" panose="020B0604020202020204" pitchFamily="34" charset="0"/>
+              </a:defRPr>
+            </a:lvl6pPr>
+            <a:lvl7pPr marL="2971800" indent="-228600" eaLnBrk="0" fontAlgn="base" hangingPunct="0">
+              <a:spcBef>
+                <a:spcPct val="0"/>
+              </a:spcBef>
+              <a:spcAft>
+                <a:spcPct val="0"/>
+              </a:spcAft>
+              <a:defRPr>
+                <a:solidFill>
+                  <a:schemeClr val="tx1"/>
+                </a:solidFill>
+                <a:latin typeface="Arial" panose="020B0604020202020204" pitchFamily="34" charset="0"/>
+                <a:cs typeface="Arial" panose="020B0604020202020204" pitchFamily="34" charset="0"/>
+              </a:defRPr>
+            </a:lvl7pPr>
+            <a:lvl8pPr marL="3429000" indent="-228600" eaLnBrk="0" fontAlgn="base" hangingPunct="0">
+              <a:spcBef>
+                <a:spcPct val="0"/>
+              </a:spcBef>
+              <a:spcAft>
+                <a:spcPct val="0"/>
+              </a:spcAft>
+              <a:defRPr>
+                <a:solidFill>
+                  <a:schemeClr val="tx1"/>
+                </a:solidFill>
+                <a:latin typeface="Arial" panose="020B0604020202020204" pitchFamily="34" charset="0"/>
+                <a:cs typeface="Arial" panose="020B0604020202020204" pitchFamily="34" charset="0"/>
+              </a:defRPr>
+            </a:lvl8pPr>
+            <a:lvl9pPr marL="3886200" indent="-228600" eaLnBrk="0" fontAlgn="base" hangingPunct="0">
+              <a:spcBef>
+                <a:spcPct val="0"/>
+              </a:spcBef>
+              <a:spcAft>
+                <a:spcPct val="0"/>
+              </a:spcAft>
+              <a:defRPr>
+                <a:solidFill>
+                  <a:schemeClr val="tx1"/>
+                </a:solidFill>
+                <a:latin typeface="Arial" panose="020B0604020202020204" pitchFamily="34" charset="0"/>
+                <a:cs typeface="Arial" panose="020B0604020202020204" pitchFamily="34" charset="0"/>
+              </a:defRPr>
+            </a:lvl9pPr>
+          </a:lstStyle>
+          <a:p>
+            <a:pPr algn="ctr" eaLnBrk="1" hangingPunct="1">
+              <a:spcBef>
+                <a:spcPct val="50000"/>
+              </a:spcBef>
+            </a:pPr>
+            <a:r>
+              <a:rPr lang="ru-RU" altLang="ru-RU" sz="2800" b="1" dirty="0">
+                <a:latin typeface="Times New Roman" panose="02020603050405020304" pitchFamily="18" charset="0"/>
+              </a:rPr>
+              <a:t>Анализ предметной области</a:t>
+            </a:r>
+          </a:p>
+        </p:txBody>
+      </p:sp>
+      <p:sp>
+        <p:nvSpPr>
+          <p:cNvPr id="16" name="TextBox 15">
+            <a:extLst>
+              <a:ext uri="{FF2B5EF4-FFF2-40B4-BE49-F238E27FC236}">
+                <a16:creationId xmlns:a16="http://schemas.microsoft.com/office/drawing/2014/main" id="{619EE63A-E1FC-9DC1-8EC1-7FB9D7D5E218}"/>
+              </a:ext>
+            </a:extLst>
+          </p:cNvPr>
+          <p:cNvSpPr txBox="1"/>
+          <p:nvPr/>
+        </p:nvSpPr>
+        <p:spPr>
+          <a:xfrm>
+            <a:off x="186814" y="5271039"/>
+            <a:ext cx="5909186" cy="400110"/>
+          </a:xfrm>
+          <a:prstGeom prst="rect">
+            <a:avLst/>
+          </a:prstGeom>
+          <a:noFill/>
+        </p:spPr>
+        <p:txBody>
+          <a:bodyPr wrap="square" rtlCol="0">
+            <a:spAutoFit/>
+          </a:bodyPr>
+          <a:lstStyle/>
+          <a:p>
+            <a:pPr algn="ctr"/>
+            <a:r>
+              <a:rPr lang="en-US" sz="2000" dirty="0">
+                <a:latin typeface="Times New Roman" panose="02020603050405020304" pitchFamily="18" charset="0"/>
+                <a:cs typeface="Times New Roman" panose="02020603050405020304" pitchFamily="18" charset="0"/>
+              </a:rPr>
+              <a:t>ERD </a:t>
+            </a:r>
+            <a:r>
+              <a:rPr lang="ru-RU" sz="2000" dirty="0">
+                <a:latin typeface="Times New Roman" panose="02020603050405020304" pitchFamily="18" charset="0"/>
+                <a:cs typeface="Times New Roman" panose="02020603050405020304" pitchFamily="18" charset="0"/>
+              </a:rPr>
+              <a:t>Диаграмма структуры данных</a:t>
+            </a:r>
+          </a:p>
+        </p:txBody>
+      </p:sp>
+      <p:sp>
+        <p:nvSpPr>
+          <p:cNvPr id="14" name="TextBox 13">
+            <a:extLst>
+              <a:ext uri="{FF2B5EF4-FFF2-40B4-BE49-F238E27FC236}">
+                <a16:creationId xmlns:a16="http://schemas.microsoft.com/office/drawing/2014/main" id="{8801E9B1-5726-D156-2929-A72F9D7C027A}"/>
+              </a:ext>
+            </a:extLst>
+          </p:cNvPr>
+          <p:cNvSpPr txBox="1"/>
+          <p:nvPr/>
+        </p:nvSpPr>
+        <p:spPr>
+          <a:xfrm>
+            <a:off x="6095999" y="6129166"/>
+            <a:ext cx="5977668" cy="400110"/>
+          </a:xfrm>
+          <a:prstGeom prst="rect">
+            <a:avLst/>
+          </a:prstGeom>
+          <a:noFill/>
+        </p:spPr>
+        <p:txBody>
+          <a:bodyPr wrap="square" rtlCol="0">
+            <a:spAutoFit/>
+          </a:bodyPr>
+          <a:lstStyle/>
+          <a:p>
+            <a:pPr algn="ctr"/>
+            <a:r>
+              <a:rPr lang="ru-RU" sz="2000" dirty="0">
+                <a:effectLst/>
+                <a:latin typeface="Times New Roman" panose="02020603050405020304" pitchFamily="18" charset="0"/>
+                <a:ea typeface="Calibri" panose="020F0502020204030204" pitchFamily="34" charset="0"/>
+              </a:rPr>
+              <a:t>Схема базы данных</a:t>
+            </a:r>
+            <a:endParaRPr lang="ru-RU" sz="2000" dirty="0">
+              <a:latin typeface="Times New Roman" panose="02020603050405020304" pitchFamily="18" charset="0"/>
+              <a:cs typeface="Times New Roman" panose="02020603050405020304" pitchFamily="18" charset="0"/>
+            </a:endParaRPr>
+          </a:p>
+        </p:txBody>
+      </p:sp>
+      <p:pic>
+        <p:nvPicPr>
+          <p:cNvPr id="21" name="Рисунок 20">
+            <a:extLst>
+              <a:ext uri="{FF2B5EF4-FFF2-40B4-BE49-F238E27FC236}">
+                <a16:creationId xmlns:a16="http://schemas.microsoft.com/office/drawing/2014/main" id="{33F7CBCD-F188-9F36-A072-96D60B574399}"/>
+              </a:ext>
+            </a:extLst>
+          </p:cNvPr>
+          <p:cNvPicPr>
+            <a:picLocks noChangeAspect="1"/>
+          </p:cNvPicPr>
+          <p:nvPr/>
+        </p:nvPicPr>
+        <p:blipFill>
+          <a:blip r:embed="rId3"/>
+          <a:stretch>
+            <a:fillRect/>
+          </a:stretch>
+        </p:blipFill>
+        <p:spPr>
+          <a:xfrm>
+            <a:off x="6095998" y="1632815"/>
+            <a:ext cx="5987501" cy="4490937"/>
+          </a:xfrm>
+          <a:prstGeom prst="rect">
+            <a:avLst/>
+          </a:prstGeom>
+          <a:ln w="12700">
+            <a:solidFill>
+              <a:schemeClr val="tx1"/>
+            </a:solidFill>
+          </a:ln>
+        </p:spPr>
+      </p:pic>
+      <p:pic>
+        <p:nvPicPr>
+          <p:cNvPr id="25" name="Рисунок 24">
+            <a:extLst>
+              <a:ext uri="{FF2B5EF4-FFF2-40B4-BE49-F238E27FC236}">
+                <a16:creationId xmlns:a16="http://schemas.microsoft.com/office/drawing/2014/main" id="{EDFC9F36-9048-AE58-E622-EA48AFE9AC27}"/>
+              </a:ext>
+            </a:extLst>
+          </p:cNvPr>
+          <p:cNvPicPr>
+            <a:picLocks noChangeAspect="1"/>
+          </p:cNvPicPr>
+          <p:nvPr/>
+        </p:nvPicPr>
+        <p:blipFill>
+          <a:blip r:embed="rId4"/>
+          <a:stretch>
+            <a:fillRect/>
+          </a:stretch>
+        </p:blipFill>
+        <p:spPr>
+          <a:xfrm>
+            <a:off x="180501" y="1632815"/>
+            <a:ext cx="5909187" cy="3648300"/>
+          </a:xfrm>
+          <a:prstGeom prst="rect">
+            <a:avLst/>
+          </a:prstGeom>
+          <a:ln w="12700">
+            <a:solidFill>
+              <a:schemeClr val="tx1"/>
+            </a:solidFill>
+          </a:ln>
+        </p:spPr>
+      </p:pic>
+    </p:spTree>
+    <p:extLst>
+      <p:ext uri="{BB962C8B-B14F-4D97-AF65-F5344CB8AC3E}">
+        <p14:creationId xmlns:p14="http://schemas.microsoft.com/office/powerpoint/2010/main" val="4013408594"/>
+      </p:ext>
+    </p:extLst>
+  </p:cSld>
+  <p:clrMapOvr>
+    <a:masterClrMapping/>
+  </p:clrMapOvr>
+</p:sld>
+</file>
+
+<file path=ppt/slides/slide5.xml><?xml version="1.0" encoding="utf-8"?>
+<p:sld xmlns:a="http://schemas.openxmlformats.org/drawingml/2006/main" xmlns:r="http://schemas.openxmlformats.org/officeDocument/2006/relationships" xmlns:p="http://schemas.openxmlformats.org/presentationml/2006/main">
+  <p:cSld>
+    <p:spTree>
+      <p:nvGrpSpPr>
+        <p:cNvPr id="1" name=""/>
+        <p:cNvGrpSpPr/>
+        <p:nvPr/>
+      </p:nvGrpSpPr>
+      <p:grpSpPr>
+        <a:xfrm>
+          <a:off x="0" y="0"/>
+          <a:ext cx="0" cy="0"/>
+          <a:chOff x="0" y="0"/>
+          <a:chExt cx="0" cy="0"/>
+        </a:xfrm>
+      </p:grpSpPr>
+      <p:sp>
+        <p:nvSpPr>
           <p:cNvPr id="6146" name="Rectangle 2">
             <a:extLst>
               <a:ext uri="{FF2B5EF4-FFF2-40B4-BE49-F238E27FC236}">
@@ -8008,13 +9608,14 @@
         </p:nvSpPr>
         <p:spPr>
           <a:xfrm>
-            <a:off x="1981200" y="285283"/>
-            <a:ext cx="8229600" cy="561975"/>
+            <a:off x="1846200" y="267882"/>
+            <a:ext cx="8499600" cy="561975"/>
           </a:xfrm>
+          <a:effectLst/>
         </p:spPr>
         <p:txBody>
           <a:bodyPr>
-            <a:normAutofit fontScale="90000"/>
+            <a:noAutofit/>
           </a:bodyPr>
           <a:lstStyle/>
           <a:p>
@@ -8022,7 +9623,7 @@
               <a:defRPr/>
             </a:pPr>
             <a:r>
-              <a:rPr kumimoji="0" lang="ru-RU" altLang="ru-RU" sz="1600" b="1" i="0" u="none" strike="noStrike" kern="1200" cap="none" spc="0" normalizeH="0" baseline="0" noProof="0" dirty="0">
+              <a:rPr kumimoji="0" lang="ru-RU" altLang="ru-RU" sz="2000" b="1" i="0" u="none" strike="noStrike" kern="1200" cap="none" spc="0" normalizeH="0" baseline="0" noProof="0" dirty="0">
                 <a:ln>
                   <a:noFill/>
                 </a:ln>
@@ -8578,135 +10179,6 @@
 </p:sld>
 </file>
 
-<file path=ppt/slides/slide5.xml><?xml version="1.0" encoding="utf-8"?>
-<p:sld xmlns:a="http://schemas.openxmlformats.org/drawingml/2006/main" xmlns:r="http://schemas.openxmlformats.org/officeDocument/2006/relationships" xmlns:p="http://schemas.openxmlformats.org/presentationml/2006/main">
-  <p:cSld>
-    <p:spTree>
-      <p:nvGrpSpPr>
-        <p:cNvPr id="1" name=""/>
-        <p:cNvGrpSpPr/>
-        <p:nvPr/>
-      </p:nvGrpSpPr>
-      <p:grpSpPr>
-        <a:xfrm>
-          <a:off x="0" y="0"/>
-          <a:ext cx="0" cy="0"/>
-          <a:chOff x="0" y="0"/>
-          <a:chExt cx="0" cy="0"/>
-        </a:xfrm>
-      </p:grpSpPr>
-      <p:sp>
-        <p:nvSpPr>
-          <p:cNvPr id="7" name="Rectangle 2">
-            <a:extLst>
-              <a:ext uri="{FF2B5EF4-FFF2-40B4-BE49-F238E27FC236}">
-                <a16:creationId xmlns:a16="http://schemas.microsoft.com/office/drawing/2014/main" id="{8CFFE119-1073-45A1-B356-A53E9A599314}"/>
-              </a:ext>
-            </a:extLst>
-          </p:cNvPr>
-          <p:cNvSpPr>
-            <a:spLocks noGrp="1" noChangeArrowheads="1"/>
-          </p:cNvSpPr>
-          <p:nvPr>
-            <p:ph type="title"/>
-          </p:nvPr>
-        </p:nvSpPr>
-        <p:spPr>
-          <a:xfrm>
-            <a:off x="2105041" y="146759"/>
-            <a:ext cx="8229600" cy="633412"/>
-          </a:xfrm>
-        </p:spPr>
-        <p:txBody>
-          <a:bodyPr>
-            <a:normAutofit/>
-          </a:bodyPr>
-          <a:lstStyle/>
-          <a:p>
-            <a:pPr algn="ctr">
-              <a:defRPr/>
-            </a:pPr>
-            <a:r>
-              <a:rPr kumimoji="0" lang="ru-RU" altLang="ru-RU" sz="1600" b="1" i="0" u="none" strike="noStrike" kern="1200" cap="none" spc="0" normalizeH="0" baseline="0" noProof="0" dirty="0">
-                <a:ln>
-                  <a:noFill/>
-                </a:ln>
-                <a:solidFill>
-                  <a:schemeClr val="tx1"/>
-                </a:solidFill>
-                <a:effectLst/>
-                <a:uLnTx/>
-                <a:uFillTx/>
-                <a:latin typeface="Times New Roman" panose="02020603050405020304" pitchFamily="18" charset="0"/>
-                <a:cs typeface="Times New Roman" panose="02020603050405020304" pitchFamily="18" charset="0"/>
-              </a:rPr>
-              <a:t>Разработка программного продукта на платформе 1С Предприятие для автоматизации учета готовой продукции на основе технологии RFID</a:t>
-            </a:r>
-          </a:p>
-        </p:txBody>
-      </p:sp>
-      <p:sp>
-        <p:nvSpPr>
-          <p:cNvPr id="28675" name="Rectangle 3">
-            <a:extLst>
-              <a:ext uri="{FF2B5EF4-FFF2-40B4-BE49-F238E27FC236}">
-                <a16:creationId xmlns:a16="http://schemas.microsoft.com/office/drawing/2014/main" id="{51433A72-92FC-4990-B5F5-8AA92DB2E58C}"/>
-              </a:ext>
-            </a:extLst>
-          </p:cNvPr>
-          <p:cNvSpPr>
-            <a:spLocks noGrp="1" noChangeArrowheads="1"/>
-          </p:cNvSpPr>
-          <p:nvPr>
-            <p:ph idx="1"/>
-          </p:nvPr>
-        </p:nvSpPr>
-        <p:spPr>
-          <a:xfrm>
-            <a:off x="1981200" y="3213100"/>
-            <a:ext cx="8229600" cy="965200"/>
-          </a:xfrm>
-        </p:spPr>
-        <p:txBody>
-          <a:bodyPr rtlCol="0">
-            <a:normAutofit/>
-          </a:bodyPr>
-          <a:lstStyle/>
-          <a:p>
-            <a:pPr marL="182880" indent="-182880" algn="ctr">
-              <a:buClr>
-                <a:schemeClr val="accent1">
-                  <a:lumMod val="75000"/>
-                </a:schemeClr>
-              </a:buClr>
-              <a:buNone/>
-              <a:defRPr/>
-            </a:pPr>
-            <a:r>
-              <a:rPr lang="ru-RU" altLang="ru-RU" sz="3600" dirty="0">
-                <a:solidFill>
-                  <a:schemeClr val="tx1"/>
-                </a:solidFill>
-                <a:effectLst>
-                  <a:outerShdw blurRad="38100" dist="38100" dir="2700000" algn="tl">
-                    <a:srgbClr val="C0C0C0"/>
-                  </a:outerShdw>
-                </a:effectLst>
-                <a:latin typeface="Times New Roman" panose="02020603050405020304" pitchFamily="18" charset="0"/>
-              </a:rPr>
-              <a:t>Демонстрация программы</a:t>
-            </a:r>
-          </a:p>
-        </p:txBody>
-      </p:sp>
-    </p:spTree>
-  </p:cSld>
-  <p:clrMapOvr>
-    <a:masterClrMapping/>
-  </p:clrMapOvr>
-</p:sld>
-</file>
-
 <file path=ppt/slides/slide6.xml><?xml version="1.0" encoding="utf-8"?>
 <p:sld xmlns:a="http://schemas.openxmlformats.org/drawingml/2006/main" xmlns:r="http://schemas.openxmlformats.org/officeDocument/2006/relationships" xmlns:p="http://schemas.openxmlformats.org/presentationml/2006/main">
   <p:cSld>
@@ -8742,13 +10214,14 @@
         </p:nvSpPr>
         <p:spPr>
           <a:xfrm>
-            <a:off x="1992314" y="274639"/>
-            <a:ext cx="8218487" cy="561975"/>
+            <a:off x="1846200" y="274638"/>
+            <a:ext cx="8499600" cy="561975"/>
           </a:xfrm>
+          <a:effectLst/>
         </p:spPr>
         <p:txBody>
           <a:bodyPr>
-            <a:normAutofit fontScale="90000"/>
+            <a:noAutofit/>
           </a:bodyPr>
           <a:lstStyle/>
           <a:p>
@@ -8756,7 +10229,7 @@
               <a:defRPr/>
             </a:pPr>
             <a:r>
-              <a:rPr kumimoji="0" lang="ru-RU" altLang="ru-RU" sz="1800" b="1" i="0" u="none" strike="noStrike" kern="1200" cap="none" spc="0" normalizeH="0" baseline="0" noProof="0" dirty="0">
+              <a:rPr kumimoji="0" lang="ru-RU" altLang="ru-RU" sz="2000" b="1" i="0" u="none" strike="noStrike" kern="1200" cap="none" spc="0" normalizeH="0" baseline="0" noProof="0" dirty="0">
                 <a:ln>
                   <a:noFill/>
                 </a:ln>
@@ -8776,24 +10249,22 @@
       </p:sp>
       <p:sp>
         <p:nvSpPr>
-          <p:cNvPr id="2" name="Rectangle 1">
+          <p:cNvPr id="7172" name="Text Box 4">
             <a:extLst>
               <a:ext uri="{FF2B5EF4-FFF2-40B4-BE49-F238E27FC236}">
-                <a16:creationId xmlns:a16="http://schemas.microsoft.com/office/drawing/2014/main" id="{9E79F237-6B29-12BE-57B7-8CBFD9984705}"/>
+                <a16:creationId xmlns:a16="http://schemas.microsoft.com/office/drawing/2014/main" id="{865126F9-BFEC-4A7B-BB01-A3A690E2F42F}"/>
               </a:ext>
             </a:extLst>
           </p:cNvPr>
-          <p:cNvSpPr>
-            <a:spLocks noGrp="1" noChangeArrowheads="1"/>
-          </p:cNvSpPr>
-          <p:nvPr>
-            <p:ph idx="1"/>
-          </p:nvPr>
+          <p:cNvSpPr txBox="1">
+            <a:spLocks noChangeArrowheads="1"/>
+          </p:cNvSpPr>
+          <p:nvPr/>
         </p:nvSpPr>
         <p:spPr bwMode="auto">
           <a:xfrm>
-            <a:off x="1236000" y="3076557"/>
-            <a:ext cx="9720000" cy="1569660"/>
+            <a:off x="2782888" y="836613"/>
+            <a:ext cx="6553200" cy="541174"/>
           </a:xfrm>
           <a:prstGeom prst="rect">
             <a:avLst/>
@@ -8833,128 +10304,6 @@
           </a:extLst>
         </p:spPr>
         <p:txBody>
-          <a:bodyPr vert="horz" wrap="square" lIns="91440" tIns="45720" rIns="91440" bIns="45720" numCol="1" anchor="ctr" anchorCtr="0" compatLnSpc="1">
-            <a:prstTxWarp prst="textNoShape">
-              <a:avLst/>
-            </a:prstTxWarp>
-            <a:spAutoFit/>
-          </a:bodyPr>
-          <a:lstStyle/>
-          <a:p>
-            <a:pPr marL="0" marR="0" lvl="0" indent="0" algn="l" defTabSz="914400" rtl="0" eaLnBrk="0" fontAlgn="base" latinLnBrk="0" hangingPunct="0">
-              <a:lnSpc>
-                <a:spcPct val="100000"/>
-              </a:lnSpc>
-              <a:spcBef>
-                <a:spcPct val="0"/>
-              </a:spcBef>
-              <a:spcAft>
-                <a:spcPct val="0"/>
-              </a:spcAft>
-              <a:buClrTx/>
-              <a:buSzTx/>
-              <a:buFontTx/>
-              <a:buChar char="•"/>
-              <a:tabLst/>
-            </a:pPr>
-            <a:r>
-              <a:rPr lang="ru-RU" altLang="ru-RU" sz="2400" dirty="0">
-                <a:solidFill>
-                  <a:schemeClr val="tx1"/>
-                </a:solidFill>
-                <a:latin typeface="Times New Roman" panose="02020603050405020304" pitchFamily="18" charset="0"/>
-                <a:cs typeface="Times New Roman" panose="02020603050405020304" pitchFamily="18" charset="0"/>
-              </a:rPr>
-              <a:t>Интеграция с другими системами: Сложности при соединении с системами планирования производства, складского учета, бухгалтерии. </a:t>
-            </a:r>
-          </a:p>
-          <a:p>
-            <a:pPr marL="0" marR="0" lvl="0" indent="0" algn="l" defTabSz="914400" rtl="0" eaLnBrk="0" fontAlgn="base" latinLnBrk="0" hangingPunct="0">
-              <a:lnSpc>
-                <a:spcPct val="100000"/>
-              </a:lnSpc>
-              <a:spcBef>
-                <a:spcPct val="0"/>
-              </a:spcBef>
-              <a:spcAft>
-                <a:spcPct val="0"/>
-              </a:spcAft>
-              <a:buClrTx/>
-              <a:buSzTx/>
-              <a:buFontTx/>
-              <a:buChar char="•"/>
-              <a:tabLst/>
-            </a:pPr>
-            <a:r>
-              <a:rPr lang="ru-RU" altLang="ru-RU" sz="2400" dirty="0">
-                <a:solidFill>
-                  <a:schemeClr val="tx1"/>
-                </a:solidFill>
-                <a:latin typeface="Times New Roman" panose="02020603050405020304" pitchFamily="18" charset="0"/>
-                <a:cs typeface="Times New Roman" panose="02020603050405020304" pitchFamily="18" charset="0"/>
-              </a:rPr>
-              <a:t>Стоимость внедрения и обслуживания: Высокая стоимость лицензий, настройки и поддержки системы. </a:t>
-            </a:r>
-          </a:p>
-        </p:txBody>
-      </p:sp>
-      <p:sp>
-        <p:nvSpPr>
-          <p:cNvPr id="7172" name="Text Box 4">
-            <a:extLst>
-              <a:ext uri="{FF2B5EF4-FFF2-40B4-BE49-F238E27FC236}">
-                <a16:creationId xmlns:a16="http://schemas.microsoft.com/office/drawing/2014/main" id="{865126F9-BFEC-4A7B-BB01-A3A690E2F42F}"/>
-              </a:ext>
-            </a:extLst>
-          </p:cNvPr>
-          <p:cNvSpPr txBox="1">
-            <a:spLocks noChangeArrowheads="1"/>
-          </p:cNvSpPr>
-          <p:nvPr/>
-        </p:nvSpPr>
-        <p:spPr bwMode="auto">
-          <a:xfrm>
-            <a:off x="2782888" y="836613"/>
-            <a:ext cx="6553200" cy="519112"/>
-          </a:xfrm>
-          <a:prstGeom prst="rect">
-            <a:avLst/>
-          </a:prstGeom>
-          <a:noFill/>
-          <a:ln>
-            <a:noFill/>
-          </a:ln>
-          <a:effectLst/>
-          <a:extLst>
-            <a:ext uri="{909E8E84-426E-40DD-AFC4-6F175D3DCCD1}">
-              <a14:hiddenFill xmlns:a14="http://schemas.microsoft.com/office/drawing/2010/main">
-                <a:solidFill>
-                  <a:schemeClr val="accent1"/>
-                </a:solidFill>
-              </a14:hiddenFill>
-            </a:ext>
-            <a:ext uri="{91240B29-F687-4F45-9708-019B960494DF}">
-              <a14:hiddenLine xmlns:a14="http://schemas.microsoft.com/office/drawing/2010/main" w="9525">
-                <a:solidFill>
-                  <a:schemeClr val="tx1"/>
-                </a:solidFill>
-                <a:miter lim="800000"/>
-                <a:headEnd/>
-                <a:tailEnd/>
-              </a14:hiddenLine>
-            </a:ext>
-            <a:ext uri="{AF507438-7753-43E0-B8FC-AC1667EBCBE1}">
-              <a14:hiddenEffects xmlns:a14="http://schemas.microsoft.com/office/drawing/2010/main">
-                <a:effectLst>
-                  <a:outerShdw dist="35921" dir="2700000" algn="ctr" rotWithShape="0">
-                    <a:schemeClr val="bg2"/>
-                  </a:outerShdw>
-                </a:effectLst>
-              </a14:hiddenEffects>
-            </a:ext>
-          </a:extLst>
-        </p:spPr>
-        <p:txBody>
           <a:bodyPr>
             <a:spAutoFit/>
           </a:bodyPr>
@@ -9066,24 +10415,163 @@
             </a:lvl9pPr>
           </a:lstStyle>
           <a:p>
-            <a:pPr algn="ctr" eaLnBrk="1" hangingPunct="1">
+            <a:pPr marL="0" marR="0" lvl="0" indent="0" algn="ctr" defTabSz="457200" rtl="0" eaLnBrk="1" fontAlgn="auto" latinLnBrk="0" hangingPunct="1">
+              <a:lnSpc>
+                <a:spcPts val="3542"/>
+              </a:lnSpc>
               <a:spcBef>
-                <a:spcPct val="50000"/>
+                <a:spcPts val="0"/>
               </a:spcBef>
+              <a:spcAft>
+                <a:spcPts val="0"/>
+              </a:spcAft>
+              <a:buClrTx/>
+              <a:buSzTx/>
+              <a:buFontTx/>
+              <a:buNone/>
+              <a:tabLst/>
+              <a:defRPr/>
             </a:pPr>
             <a:r>
-              <a:rPr lang="ru-RU" altLang="ru-RU" sz="2800" b="1" dirty="0">
+              <a:rPr kumimoji="0" lang="ru-RU" sz="3000" b="1" i="0" u="none" strike="noStrike" kern="1200" cap="none" spc="0" normalizeH="0" baseline="0" noProof="0" dirty="0">
+                <a:ln>
+                  <a:noFill/>
+                </a:ln>
+                <a:solidFill>
+                  <a:prstClr val="black"/>
+                </a:solidFill>
+                <a:effectLst/>
+                <a:uLnTx/>
+                <a:uFillTx/>
                 <a:latin typeface="Times New Roman" panose="02020603050405020304" pitchFamily="18" charset="0"/>
+                <a:ea typeface="+mn-ea"/>
+                <a:cs typeface="Times New Roman" panose="02020603050405020304" pitchFamily="18" charset="0"/>
               </a:rPr>
-              <a:t>Проблемы</a:t>
-            </a:r>
+              <a:t>Сравнение аналогов</a:t>
+            </a:r>
+            <a:endParaRPr kumimoji="0" lang="en-US" sz="3000" b="0" i="0" u="none" strike="noStrike" kern="1200" cap="none" spc="0" normalizeH="0" baseline="0" noProof="0" dirty="0">
+              <a:ln>
+                <a:noFill/>
+              </a:ln>
+              <a:solidFill>
+                <a:prstClr val="black"/>
+              </a:solidFill>
+              <a:effectLst/>
+              <a:uLnTx/>
+              <a:uFillTx/>
+              <a:latin typeface="Times New Roman" panose="02020603050405020304" pitchFamily="18" charset="0"/>
+              <a:ea typeface="+mn-ea"/>
+              <a:cs typeface="Times New Roman" panose="02020603050405020304" pitchFamily="18" charset="0"/>
+            </a:endParaRPr>
+          </a:p>
+        </p:txBody>
+      </p:sp>
+      <p:pic>
+        <p:nvPicPr>
+          <p:cNvPr id="1026" name="Picture 2">
+            <a:extLst>
+              <a:ext uri="{FF2B5EF4-FFF2-40B4-BE49-F238E27FC236}">
+                <a16:creationId xmlns:a16="http://schemas.microsoft.com/office/drawing/2014/main" id="{D5DCF942-883D-674B-55D0-AF104DC21C39}"/>
+              </a:ext>
+            </a:extLst>
+          </p:cNvPr>
+          <p:cNvPicPr>
+            <a:picLocks noGrp="1" noChangeAspect="1" noChangeArrowheads="1"/>
+          </p:cNvPicPr>
+          <p:nvPr>
+            <p:ph idx="1"/>
+          </p:nvPr>
+        </p:nvPicPr>
+        <p:blipFill>
+          <a:blip r:embed="rId2">
+            <a:extLst>
+              <a:ext uri="{28A0092B-C50C-407E-A947-70E740481C1C}">
+                <a14:useLocalDpi xmlns:a14="http://schemas.microsoft.com/office/drawing/2010/main" val="0"/>
+              </a:ext>
+            </a:extLst>
+          </a:blip>
+          <a:srcRect/>
+          <a:stretch>
+            <a:fillRect/>
+          </a:stretch>
+        </p:blipFill>
+        <p:spPr bwMode="auto">
+          <a:xfrm>
+            <a:off x="2136000" y="1566387"/>
+            <a:ext cx="7920000" cy="4455000"/>
+          </a:xfrm>
+          <a:prstGeom prst="rect">
+            <a:avLst/>
+          </a:prstGeom>
+          <a:noFill/>
+          <a:ln w="12700">
+            <a:solidFill>
+              <a:schemeClr val="tx1"/>
+            </a:solidFill>
+          </a:ln>
+          <a:effectLst/>
+          <a:extLst>
+            <a:ext uri="{909E8E84-426E-40DD-AFC4-6F175D3DCCD1}">
+              <a14:hiddenFill xmlns:a14="http://schemas.microsoft.com/office/drawing/2010/main">
+                <a:solidFill>
+                  <a:srgbClr val="FFFFFF"/>
+                </a:solidFill>
+              </a14:hiddenFill>
+            </a:ext>
+          </a:extLst>
+        </p:spPr>
+      </p:pic>
+      <p:sp>
+        <p:nvSpPr>
+          <p:cNvPr id="2" name="TextBox 1">
+            <a:extLst>
+              <a:ext uri="{FF2B5EF4-FFF2-40B4-BE49-F238E27FC236}">
+                <a16:creationId xmlns:a16="http://schemas.microsoft.com/office/drawing/2014/main" id="{C880AF6B-E2C1-2C48-265E-5156A9BD1D55}"/>
+              </a:ext>
+            </a:extLst>
+          </p:cNvPr>
+          <p:cNvSpPr txBox="1"/>
+          <p:nvPr/>
+        </p:nvSpPr>
+        <p:spPr>
+          <a:xfrm>
+            <a:off x="2136000" y="6183252"/>
+            <a:ext cx="7920000" cy="400110"/>
+          </a:xfrm>
+          <a:prstGeom prst="rect">
+            <a:avLst/>
+          </a:prstGeom>
+          <a:noFill/>
+        </p:spPr>
+        <p:txBody>
+          <a:bodyPr wrap="square" rtlCol="0">
+            <a:spAutoFit/>
+          </a:bodyPr>
+          <a:lstStyle/>
+          <a:p>
+            <a:pPr algn="ctr"/>
+            <a:r>
+              <a:rPr lang="en-US" sz="2000" dirty="0">
+                <a:effectLst/>
+                <a:latin typeface="Times New Roman" panose="02020603050405020304" pitchFamily="18" charset="0"/>
+                <a:ea typeface="Calibri" panose="020F0502020204030204" pitchFamily="34" charset="0"/>
+                <a:cs typeface="Times New Roman" panose="02020603050405020304" pitchFamily="18" charset="0"/>
+              </a:rPr>
+              <a:t>SAP ERP (Enterprise Resource Planning)</a:t>
+            </a:r>
+            <a:endParaRPr lang="ru-RU" sz="2000" dirty="0">
+              <a:effectLst/>
+              <a:latin typeface="Calibri" panose="020F0502020204030204" pitchFamily="34" charset="0"/>
+              <a:ea typeface="Calibri" panose="020F0502020204030204" pitchFamily="34" charset="0"/>
+              <a:cs typeface="Times New Roman" panose="02020603050405020304" pitchFamily="18" charset="0"/>
+            </a:endParaRPr>
           </a:p>
         </p:txBody>
       </p:sp>
     </p:spTree>
     <p:extLst>
       <p:ext uri="{BB962C8B-B14F-4D97-AF65-F5344CB8AC3E}">
-        <p14:creationId xmlns:p14="http://schemas.microsoft.com/office/powerpoint/2010/main" val="2175902675"/>
+        <p14:creationId xmlns:p14="http://schemas.microsoft.com/office/powerpoint/2010/main" val="1998439622"/>
       </p:ext>
     </p:extLst>
   </p:cSld>
@@ -9128,13 +10616,14 @@
         </p:nvSpPr>
         <p:spPr>
           <a:xfrm>
-            <a:off x="1992314" y="274639"/>
-            <a:ext cx="8218487" cy="561975"/>
+            <a:off x="1846200" y="274638"/>
+            <a:ext cx="8499600" cy="561975"/>
           </a:xfrm>
+          <a:effectLst/>
         </p:spPr>
         <p:txBody>
           <a:bodyPr>
-            <a:normAutofit fontScale="90000"/>
+            <a:noAutofit/>
           </a:bodyPr>
           <a:lstStyle/>
           <a:p>
@@ -9142,7 +10631,7 @@
               <a:defRPr/>
             </a:pPr>
             <a:r>
-              <a:rPr kumimoji="0" lang="ru-RU" altLang="ru-RU" sz="1800" b="1" i="0" u="none" strike="noStrike" kern="1200" cap="none" spc="0" normalizeH="0" baseline="0" noProof="0" dirty="0">
+              <a:rPr kumimoji="0" lang="ru-RU" altLang="ru-RU" sz="2000" b="1" i="0" u="none" strike="noStrike" kern="1200" cap="none" spc="0" normalizeH="0" baseline="0" noProof="0" dirty="0">
                 <a:ln>
                   <a:noFill/>
                 </a:ln>
@@ -9160,26 +10649,65 @@
           </a:p>
         </p:txBody>
       </p:sp>
-      <p:sp>
-        <p:nvSpPr>
-          <p:cNvPr id="2" name="Rectangle 1">
+      <p:pic>
+        <p:nvPicPr>
+          <p:cNvPr id="3" name="Объект 2" descr="Изображение выглядит как текст, снимок экрана, Шрифт, логотип&#10;&#10;Контент, сгенерированный ИИ, может содержать ошибки.">
             <a:extLst>
               <a:ext uri="{FF2B5EF4-FFF2-40B4-BE49-F238E27FC236}">
-                <a16:creationId xmlns:a16="http://schemas.microsoft.com/office/drawing/2014/main" id="{BC9C79EA-33DE-F5CB-BE1C-9CB782C8E1F2}"/>
+                <a16:creationId xmlns:a16="http://schemas.microsoft.com/office/drawing/2014/main" id="{1E20EA50-9EC4-A33D-E8DD-1F456A2C20EA}"/>
               </a:ext>
             </a:extLst>
           </p:cNvPr>
-          <p:cNvSpPr>
-            <a:spLocks noGrp="1" noChangeArrowheads="1"/>
-          </p:cNvSpPr>
+          <p:cNvPicPr>
+            <a:picLocks noGrp="1" noChangeAspect="1"/>
+          </p:cNvPicPr>
           <p:nvPr>
             <p:ph idx="1"/>
           </p:nvPr>
+        </p:nvPicPr>
+        <p:blipFill>
+          <a:blip r:embed="rId2">
+            <a:extLst>
+              <a:ext uri="{28A0092B-C50C-407E-A947-70E740481C1C}">
+                <a14:useLocalDpi xmlns:a14="http://schemas.microsoft.com/office/drawing/2010/main" val="0"/>
+              </a:ext>
+            </a:extLst>
+          </a:blip>
+          <a:stretch>
+            <a:fillRect/>
+          </a:stretch>
+        </p:blipFill>
+        <p:spPr>
+          <a:xfrm>
+            <a:off x="2136000" y="1778060"/>
+            <a:ext cx="7920000" cy="4243327"/>
+          </a:xfrm>
+          <a:ln w="12700">
+            <a:solidFill>
+              <a:schemeClr val="tx1"/>
+            </a:solidFill>
+          </a:ln>
+          <a:effectLst/>
+        </p:spPr>
+      </p:pic>
+      <p:sp>
+        <p:nvSpPr>
+          <p:cNvPr id="7172" name="Text Box 4">
+            <a:extLst>
+              <a:ext uri="{FF2B5EF4-FFF2-40B4-BE49-F238E27FC236}">
+                <a16:creationId xmlns:a16="http://schemas.microsoft.com/office/drawing/2014/main" id="{865126F9-BFEC-4A7B-BB01-A3A690E2F42F}"/>
+              </a:ext>
+            </a:extLst>
+          </p:cNvPr>
+          <p:cNvSpPr txBox="1">
+            <a:spLocks noChangeArrowheads="1"/>
+          </p:cNvSpPr>
+          <p:nvPr/>
         </p:nvSpPr>
         <p:spPr bwMode="auto">
           <a:xfrm>
-            <a:off x="1199488" y="2177867"/>
-            <a:ext cx="7306953" cy="3416320"/>
+            <a:off x="2782888" y="836613"/>
+            <a:ext cx="6553200" cy="541174"/>
           </a:xfrm>
           <a:prstGeom prst="rect">
             <a:avLst/>
@@ -9219,95 +10747,291 @@
           </a:extLst>
         </p:spPr>
         <p:txBody>
-          <a:bodyPr vert="horz" wrap="square" lIns="91440" tIns="45720" rIns="91440" bIns="45720" numCol="1" anchor="ctr" anchorCtr="0" compatLnSpc="1">
-            <a:prstTxWarp prst="textNoShape">
-              <a:avLst/>
-            </a:prstTxWarp>
+          <a:bodyPr>
             <a:spAutoFit/>
           </a:bodyPr>
-          <a:lstStyle/>
-          <a:p>
-            <a:pPr marL="0" marR="0" lvl="0" indent="0" algn="l" defTabSz="914400" rtl="0" eaLnBrk="0" fontAlgn="base" latinLnBrk="0" hangingPunct="0">
-              <a:lnSpc>
-                <a:spcPct val="100000"/>
-              </a:lnSpc>
+          <a:lstStyle>
+            <a:lvl1pPr>
+              <a:defRPr>
+                <a:solidFill>
+                  <a:schemeClr val="tx1"/>
+                </a:solidFill>
+                <a:latin typeface="Arial" panose="020B0604020202020204" pitchFamily="34" charset="0"/>
+                <a:cs typeface="Arial" panose="020B0604020202020204" pitchFamily="34" charset="0"/>
+              </a:defRPr>
+            </a:lvl1pPr>
+            <a:lvl2pPr marL="742950" indent="-285750">
+              <a:defRPr>
+                <a:solidFill>
+                  <a:schemeClr val="tx1"/>
+                </a:solidFill>
+                <a:latin typeface="Arial" panose="020B0604020202020204" pitchFamily="34" charset="0"/>
+                <a:cs typeface="Arial" panose="020B0604020202020204" pitchFamily="34" charset="0"/>
+              </a:defRPr>
+            </a:lvl2pPr>
+            <a:lvl3pPr marL="1143000" indent="-228600">
+              <a:defRPr>
+                <a:solidFill>
+                  <a:schemeClr val="tx1"/>
+                </a:solidFill>
+                <a:latin typeface="Arial" panose="020B0604020202020204" pitchFamily="34" charset="0"/>
+                <a:cs typeface="Arial" panose="020B0604020202020204" pitchFamily="34" charset="0"/>
+              </a:defRPr>
+            </a:lvl3pPr>
+            <a:lvl4pPr marL="1600200" indent="-228600">
+              <a:defRPr>
+                <a:solidFill>
+                  <a:schemeClr val="tx1"/>
+                </a:solidFill>
+                <a:latin typeface="Arial" panose="020B0604020202020204" pitchFamily="34" charset="0"/>
+                <a:cs typeface="Arial" panose="020B0604020202020204" pitchFamily="34" charset="0"/>
+              </a:defRPr>
+            </a:lvl4pPr>
+            <a:lvl5pPr marL="2057400" indent="-228600">
+              <a:defRPr>
+                <a:solidFill>
+                  <a:schemeClr val="tx1"/>
+                </a:solidFill>
+                <a:latin typeface="Arial" panose="020B0604020202020204" pitchFamily="34" charset="0"/>
+                <a:cs typeface="Arial" panose="020B0604020202020204" pitchFamily="34" charset="0"/>
+              </a:defRPr>
+            </a:lvl5pPr>
+            <a:lvl6pPr marL="2514600" indent="-228600" eaLnBrk="0" fontAlgn="base" hangingPunct="0">
               <a:spcBef>
                 <a:spcPct val="0"/>
               </a:spcBef>
               <a:spcAft>
                 <a:spcPct val="0"/>
               </a:spcAft>
-              <a:buClrTx/>
-              <a:buSzTx/>
-              <a:buFontTx/>
-              <a:buChar char="•"/>
-              <a:tabLst/>
-            </a:pPr>
-            <a:r>
-              <a:rPr lang="ru-RU" altLang="ru-RU" sz="2400" dirty="0">
-                <a:solidFill>
-                  <a:schemeClr val="tx1"/>
-                </a:solidFill>
-                <a:latin typeface="Times New Roman" panose="02020603050405020304" pitchFamily="18" charset="0"/>
-                <a:cs typeface="Times New Roman" panose="02020603050405020304" pitchFamily="18" charset="0"/>
-              </a:rPr>
-              <a:t>Интернет вещей: Подключение датчиков и сенсоров для отслеживания состояния продукции и оборудования. </a:t>
-            </a:r>
-          </a:p>
-          <a:p>
-            <a:pPr marL="0" marR="0" lvl="0" indent="0" algn="l" defTabSz="914400" rtl="0" eaLnBrk="0" fontAlgn="base" latinLnBrk="0" hangingPunct="0">
-              <a:lnSpc>
-                <a:spcPct val="100000"/>
-              </a:lnSpc>
+              <a:defRPr>
+                <a:solidFill>
+                  <a:schemeClr val="tx1"/>
+                </a:solidFill>
+                <a:latin typeface="Arial" panose="020B0604020202020204" pitchFamily="34" charset="0"/>
+                <a:cs typeface="Arial" panose="020B0604020202020204" pitchFamily="34" charset="0"/>
+              </a:defRPr>
+            </a:lvl6pPr>
+            <a:lvl7pPr marL="2971800" indent="-228600" eaLnBrk="0" fontAlgn="base" hangingPunct="0">
               <a:spcBef>
                 <a:spcPct val="0"/>
               </a:spcBef>
               <a:spcAft>
                 <a:spcPct val="0"/>
               </a:spcAft>
-              <a:buClrTx/>
-              <a:buSzTx/>
-              <a:buFontTx/>
-              <a:buChar char="•"/>
-              <a:tabLst/>
-            </a:pPr>
-            <a:r>
-              <a:rPr lang="ru-RU" altLang="ru-RU" sz="2400" dirty="0">
-                <a:solidFill>
-                  <a:schemeClr val="tx1"/>
-                </a:solidFill>
-                <a:latin typeface="Times New Roman" panose="02020603050405020304" pitchFamily="18" charset="0"/>
-                <a:cs typeface="Times New Roman" panose="02020603050405020304" pitchFamily="18" charset="0"/>
-              </a:rPr>
-              <a:t>Мобильные приложения: Обеспечение доступа к системе с мобильных устройств для оперативного управления. </a:t>
-            </a:r>
-          </a:p>
-          <a:p>
-            <a:pPr marL="0" marR="0" lvl="0" indent="0" algn="l" defTabSz="914400" rtl="0" eaLnBrk="0" fontAlgn="base" latinLnBrk="0" hangingPunct="0">
-              <a:lnSpc>
-                <a:spcPct val="100000"/>
-              </a:lnSpc>
+              <a:defRPr>
+                <a:solidFill>
+                  <a:schemeClr val="tx1"/>
+                </a:solidFill>
+                <a:latin typeface="Arial" panose="020B0604020202020204" pitchFamily="34" charset="0"/>
+                <a:cs typeface="Arial" panose="020B0604020202020204" pitchFamily="34" charset="0"/>
+              </a:defRPr>
+            </a:lvl7pPr>
+            <a:lvl8pPr marL="3429000" indent="-228600" eaLnBrk="0" fontAlgn="base" hangingPunct="0">
               <a:spcBef>
                 <a:spcPct val="0"/>
               </a:spcBef>
               <a:spcAft>
                 <a:spcPct val="0"/>
               </a:spcAft>
+              <a:defRPr>
+                <a:solidFill>
+                  <a:schemeClr val="tx1"/>
+                </a:solidFill>
+                <a:latin typeface="Arial" panose="020B0604020202020204" pitchFamily="34" charset="0"/>
+                <a:cs typeface="Arial" panose="020B0604020202020204" pitchFamily="34" charset="0"/>
+              </a:defRPr>
+            </a:lvl8pPr>
+            <a:lvl9pPr marL="3886200" indent="-228600" eaLnBrk="0" fontAlgn="base" hangingPunct="0">
+              <a:spcBef>
+                <a:spcPct val="0"/>
+              </a:spcBef>
+              <a:spcAft>
+                <a:spcPct val="0"/>
+              </a:spcAft>
+              <a:defRPr>
+                <a:solidFill>
+                  <a:schemeClr val="tx1"/>
+                </a:solidFill>
+                <a:latin typeface="Arial" panose="020B0604020202020204" pitchFamily="34" charset="0"/>
+                <a:cs typeface="Arial" panose="020B0604020202020204" pitchFamily="34" charset="0"/>
+              </a:defRPr>
+            </a:lvl9pPr>
+          </a:lstStyle>
+          <a:p>
+            <a:pPr marL="0" marR="0" lvl="0" indent="0" algn="ctr" defTabSz="457200" rtl="0" eaLnBrk="1" fontAlgn="auto" latinLnBrk="0" hangingPunct="1">
+              <a:lnSpc>
+                <a:spcPts val="3542"/>
+              </a:lnSpc>
+              <a:spcBef>
+                <a:spcPts val="0"/>
+              </a:spcBef>
+              <a:spcAft>
+                <a:spcPts val="0"/>
+              </a:spcAft>
               <a:buClrTx/>
               <a:buSzTx/>
               <a:buFontTx/>
-              <a:buChar char="•"/>
+              <a:buNone/>
               <a:tabLst/>
+              <a:defRPr/>
             </a:pPr>
             <a:r>
-              <a:rPr lang="ru-RU" altLang="ru-RU" sz="2400" dirty="0">
-                <a:solidFill>
-                  <a:schemeClr val="tx1"/>
-                </a:solidFill>
+              <a:rPr kumimoji="0" lang="ru-RU" sz="3000" b="1" i="0" u="none" strike="noStrike" kern="1200" cap="none" spc="0" normalizeH="0" baseline="0" noProof="0" dirty="0">
+                <a:ln>
+                  <a:noFill/>
+                </a:ln>
+                <a:solidFill>
+                  <a:prstClr val="black"/>
+                </a:solidFill>
+                <a:effectLst/>
+                <a:uLnTx/>
+                <a:uFillTx/>
+                <a:latin typeface="Times New Roman" panose="02020603050405020304" pitchFamily="18" charset="0"/>
+                <a:ea typeface="+mn-ea"/>
+                <a:cs typeface="Times New Roman" panose="02020603050405020304" pitchFamily="18" charset="0"/>
+              </a:rPr>
+              <a:t>Сравнение аналогов</a:t>
+            </a:r>
+            <a:endParaRPr kumimoji="0" lang="en-US" sz="3000" b="0" i="0" u="none" strike="noStrike" kern="1200" cap="none" spc="0" normalizeH="0" baseline="0" noProof="0" dirty="0">
+              <a:ln>
+                <a:noFill/>
+              </a:ln>
+              <a:solidFill>
+                <a:prstClr val="black"/>
+              </a:solidFill>
+              <a:effectLst/>
+              <a:uLnTx/>
+              <a:uFillTx/>
+              <a:latin typeface="Times New Roman" panose="02020603050405020304" pitchFamily="18" charset="0"/>
+              <a:ea typeface="+mn-ea"/>
+              <a:cs typeface="Times New Roman" panose="02020603050405020304" pitchFamily="18" charset="0"/>
+            </a:endParaRPr>
+          </a:p>
+        </p:txBody>
+      </p:sp>
+      <p:sp>
+        <p:nvSpPr>
+          <p:cNvPr id="4" name="TextBox 3">
+            <a:extLst>
+              <a:ext uri="{FF2B5EF4-FFF2-40B4-BE49-F238E27FC236}">
+                <a16:creationId xmlns:a16="http://schemas.microsoft.com/office/drawing/2014/main" id="{844676A6-61EC-D710-77A6-4BDE0B3FB6DD}"/>
+              </a:ext>
+            </a:extLst>
+          </p:cNvPr>
+          <p:cNvSpPr txBox="1"/>
+          <p:nvPr/>
+        </p:nvSpPr>
+        <p:spPr>
+          <a:xfrm>
+            <a:off x="2136000" y="6183252"/>
+            <a:ext cx="7920000" cy="400110"/>
+          </a:xfrm>
+          <a:prstGeom prst="rect">
+            <a:avLst/>
+          </a:prstGeom>
+          <a:noFill/>
+        </p:spPr>
+        <p:txBody>
+          <a:bodyPr wrap="square" rtlCol="0">
+            <a:spAutoFit/>
+          </a:bodyPr>
+          <a:lstStyle/>
+          <a:p>
+            <a:pPr algn="ctr"/>
+            <a:r>
+              <a:rPr lang="ru-RU" sz="2000" dirty="0">
+                <a:effectLst/>
+                <a:latin typeface="Times New Roman" panose="02020603050405020304" pitchFamily="18" charset="0"/>
+                <a:ea typeface="Calibri" panose="020F0502020204030204" pitchFamily="34" charset="0"/>
+              </a:rPr>
+              <a:t>1С: Управление производственным предприятием</a:t>
+            </a:r>
+            <a:endParaRPr lang="ru-RU" sz="2000" dirty="0">
+              <a:effectLst/>
+              <a:latin typeface="Calibri" panose="020F0502020204030204" pitchFamily="34" charset="0"/>
+              <a:ea typeface="Calibri" panose="020F0502020204030204" pitchFamily="34" charset="0"/>
+              <a:cs typeface="Times New Roman" panose="02020603050405020304" pitchFamily="18" charset="0"/>
+            </a:endParaRPr>
+          </a:p>
+        </p:txBody>
+      </p:sp>
+    </p:spTree>
+    <p:extLst>
+      <p:ext uri="{BB962C8B-B14F-4D97-AF65-F5344CB8AC3E}">
+        <p14:creationId xmlns:p14="http://schemas.microsoft.com/office/powerpoint/2010/main" val="1609832633"/>
+      </p:ext>
+    </p:extLst>
+  </p:cSld>
+  <p:clrMapOvr>
+    <a:masterClrMapping/>
+  </p:clrMapOvr>
+</p:sld>
+</file>
+
+<file path=ppt/slides/slide8.xml><?xml version="1.0" encoding="utf-8"?>
+<p:sld xmlns:a="http://schemas.openxmlformats.org/drawingml/2006/main" xmlns:r="http://schemas.openxmlformats.org/officeDocument/2006/relationships" xmlns:p="http://schemas.openxmlformats.org/presentationml/2006/main">
+  <p:cSld>
+    <p:spTree>
+      <p:nvGrpSpPr>
+        <p:cNvPr id="1" name=""/>
+        <p:cNvGrpSpPr/>
+        <p:nvPr/>
+      </p:nvGrpSpPr>
+      <p:grpSpPr>
+        <a:xfrm>
+          <a:off x="0" y="0"/>
+          <a:ext cx="0" cy="0"/>
+          <a:chOff x="0" y="0"/>
+          <a:chExt cx="0" cy="0"/>
+        </a:xfrm>
+      </p:grpSpPr>
+      <p:sp>
+        <p:nvSpPr>
+          <p:cNvPr id="4098" name="Rectangle 2">
+            <a:extLst>
+              <a:ext uri="{FF2B5EF4-FFF2-40B4-BE49-F238E27FC236}">
+                <a16:creationId xmlns:a16="http://schemas.microsoft.com/office/drawing/2014/main" id="{D265DC48-4346-440A-B79D-A3C830C24618}"/>
+              </a:ext>
+            </a:extLst>
+          </p:cNvPr>
+          <p:cNvSpPr>
+            <a:spLocks noGrp="1" noChangeArrowheads="1"/>
+          </p:cNvSpPr>
+          <p:nvPr>
+            <p:ph type="title"/>
+          </p:nvPr>
+        </p:nvSpPr>
+        <p:spPr>
+          <a:xfrm>
+            <a:off x="1846200" y="274638"/>
+            <a:ext cx="8499600" cy="561975"/>
+          </a:xfrm>
+          <a:effectLst/>
+        </p:spPr>
+        <p:txBody>
+          <a:bodyPr>
+            <a:noAutofit/>
+          </a:bodyPr>
+          <a:lstStyle/>
+          <a:p>
+            <a:pPr algn="ctr">
+              <a:defRPr/>
+            </a:pPr>
+            <a:r>
+              <a:rPr kumimoji="0" lang="ru-RU" altLang="ru-RU" sz="2000" b="1" i="0" u="none" strike="noStrike" kern="1200" cap="none" spc="0" normalizeH="0" baseline="0" noProof="0" dirty="0">
+                <a:ln>
+                  <a:noFill/>
+                </a:ln>
+                <a:solidFill>
+                  <a:schemeClr val="tx1"/>
+                </a:solidFill>
+                <a:effectLst/>
+                <a:uLnTx/>
+                <a:uFillTx/>
                 <a:latin typeface="Times New Roman" panose="02020603050405020304" pitchFamily="18" charset="0"/>
                 <a:cs typeface="Times New Roman" panose="02020603050405020304" pitchFamily="18" charset="0"/>
               </a:rPr>
-              <a:t>Облачные технологии: Размещение программного обеспечения в облаке для снижения затрат на инфраструктуру. </a:t>
+              <a:t>Разработка программного продукта на платформе 1С Предприятие для автоматизации учета готовой продукции на основе технологии RFID</a:t>
             </a:r>
           </a:p>
         </p:txBody>
@@ -9329,7 +11053,7 @@
         <p:spPr bwMode="auto">
           <a:xfrm>
             <a:off x="2782888" y="836613"/>
-            <a:ext cx="6553200" cy="519112"/>
+            <a:ext cx="6553200" cy="541174"/>
           </a:xfrm>
           <a:prstGeom prst="rect">
             <a:avLst/>
@@ -9480,23 +11204,959 @@
             </a:lvl9pPr>
           </a:lstStyle>
           <a:p>
-            <a:pPr algn="ctr" eaLnBrk="1" hangingPunct="1">
+            <a:pPr marL="0" marR="0" lvl="0" indent="0" algn="ctr" defTabSz="457200" rtl="0" eaLnBrk="1" fontAlgn="auto" latinLnBrk="0" hangingPunct="1">
+              <a:lnSpc>
+                <a:spcPts val="3542"/>
+              </a:lnSpc>
               <a:spcBef>
-                <a:spcPct val="50000"/>
+                <a:spcPts val="0"/>
               </a:spcBef>
+              <a:spcAft>
+                <a:spcPts val="0"/>
+              </a:spcAft>
+              <a:buClrTx/>
+              <a:buSzTx/>
+              <a:buFontTx/>
+              <a:buNone/>
+              <a:tabLst/>
+              <a:defRPr/>
             </a:pPr>
             <a:r>
-              <a:rPr lang="ru-RU" altLang="ru-RU" sz="2800" b="1" dirty="0">
+              <a:rPr kumimoji="0" lang="ru-RU" sz="3000" b="1" i="0" u="none" strike="noStrike" kern="1200" cap="none" spc="0" normalizeH="0" baseline="0" noProof="0" dirty="0">
+                <a:ln>
+                  <a:noFill/>
+                </a:ln>
+                <a:solidFill>
+                  <a:prstClr val="black"/>
+                </a:solidFill>
+                <a:effectLst/>
+                <a:uLnTx/>
+                <a:uFillTx/>
                 <a:latin typeface="Times New Roman" panose="02020603050405020304" pitchFamily="18" charset="0"/>
+                <a:ea typeface="+mn-ea"/>
+                <a:cs typeface="Times New Roman" panose="02020603050405020304" pitchFamily="18" charset="0"/>
               </a:rPr>
-              <a:t>Перспективы развития</a:t>
-            </a:r>
+              <a:t>Сравнение аналогов</a:t>
+            </a:r>
+            <a:endParaRPr kumimoji="0" lang="en-US" sz="3000" b="0" i="0" u="none" strike="noStrike" kern="1200" cap="none" spc="0" normalizeH="0" baseline="0" noProof="0" dirty="0">
+              <a:ln>
+                <a:noFill/>
+              </a:ln>
+              <a:solidFill>
+                <a:prstClr val="black"/>
+              </a:solidFill>
+              <a:effectLst/>
+              <a:uLnTx/>
+              <a:uFillTx/>
+              <a:latin typeface="Times New Roman" panose="02020603050405020304" pitchFamily="18" charset="0"/>
+              <a:ea typeface="+mn-ea"/>
+              <a:cs typeface="Times New Roman" panose="02020603050405020304" pitchFamily="18" charset="0"/>
+            </a:endParaRPr>
           </a:p>
         </p:txBody>
       </p:sp>
       <p:pic>
         <p:nvPicPr>
-          <p:cNvPr id="3076" name="Picture 4" descr="Перспективы развития п.Воля | Администрация Воленского сельского поселения  Новоусманского муниципального района Воронежской области"/>
+          <p:cNvPr id="2052" name="Picture 4">
+            <a:extLst>
+              <a:ext uri="{FF2B5EF4-FFF2-40B4-BE49-F238E27FC236}">
+                <a16:creationId xmlns:a16="http://schemas.microsoft.com/office/drawing/2014/main" id="{4A4DC797-6B07-42F8-3767-72ADBB60F024}"/>
+              </a:ext>
+            </a:extLst>
+          </p:cNvPr>
+          <p:cNvPicPr>
+            <a:picLocks noGrp="1" noChangeAspect="1" noChangeArrowheads="1"/>
+          </p:cNvPicPr>
+          <p:nvPr>
+            <p:ph idx="1"/>
+          </p:nvPr>
+        </p:nvPicPr>
+        <p:blipFill>
+          <a:blip r:embed="rId2">
+            <a:extLst>
+              <a:ext uri="{28A0092B-C50C-407E-A947-70E740481C1C}">
+                <a14:useLocalDpi xmlns:a14="http://schemas.microsoft.com/office/drawing/2010/main" val="0"/>
+              </a:ext>
+            </a:extLst>
+          </a:blip>
+          <a:srcRect/>
+          <a:stretch>
+            <a:fillRect/>
+          </a:stretch>
+        </p:blipFill>
+        <p:spPr bwMode="auto">
+          <a:xfrm>
+            <a:off x="2136000" y="1564011"/>
+            <a:ext cx="7920000" cy="4457376"/>
+          </a:xfrm>
+          <a:prstGeom prst="rect">
+            <a:avLst/>
+          </a:prstGeom>
+          <a:noFill/>
+          <a:ln w="12700">
+            <a:solidFill>
+              <a:schemeClr val="tx1"/>
+            </a:solidFill>
+          </a:ln>
+          <a:effectLst/>
+          <a:extLst>
+            <a:ext uri="{909E8E84-426E-40DD-AFC4-6F175D3DCCD1}">
+              <a14:hiddenFill xmlns:a14="http://schemas.microsoft.com/office/drawing/2010/main">
+                <a:solidFill>
+                  <a:srgbClr val="FFFFFF"/>
+                </a:solidFill>
+              </a14:hiddenFill>
+            </a:ext>
+          </a:extLst>
+        </p:spPr>
+      </p:pic>
+      <p:sp>
+        <p:nvSpPr>
+          <p:cNvPr id="3" name="TextBox 2">
+            <a:extLst>
+              <a:ext uri="{FF2B5EF4-FFF2-40B4-BE49-F238E27FC236}">
+                <a16:creationId xmlns:a16="http://schemas.microsoft.com/office/drawing/2014/main" id="{AC6C1C17-85B0-9E66-C0C4-6AF1C12B9FA1}"/>
+              </a:ext>
+            </a:extLst>
+          </p:cNvPr>
+          <p:cNvSpPr txBox="1"/>
+          <p:nvPr/>
+        </p:nvSpPr>
+        <p:spPr>
+          <a:xfrm>
+            <a:off x="2136000" y="6183252"/>
+            <a:ext cx="7920000" cy="400110"/>
+          </a:xfrm>
+          <a:prstGeom prst="rect">
+            <a:avLst/>
+          </a:prstGeom>
+          <a:noFill/>
+        </p:spPr>
+        <p:txBody>
+          <a:bodyPr wrap="square" rtlCol="0">
+            <a:spAutoFit/>
+          </a:bodyPr>
+          <a:lstStyle/>
+          <a:p>
+            <a:pPr algn="ctr"/>
+            <a:r>
+              <a:rPr lang="ru-RU" sz="2000" dirty="0">
+                <a:effectLst/>
+                <a:latin typeface="Times New Roman" panose="02020603050405020304" pitchFamily="18" charset="0"/>
+                <a:ea typeface="Calibri" panose="020F0502020204030204" pitchFamily="34" charset="0"/>
+              </a:rPr>
+              <a:t>Microsoft Dynamics 365</a:t>
+            </a:r>
+            <a:endParaRPr lang="ru-RU" sz="2000" dirty="0">
+              <a:effectLst/>
+              <a:latin typeface="Calibri" panose="020F0502020204030204" pitchFamily="34" charset="0"/>
+              <a:ea typeface="Calibri" panose="020F0502020204030204" pitchFamily="34" charset="0"/>
+              <a:cs typeface="Times New Roman" panose="02020603050405020304" pitchFamily="18" charset="0"/>
+            </a:endParaRPr>
+          </a:p>
+        </p:txBody>
+      </p:sp>
+    </p:spTree>
+    <p:extLst>
+      <p:ext uri="{BB962C8B-B14F-4D97-AF65-F5344CB8AC3E}">
+        <p14:creationId xmlns:p14="http://schemas.microsoft.com/office/powerpoint/2010/main" val="2479739698"/>
+      </p:ext>
+    </p:extLst>
+  </p:cSld>
+  <p:clrMapOvr>
+    <a:masterClrMapping/>
+  </p:clrMapOvr>
+</p:sld>
+</file>
+
+<file path=ppt/slides/slide9.xml><?xml version="1.0" encoding="utf-8"?>
+<p:sld xmlns:a="http://schemas.openxmlformats.org/drawingml/2006/main" xmlns:r="http://schemas.openxmlformats.org/officeDocument/2006/relationships" xmlns:p="http://schemas.openxmlformats.org/presentationml/2006/main">
+  <p:cSld>
+    <p:spTree>
+      <p:nvGrpSpPr>
+        <p:cNvPr id="1" name=""/>
+        <p:cNvGrpSpPr/>
+        <p:nvPr/>
+      </p:nvGrpSpPr>
+      <p:grpSpPr>
+        <a:xfrm>
+          <a:off x="0" y="0"/>
+          <a:ext cx="0" cy="0"/>
+          <a:chOff x="0" y="0"/>
+          <a:chExt cx="0" cy="0"/>
+        </a:xfrm>
+      </p:grpSpPr>
+      <p:sp>
+        <p:nvSpPr>
+          <p:cNvPr id="4098" name="Rectangle 2">
+            <a:extLst>
+              <a:ext uri="{FF2B5EF4-FFF2-40B4-BE49-F238E27FC236}">
+                <a16:creationId xmlns:a16="http://schemas.microsoft.com/office/drawing/2014/main" id="{D265DC48-4346-440A-B79D-A3C830C24618}"/>
+              </a:ext>
+            </a:extLst>
+          </p:cNvPr>
+          <p:cNvSpPr>
+            <a:spLocks noGrp="1" noChangeArrowheads="1"/>
+          </p:cNvSpPr>
+          <p:nvPr>
+            <p:ph type="title"/>
+          </p:nvPr>
+        </p:nvSpPr>
+        <p:spPr>
+          <a:xfrm>
+            <a:off x="1846200" y="274638"/>
+            <a:ext cx="8499600" cy="561975"/>
+          </a:xfrm>
+          <a:effectLst/>
+        </p:spPr>
+        <p:txBody>
+          <a:bodyPr>
+            <a:noAutofit/>
+          </a:bodyPr>
+          <a:lstStyle/>
+          <a:p>
+            <a:pPr algn="ctr">
+              <a:defRPr/>
+            </a:pPr>
+            <a:r>
+              <a:rPr kumimoji="0" lang="ru-RU" altLang="ru-RU" sz="2000" b="1" i="0" u="none" strike="noStrike" kern="1200" cap="none" spc="0" normalizeH="0" baseline="0" noProof="0" dirty="0">
+                <a:ln>
+                  <a:noFill/>
+                </a:ln>
+                <a:solidFill>
+                  <a:schemeClr val="tx1"/>
+                </a:solidFill>
+                <a:effectLst/>
+                <a:uLnTx/>
+                <a:uFillTx/>
+                <a:latin typeface="Times New Roman" panose="02020603050405020304" pitchFamily="18" charset="0"/>
+                <a:cs typeface="Times New Roman" panose="02020603050405020304" pitchFamily="18" charset="0"/>
+              </a:rPr>
+              <a:t>Разработка программного продукта на платформе 1С Предприятие для автоматизации учета готовой продукции на основе технологии RFID</a:t>
+            </a:r>
+          </a:p>
+        </p:txBody>
+      </p:sp>
+      <p:sp>
+        <p:nvSpPr>
+          <p:cNvPr id="7172" name="Text Box 4">
+            <a:extLst>
+              <a:ext uri="{FF2B5EF4-FFF2-40B4-BE49-F238E27FC236}">
+                <a16:creationId xmlns:a16="http://schemas.microsoft.com/office/drawing/2014/main" id="{865126F9-BFEC-4A7B-BB01-A3A690E2F42F}"/>
+              </a:ext>
+            </a:extLst>
+          </p:cNvPr>
+          <p:cNvSpPr txBox="1">
+            <a:spLocks noChangeArrowheads="1"/>
+          </p:cNvSpPr>
+          <p:nvPr/>
+        </p:nvSpPr>
+        <p:spPr bwMode="auto">
+          <a:xfrm>
+            <a:off x="2782888" y="836613"/>
+            <a:ext cx="6553200" cy="541174"/>
+          </a:xfrm>
+          <a:prstGeom prst="rect">
+            <a:avLst/>
+          </a:prstGeom>
+          <a:noFill/>
+          <a:ln>
+            <a:noFill/>
+          </a:ln>
+          <a:effectLst/>
+          <a:extLst>
+            <a:ext uri="{909E8E84-426E-40DD-AFC4-6F175D3DCCD1}">
+              <a14:hiddenFill xmlns:a14="http://schemas.microsoft.com/office/drawing/2010/main">
+                <a:solidFill>
+                  <a:schemeClr val="accent1"/>
+                </a:solidFill>
+              </a14:hiddenFill>
+            </a:ext>
+            <a:ext uri="{91240B29-F687-4F45-9708-019B960494DF}">
+              <a14:hiddenLine xmlns:a14="http://schemas.microsoft.com/office/drawing/2010/main" w="9525">
+                <a:solidFill>
+                  <a:schemeClr val="tx1"/>
+                </a:solidFill>
+                <a:miter lim="800000"/>
+                <a:headEnd/>
+                <a:tailEnd/>
+              </a14:hiddenLine>
+            </a:ext>
+            <a:ext uri="{AF507438-7753-43E0-B8FC-AC1667EBCBE1}">
+              <a14:hiddenEffects xmlns:a14="http://schemas.microsoft.com/office/drawing/2010/main">
+                <a:effectLst>
+                  <a:outerShdw dist="35921" dir="2700000" algn="ctr" rotWithShape="0">
+                    <a:schemeClr val="bg2"/>
+                  </a:outerShdw>
+                </a:effectLst>
+              </a14:hiddenEffects>
+            </a:ext>
+          </a:extLst>
+        </p:spPr>
+        <p:txBody>
+          <a:bodyPr>
+            <a:spAutoFit/>
+          </a:bodyPr>
+          <a:lstStyle>
+            <a:lvl1pPr>
+              <a:defRPr>
+                <a:solidFill>
+                  <a:schemeClr val="tx1"/>
+                </a:solidFill>
+                <a:latin typeface="Arial" panose="020B0604020202020204" pitchFamily="34" charset="0"/>
+                <a:cs typeface="Arial" panose="020B0604020202020204" pitchFamily="34" charset="0"/>
+              </a:defRPr>
+            </a:lvl1pPr>
+            <a:lvl2pPr marL="742950" indent="-285750">
+              <a:defRPr>
+                <a:solidFill>
+                  <a:schemeClr val="tx1"/>
+                </a:solidFill>
+                <a:latin typeface="Arial" panose="020B0604020202020204" pitchFamily="34" charset="0"/>
+                <a:cs typeface="Arial" panose="020B0604020202020204" pitchFamily="34" charset="0"/>
+              </a:defRPr>
+            </a:lvl2pPr>
+            <a:lvl3pPr marL="1143000" indent="-228600">
+              <a:defRPr>
+                <a:solidFill>
+                  <a:schemeClr val="tx1"/>
+                </a:solidFill>
+                <a:latin typeface="Arial" panose="020B0604020202020204" pitchFamily="34" charset="0"/>
+                <a:cs typeface="Arial" panose="020B0604020202020204" pitchFamily="34" charset="0"/>
+              </a:defRPr>
+            </a:lvl3pPr>
+            <a:lvl4pPr marL="1600200" indent="-228600">
+              <a:defRPr>
+                <a:solidFill>
+                  <a:schemeClr val="tx1"/>
+                </a:solidFill>
+                <a:latin typeface="Arial" panose="020B0604020202020204" pitchFamily="34" charset="0"/>
+                <a:cs typeface="Arial" panose="020B0604020202020204" pitchFamily="34" charset="0"/>
+              </a:defRPr>
+            </a:lvl4pPr>
+            <a:lvl5pPr marL="2057400" indent="-228600">
+              <a:defRPr>
+                <a:solidFill>
+                  <a:schemeClr val="tx1"/>
+                </a:solidFill>
+                <a:latin typeface="Arial" panose="020B0604020202020204" pitchFamily="34" charset="0"/>
+                <a:cs typeface="Arial" panose="020B0604020202020204" pitchFamily="34" charset="0"/>
+              </a:defRPr>
+            </a:lvl5pPr>
+            <a:lvl6pPr marL="2514600" indent="-228600" eaLnBrk="0" fontAlgn="base" hangingPunct="0">
+              <a:spcBef>
+                <a:spcPct val="0"/>
+              </a:spcBef>
+              <a:spcAft>
+                <a:spcPct val="0"/>
+              </a:spcAft>
+              <a:defRPr>
+                <a:solidFill>
+                  <a:schemeClr val="tx1"/>
+                </a:solidFill>
+                <a:latin typeface="Arial" panose="020B0604020202020204" pitchFamily="34" charset="0"/>
+                <a:cs typeface="Arial" panose="020B0604020202020204" pitchFamily="34" charset="0"/>
+              </a:defRPr>
+            </a:lvl6pPr>
+            <a:lvl7pPr marL="2971800" indent="-228600" eaLnBrk="0" fontAlgn="base" hangingPunct="0">
+              <a:spcBef>
+                <a:spcPct val="0"/>
+              </a:spcBef>
+              <a:spcAft>
+                <a:spcPct val="0"/>
+              </a:spcAft>
+              <a:defRPr>
+                <a:solidFill>
+                  <a:schemeClr val="tx1"/>
+                </a:solidFill>
+                <a:latin typeface="Arial" panose="020B0604020202020204" pitchFamily="34" charset="0"/>
+                <a:cs typeface="Arial" panose="020B0604020202020204" pitchFamily="34" charset="0"/>
+              </a:defRPr>
+            </a:lvl7pPr>
+            <a:lvl8pPr marL="3429000" indent="-228600" eaLnBrk="0" fontAlgn="base" hangingPunct="0">
+              <a:spcBef>
+                <a:spcPct val="0"/>
+              </a:spcBef>
+              <a:spcAft>
+                <a:spcPct val="0"/>
+              </a:spcAft>
+              <a:defRPr>
+                <a:solidFill>
+                  <a:schemeClr val="tx1"/>
+                </a:solidFill>
+                <a:latin typeface="Arial" panose="020B0604020202020204" pitchFamily="34" charset="0"/>
+                <a:cs typeface="Arial" panose="020B0604020202020204" pitchFamily="34" charset="0"/>
+              </a:defRPr>
+            </a:lvl8pPr>
+            <a:lvl9pPr marL="3886200" indent="-228600" eaLnBrk="0" fontAlgn="base" hangingPunct="0">
+              <a:spcBef>
+                <a:spcPct val="0"/>
+              </a:spcBef>
+              <a:spcAft>
+                <a:spcPct val="0"/>
+              </a:spcAft>
+              <a:defRPr>
+                <a:solidFill>
+                  <a:schemeClr val="tx1"/>
+                </a:solidFill>
+                <a:latin typeface="Arial" panose="020B0604020202020204" pitchFamily="34" charset="0"/>
+                <a:cs typeface="Arial" panose="020B0604020202020204" pitchFamily="34" charset="0"/>
+              </a:defRPr>
+            </a:lvl9pPr>
+          </a:lstStyle>
+          <a:p>
+            <a:pPr marL="0" marR="0" lvl="0" indent="0" algn="ctr" defTabSz="457200" rtl="0" eaLnBrk="1" fontAlgn="auto" latinLnBrk="0" hangingPunct="1">
+              <a:lnSpc>
+                <a:spcPts val="3542"/>
+              </a:lnSpc>
+              <a:spcBef>
+                <a:spcPts val="0"/>
+              </a:spcBef>
+              <a:spcAft>
+                <a:spcPts val="0"/>
+              </a:spcAft>
+              <a:buClrTx/>
+              <a:buSzTx/>
+              <a:buFontTx/>
+              <a:buNone/>
+              <a:tabLst/>
+              <a:defRPr/>
+            </a:pPr>
+            <a:r>
+              <a:rPr kumimoji="0" lang="ru-RU" sz="3000" b="1" i="0" u="none" strike="noStrike" kern="1200" cap="none" spc="0" normalizeH="0" baseline="0" noProof="0" dirty="0">
+                <a:ln>
+                  <a:noFill/>
+                </a:ln>
+                <a:solidFill>
+                  <a:prstClr val="black"/>
+                </a:solidFill>
+                <a:effectLst/>
+                <a:uLnTx/>
+                <a:uFillTx/>
+                <a:latin typeface="Times New Roman" panose="02020603050405020304" pitchFamily="18" charset="0"/>
+                <a:ea typeface="+mn-ea"/>
+                <a:cs typeface="Times New Roman" panose="02020603050405020304" pitchFamily="18" charset="0"/>
+              </a:rPr>
+              <a:t>Средства разработки</a:t>
+            </a:r>
+          </a:p>
+        </p:txBody>
+      </p:sp>
+      <p:grpSp>
+        <p:nvGrpSpPr>
+          <p:cNvPr id="4" name="Группа 3">
+            <a:extLst>
+              <a:ext uri="{FF2B5EF4-FFF2-40B4-BE49-F238E27FC236}">
+                <a16:creationId xmlns:a16="http://schemas.microsoft.com/office/drawing/2014/main" id="{E7E50D60-82E0-42F9-8D5B-B5EDE659963E}"/>
+              </a:ext>
+            </a:extLst>
+          </p:cNvPr>
+          <p:cNvGrpSpPr/>
+          <p:nvPr/>
+        </p:nvGrpSpPr>
+        <p:grpSpPr>
+          <a:xfrm>
+            <a:off x="91837" y="2501601"/>
+            <a:ext cx="6004163" cy="2650502"/>
+            <a:chOff x="864037" y="5153739"/>
+            <a:chExt cx="6451163" cy="2150031"/>
+          </a:xfrm>
+          <a:solidFill>
+            <a:schemeClr val="accent6">
+              <a:lumMod val="60000"/>
+              <a:lumOff val="40000"/>
+            </a:schemeClr>
+          </a:solidFill>
+        </p:grpSpPr>
+        <p:sp>
+          <p:nvSpPr>
+            <p:cNvPr id="5" name="Shape 1">
+              <a:extLst>
+                <a:ext uri="{FF2B5EF4-FFF2-40B4-BE49-F238E27FC236}">
+                  <a16:creationId xmlns:a16="http://schemas.microsoft.com/office/drawing/2014/main" id="{007C2D48-A17B-B22E-4FD5-AC829BF35CA6}"/>
+                </a:ext>
+              </a:extLst>
+            </p:cNvPr>
+            <p:cNvSpPr/>
+            <p:nvPr/>
+          </p:nvSpPr>
+          <p:spPr>
+            <a:xfrm>
+              <a:off x="864037" y="5153739"/>
+              <a:ext cx="6451163" cy="2150031"/>
+            </a:xfrm>
+            <a:prstGeom prst="roundRect">
+              <a:avLst>
+                <a:gd name="adj" fmla="val 10335"/>
+              </a:avLst>
+            </a:prstGeom>
+            <a:solidFill>
+              <a:schemeClr val="accent4"/>
+            </a:solidFill>
+            <a:ln w="15240">
+              <a:solidFill>
+                <a:srgbClr val="000000">
+                  <a:alpha val="8000"/>
+                </a:srgbClr>
+              </a:solidFill>
+              <a:prstDash val="solid"/>
+            </a:ln>
+          </p:spPr>
+        </p:sp>
+        <p:sp>
+          <p:nvSpPr>
+            <p:cNvPr id="6" name="Shape 2">
+              <a:extLst>
+                <a:ext uri="{FF2B5EF4-FFF2-40B4-BE49-F238E27FC236}">
+                  <a16:creationId xmlns:a16="http://schemas.microsoft.com/office/drawing/2014/main" id="{F8DC6D89-90B6-B29B-31F4-D3C8D8450E3A}"/>
+                </a:ext>
+              </a:extLst>
+            </p:cNvPr>
+            <p:cNvSpPr/>
+            <p:nvPr/>
+          </p:nvSpPr>
+          <p:spPr>
+            <a:xfrm>
+              <a:off x="979303" y="5267751"/>
+              <a:ext cx="3362845" cy="617042"/>
+            </a:xfrm>
+            <a:prstGeom prst="rect">
+              <a:avLst/>
+            </a:prstGeom>
+            <a:solidFill>
+              <a:schemeClr val="accent4"/>
+            </a:solidFill>
+            <a:ln/>
+          </p:spPr>
+          <p:txBody>
+            <a:bodyPr/>
+            <a:lstStyle/>
+            <a:p>
+              <a:endParaRPr lang="ru-RU" sz="2200" dirty="0">
+                <a:latin typeface="Times New Roman" panose="02020603050405020304" pitchFamily="18" charset="0"/>
+                <a:cs typeface="Times New Roman" panose="02020603050405020304" pitchFamily="18" charset="0"/>
+              </a:endParaRPr>
+            </a:p>
+          </p:txBody>
+        </p:sp>
+        <p:sp>
+          <p:nvSpPr>
+            <p:cNvPr id="7" name="Text 3">
+              <a:extLst>
+                <a:ext uri="{FF2B5EF4-FFF2-40B4-BE49-F238E27FC236}">
+                  <a16:creationId xmlns:a16="http://schemas.microsoft.com/office/drawing/2014/main" id="{C1C8F7F3-4E64-8B85-3C2E-86FBBF753542}"/>
+                </a:ext>
+              </a:extLst>
+            </p:cNvPr>
+            <p:cNvSpPr/>
+            <p:nvPr/>
+          </p:nvSpPr>
+          <p:spPr>
+            <a:xfrm>
+              <a:off x="1126094" y="5324713"/>
+              <a:ext cx="3171586" cy="395049"/>
+            </a:xfrm>
+            <a:prstGeom prst="rect">
+              <a:avLst/>
+            </a:prstGeom>
+            <a:solidFill>
+              <a:schemeClr val="accent4"/>
+            </a:solidFill>
+            <a:ln/>
+          </p:spPr>
+          <p:txBody>
+            <a:bodyPr wrap="none" lIns="0" tIns="0" rIns="0" bIns="0" rtlCol="0" anchor="t"/>
+            <a:lstStyle/>
+            <a:p>
+              <a:pPr marL="0" indent="0">
+                <a:lnSpc>
+                  <a:spcPts val="3100"/>
+                </a:lnSpc>
+                <a:buNone/>
+              </a:pPr>
+              <a:r>
+                <a:rPr lang="en-US" sz="2200" dirty="0">
+                  <a:latin typeface="Times New Roman" panose="02020603050405020304" pitchFamily="18" charset="0"/>
+                  <a:ea typeface="Nobile" pitchFamily="34" charset="-122"/>
+                  <a:cs typeface="Times New Roman" panose="02020603050405020304" pitchFamily="18" charset="0"/>
+                </a:rPr>
+                <a:t>Платформа</a:t>
+              </a:r>
+              <a:r>
+                <a:rPr lang="ru-RU" sz="2200" dirty="0">
+                  <a:latin typeface="Times New Roman" panose="02020603050405020304" pitchFamily="18" charset="0"/>
+                  <a:ea typeface="Nobile" pitchFamily="34" charset="-122"/>
+                  <a:cs typeface="Times New Roman" panose="02020603050405020304" pitchFamily="18" charset="0"/>
+                </a:rPr>
+                <a:t> ПО</a:t>
+              </a:r>
+              <a:endParaRPr lang="en-US" sz="2200" dirty="0">
+                <a:latin typeface="Times New Roman" panose="02020603050405020304" pitchFamily="18" charset="0"/>
+                <a:cs typeface="Times New Roman" panose="02020603050405020304" pitchFamily="18" charset="0"/>
+              </a:endParaRPr>
+            </a:p>
+          </p:txBody>
+        </p:sp>
+        <p:sp>
+          <p:nvSpPr>
+            <p:cNvPr id="8" name="Text 4">
+              <a:extLst>
+                <a:ext uri="{FF2B5EF4-FFF2-40B4-BE49-F238E27FC236}">
+                  <a16:creationId xmlns:a16="http://schemas.microsoft.com/office/drawing/2014/main" id="{3FF82F74-25D7-91BA-5915-76ED9A93E7E5}"/>
+                </a:ext>
+              </a:extLst>
+            </p:cNvPr>
+            <p:cNvSpPr/>
+            <p:nvPr/>
+          </p:nvSpPr>
+          <p:spPr>
+            <a:xfrm>
+              <a:off x="4436853" y="5324713"/>
+              <a:ext cx="2577238" cy="395049"/>
+            </a:xfrm>
+            <a:prstGeom prst="rect">
+              <a:avLst/>
+            </a:prstGeom>
+            <a:solidFill>
+              <a:schemeClr val="accent4"/>
+            </a:solidFill>
+            <a:ln/>
+          </p:spPr>
+          <p:txBody>
+            <a:bodyPr wrap="none" lIns="0" tIns="0" rIns="0" bIns="0" rtlCol="0" anchor="t"/>
+            <a:lstStyle/>
+            <a:p>
+              <a:pPr marL="0" indent="0">
+                <a:lnSpc>
+                  <a:spcPts val="3100"/>
+                </a:lnSpc>
+                <a:buNone/>
+              </a:pPr>
+              <a:r>
+                <a:rPr lang="ru-RU" sz="2200" dirty="0">
+                  <a:latin typeface="Times New Roman" panose="02020603050405020304" pitchFamily="18" charset="0"/>
+                  <a:ea typeface="Nobile" pitchFamily="34" charset="-122"/>
+                  <a:cs typeface="Times New Roman" panose="02020603050405020304" pitchFamily="18" charset="0"/>
+                </a:rPr>
+                <a:t> </a:t>
+              </a:r>
+              <a:r>
+                <a:rPr lang="en-US" sz="2200" dirty="0">
+                  <a:latin typeface="Times New Roman" panose="02020603050405020304" pitchFamily="18" charset="0"/>
+                  <a:ea typeface="Nobile" pitchFamily="34" charset="-122"/>
+                  <a:cs typeface="Times New Roman" panose="02020603050405020304" pitchFamily="18" charset="0"/>
+                </a:rPr>
+                <a:t>1С:Предприятие 8.3</a:t>
+              </a:r>
+              <a:endParaRPr lang="en-US" sz="2200" dirty="0">
+                <a:latin typeface="Times New Roman" panose="02020603050405020304" pitchFamily="18" charset="0"/>
+                <a:cs typeface="Times New Roman" panose="02020603050405020304" pitchFamily="18" charset="0"/>
+              </a:endParaRPr>
+            </a:p>
+          </p:txBody>
+        </p:sp>
+        <p:sp>
+          <p:nvSpPr>
+            <p:cNvPr id="9" name="Text 6">
+              <a:extLst>
+                <a:ext uri="{FF2B5EF4-FFF2-40B4-BE49-F238E27FC236}">
+                  <a16:creationId xmlns:a16="http://schemas.microsoft.com/office/drawing/2014/main" id="{B3F0D6F4-FA22-506B-3A0F-2F8B43FB2B65}"/>
+                </a:ext>
+              </a:extLst>
+            </p:cNvPr>
+            <p:cNvSpPr/>
+            <p:nvPr/>
+          </p:nvSpPr>
+          <p:spPr>
+            <a:xfrm>
+              <a:off x="1081624" y="6031230"/>
+              <a:ext cx="2913287" cy="395049"/>
+            </a:xfrm>
+            <a:prstGeom prst="rect">
+              <a:avLst/>
+            </a:prstGeom>
+            <a:solidFill>
+              <a:schemeClr val="accent4"/>
+            </a:solidFill>
+            <a:ln/>
+          </p:spPr>
+          <p:txBody>
+            <a:bodyPr wrap="none" lIns="0" tIns="0" rIns="0" bIns="0" rtlCol="0" anchor="t"/>
+            <a:lstStyle/>
+            <a:p>
+              <a:pPr marL="0" indent="0">
+                <a:lnSpc>
+                  <a:spcPts val="3100"/>
+                </a:lnSpc>
+                <a:buNone/>
+              </a:pPr>
+              <a:r>
+                <a:rPr lang="en-US" sz="2200" dirty="0">
+                  <a:latin typeface="Times New Roman" panose="02020603050405020304" pitchFamily="18" charset="0"/>
+                  <a:ea typeface="Nobile" pitchFamily="34" charset="-122"/>
+                  <a:cs typeface="Times New Roman" panose="02020603050405020304" pitchFamily="18" charset="0"/>
+                </a:rPr>
+                <a:t>Язык программирования</a:t>
+              </a:r>
+              <a:endParaRPr lang="en-US" sz="2200" dirty="0">
+                <a:latin typeface="Times New Roman" panose="02020603050405020304" pitchFamily="18" charset="0"/>
+                <a:cs typeface="Times New Roman" panose="02020603050405020304" pitchFamily="18" charset="0"/>
+              </a:endParaRPr>
+            </a:p>
+          </p:txBody>
+        </p:sp>
+        <p:sp>
+          <p:nvSpPr>
+            <p:cNvPr id="10" name="Text 7">
+              <a:extLst>
+                <a:ext uri="{FF2B5EF4-FFF2-40B4-BE49-F238E27FC236}">
+                  <a16:creationId xmlns:a16="http://schemas.microsoft.com/office/drawing/2014/main" id="{0F2A2B8A-9E7C-1EC6-7247-3EBD685CB0C6}"/>
+                </a:ext>
+              </a:extLst>
+            </p:cNvPr>
+            <p:cNvSpPr/>
+            <p:nvPr/>
+          </p:nvSpPr>
+          <p:spPr>
+            <a:xfrm>
+              <a:off x="4436853" y="6031230"/>
+              <a:ext cx="2627721" cy="464760"/>
+            </a:xfrm>
+            <a:prstGeom prst="rect">
+              <a:avLst/>
+            </a:prstGeom>
+            <a:solidFill>
+              <a:schemeClr val="accent4"/>
+            </a:solidFill>
+            <a:ln/>
+          </p:spPr>
+          <p:txBody>
+            <a:bodyPr wrap="none" lIns="0" tIns="0" rIns="0" bIns="0" rtlCol="0" anchor="t"/>
+            <a:lstStyle/>
+            <a:p>
+              <a:pPr marL="0" indent="0">
+                <a:lnSpc>
+                  <a:spcPts val="3100"/>
+                </a:lnSpc>
+                <a:buNone/>
+              </a:pPr>
+              <a:r>
+                <a:rPr lang="ru-RU" sz="2200" dirty="0">
+                  <a:latin typeface="Times New Roman" panose="02020603050405020304" pitchFamily="18" charset="0"/>
+                  <a:ea typeface="Nobile" pitchFamily="34" charset="-122"/>
+                  <a:cs typeface="Times New Roman" panose="02020603050405020304" pitchFamily="18" charset="0"/>
+                </a:rPr>
+                <a:t> </a:t>
+              </a:r>
+              <a:r>
+                <a:rPr lang="en-US" sz="2200" dirty="0">
+                  <a:latin typeface="Times New Roman" panose="02020603050405020304" pitchFamily="18" charset="0"/>
+                  <a:ea typeface="Nobile" pitchFamily="34" charset="-122"/>
+                  <a:cs typeface="Times New Roman" panose="02020603050405020304" pitchFamily="18" charset="0"/>
+                </a:rPr>
+                <a:t>1С</a:t>
+              </a:r>
+              <a:endParaRPr lang="en-US" sz="2200" dirty="0">
+                <a:latin typeface="Times New Roman" panose="02020603050405020304" pitchFamily="18" charset="0"/>
+                <a:cs typeface="Times New Roman" panose="02020603050405020304" pitchFamily="18" charset="0"/>
+              </a:endParaRPr>
+            </a:p>
+          </p:txBody>
+        </p:sp>
+        <p:sp>
+          <p:nvSpPr>
+            <p:cNvPr id="11" name="Shape 8">
+              <a:extLst>
+                <a:ext uri="{FF2B5EF4-FFF2-40B4-BE49-F238E27FC236}">
+                  <a16:creationId xmlns:a16="http://schemas.microsoft.com/office/drawing/2014/main" id="{E05AB066-2D59-F54C-EB95-794EB26F19BF}"/>
+                </a:ext>
+              </a:extLst>
+            </p:cNvPr>
+            <p:cNvSpPr/>
+            <p:nvPr/>
+          </p:nvSpPr>
+          <p:spPr>
+            <a:xfrm>
+              <a:off x="979303" y="6621791"/>
+              <a:ext cx="6258360" cy="617042"/>
+            </a:xfrm>
+            <a:prstGeom prst="rect">
+              <a:avLst/>
+            </a:prstGeom>
+            <a:solidFill>
+              <a:schemeClr val="accent4"/>
+            </a:solidFill>
+            <a:ln/>
+          </p:spPr>
+          <p:txBody>
+            <a:bodyPr/>
+            <a:lstStyle/>
+            <a:p>
+              <a:endParaRPr lang="ru-RU" sz="2200" dirty="0">
+                <a:latin typeface="Times New Roman" panose="02020603050405020304" pitchFamily="18" charset="0"/>
+                <a:cs typeface="Times New Roman" panose="02020603050405020304" pitchFamily="18" charset="0"/>
+              </a:endParaRPr>
+            </a:p>
+          </p:txBody>
+        </p:sp>
+        <p:sp>
+          <p:nvSpPr>
+            <p:cNvPr id="12" name="Text 9">
+              <a:extLst>
+                <a:ext uri="{FF2B5EF4-FFF2-40B4-BE49-F238E27FC236}">
+                  <a16:creationId xmlns:a16="http://schemas.microsoft.com/office/drawing/2014/main" id="{DFED089C-9AFB-FF83-9690-F3C2D9D78507}"/>
+                </a:ext>
+              </a:extLst>
+            </p:cNvPr>
+            <p:cNvSpPr/>
+            <p:nvPr/>
+          </p:nvSpPr>
+          <p:spPr>
+            <a:xfrm>
+              <a:off x="1126093" y="6737747"/>
+              <a:ext cx="3216056" cy="395049"/>
+            </a:xfrm>
+            <a:prstGeom prst="rect">
+              <a:avLst/>
+            </a:prstGeom>
+            <a:solidFill>
+              <a:schemeClr val="accent4"/>
+            </a:solidFill>
+            <a:ln/>
+          </p:spPr>
+          <p:txBody>
+            <a:bodyPr wrap="none" lIns="0" tIns="0" rIns="0" bIns="0" rtlCol="0" anchor="t"/>
+            <a:lstStyle/>
+            <a:p>
+              <a:pPr marL="0" indent="0">
+                <a:lnSpc>
+                  <a:spcPts val="3100"/>
+                </a:lnSpc>
+                <a:buNone/>
+              </a:pPr>
+              <a:r>
+                <a:rPr lang="en-US" sz="2200" dirty="0">
+                  <a:latin typeface="Times New Roman" panose="02020603050405020304" pitchFamily="18" charset="0"/>
+                  <a:ea typeface="Nobile" pitchFamily="34" charset="-122"/>
+                  <a:cs typeface="Times New Roman" panose="02020603050405020304" pitchFamily="18" charset="0"/>
+                </a:rPr>
+                <a:t>Среда разработки</a:t>
+              </a:r>
+              <a:r>
+                <a:rPr lang="ru-RU" sz="2200" dirty="0">
+                  <a:latin typeface="Times New Roman" panose="02020603050405020304" pitchFamily="18" charset="0"/>
+                  <a:ea typeface="Nobile" pitchFamily="34" charset="-122"/>
+                  <a:cs typeface="Times New Roman" panose="02020603050405020304" pitchFamily="18" charset="0"/>
+                </a:rPr>
+                <a:t> ПО</a:t>
+              </a:r>
+              <a:endParaRPr lang="en-US" sz="2200" dirty="0">
+                <a:latin typeface="Times New Roman" panose="02020603050405020304" pitchFamily="18" charset="0"/>
+                <a:cs typeface="Times New Roman" panose="02020603050405020304" pitchFamily="18" charset="0"/>
+              </a:endParaRPr>
+            </a:p>
+          </p:txBody>
+        </p:sp>
+        <p:sp>
+          <p:nvSpPr>
+            <p:cNvPr id="13" name="Text 10">
+              <a:extLst>
+                <a:ext uri="{FF2B5EF4-FFF2-40B4-BE49-F238E27FC236}">
+                  <a16:creationId xmlns:a16="http://schemas.microsoft.com/office/drawing/2014/main" id="{2AD7AAF8-56C9-6386-3EC4-9D9D649838E4}"/>
+                </a:ext>
+              </a:extLst>
+            </p:cNvPr>
+            <p:cNvSpPr/>
+            <p:nvPr/>
+          </p:nvSpPr>
+          <p:spPr>
+            <a:xfrm>
+              <a:off x="4386617" y="6697624"/>
+              <a:ext cx="2677956" cy="395049"/>
+            </a:xfrm>
+            <a:prstGeom prst="rect">
+              <a:avLst/>
+            </a:prstGeom>
+            <a:solidFill>
+              <a:schemeClr val="accent4"/>
+            </a:solidFill>
+            <a:ln/>
+          </p:spPr>
+          <p:txBody>
+            <a:bodyPr wrap="none" lIns="0" tIns="0" rIns="0" bIns="0" rtlCol="0" anchor="t"/>
+            <a:lstStyle/>
+            <a:p>
+              <a:pPr marL="0" indent="0">
+                <a:lnSpc>
+                  <a:spcPts val="3100"/>
+                </a:lnSpc>
+                <a:buNone/>
+              </a:pPr>
+              <a:r>
+                <a:rPr lang="ru-RU" sz="2200" dirty="0">
+                  <a:latin typeface="Times New Roman" panose="02020603050405020304" pitchFamily="18" charset="0"/>
+                  <a:ea typeface="Nobile" pitchFamily="34" charset="-122"/>
+                  <a:cs typeface="Times New Roman" panose="02020603050405020304" pitchFamily="18" charset="0"/>
+                </a:rPr>
+                <a:t> </a:t>
+              </a:r>
+              <a:r>
+                <a:rPr lang="en-US" sz="2200" dirty="0">
+                  <a:latin typeface="Times New Roman" panose="02020603050405020304" pitchFamily="18" charset="0"/>
+                  <a:ea typeface="Nobile" pitchFamily="34" charset="-122"/>
+                  <a:cs typeface="Times New Roman" panose="02020603050405020304" pitchFamily="18" charset="0"/>
+                </a:rPr>
+                <a:t>1С</a:t>
+              </a:r>
+              <a:r>
+                <a:rPr lang="ru-RU" sz="2200" dirty="0">
+                  <a:latin typeface="Times New Roman" panose="02020603050405020304" pitchFamily="18" charset="0"/>
+                  <a:ea typeface="Nobile" pitchFamily="34" charset="-122"/>
+                  <a:cs typeface="Times New Roman" panose="02020603050405020304" pitchFamily="18" charset="0"/>
+                </a:rPr>
+                <a:t> </a:t>
+              </a:r>
+              <a:r>
+                <a:rPr lang="en-US" sz="2200" dirty="0">
+                  <a:latin typeface="Times New Roman" panose="02020603050405020304" pitchFamily="18" charset="0"/>
+                  <a:ea typeface="Nobile" pitchFamily="34" charset="-122"/>
+                  <a:cs typeface="Times New Roman" panose="02020603050405020304" pitchFamily="18" charset="0"/>
+                </a:rPr>
+                <a:t>Конфигура</a:t>
+              </a:r>
+              <a:r>
+                <a:rPr lang="ru-RU" sz="2200" dirty="0">
+                  <a:latin typeface="Times New Roman" panose="02020603050405020304" pitchFamily="18" charset="0"/>
+                  <a:ea typeface="Nobile" pitchFamily="34" charset="-122"/>
+                  <a:cs typeface="Times New Roman" panose="02020603050405020304" pitchFamily="18" charset="0"/>
+                </a:rPr>
+                <a:t>ция</a:t>
+              </a:r>
+              <a:r>
+                <a:rPr lang="en-US" sz="2200" dirty="0">
+                  <a:latin typeface="Times New Roman" panose="02020603050405020304" pitchFamily="18" charset="0"/>
+                  <a:ea typeface="Nobile" pitchFamily="34" charset="-122"/>
+                  <a:cs typeface="Times New Roman" panose="02020603050405020304" pitchFamily="18" charset="0"/>
+                </a:rPr>
+                <a:t> </a:t>
+              </a:r>
+              <a:endParaRPr lang="en-US" sz="2200" dirty="0">
+                <a:latin typeface="Times New Roman" panose="02020603050405020304" pitchFamily="18" charset="0"/>
+                <a:cs typeface="Times New Roman" panose="02020603050405020304" pitchFamily="18" charset="0"/>
+              </a:endParaRPr>
+            </a:p>
+          </p:txBody>
+        </p:sp>
+      </p:grpSp>
+      <p:pic>
+        <p:nvPicPr>
+          <p:cNvPr id="14" name="Picture 2">
+            <a:extLst>
+              <a:ext uri="{FF2B5EF4-FFF2-40B4-BE49-F238E27FC236}">
+                <a16:creationId xmlns:a16="http://schemas.microsoft.com/office/drawing/2014/main" id="{077005F4-B11E-64E4-A25B-C53CA1EBDC7B}"/>
+              </a:ext>
+            </a:extLst>
+          </p:cNvPr>
           <p:cNvPicPr>
             <a:picLocks noChangeAspect="1" noChangeArrowheads="1"/>
           </p:cNvPicPr>
@@ -9517,13 +12177,18 @@
         </p:blipFill>
         <p:spPr bwMode="auto">
           <a:xfrm>
-            <a:off x="8506441" y="3966492"/>
-            <a:ext cx="3408719" cy="2561921"/>
+            <a:off x="6184142" y="2117139"/>
+            <a:ext cx="5916021" cy="4437016"/>
           </a:xfrm>
           <a:prstGeom prst="rect">
             <a:avLst/>
           </a:prstGeom>
           <a:noFill/>
+          <a:ln w="12700">
+            <a:solidFill>
+              <a:schemeClr val="tx1"/>
+            </a:solidFill>
+          </a:ln>
           <a:extLst>
             <a:ext uri="{909E8E84-426E-40DD-AFC4-6F175D3DCCD1}">
               <a14:hiddenFill xmlns:a14="http://schemas.microsoft.com/office/drawing/2010/main">
@@ -9535,373 +12200,124 @@
           </a:extLst>
         </p:spPr>
       </p:pic>
+      <p:cxnSp>
+        <p:nvCxnSpPr>
+          <p:cNvPr id="16" name="Прямая соединительная линия 15">
+            <a:extLst>
+              <a:ext uri="{FF2B5EF4-FFF2-40B4-BE49-F238E27FC236}">
+                <a16:creationId xmlns:a16="http://schemas.microsoft.com/office/drawing/2014/main" id="{43EE4664-6BA5-3E4F-0B9C-94192589CDC1}"/>
+              </a:ext>
+            </a:extLst>
+          </p:cNvPr>
+          <p:cNvCxnSpPr>
+            <a:cxnSpLocks/>
+          </p:cNvCxnSpPr>
+          <p:nvPr/>
+        </p:nvCxnSpPr>
+        <p:spPr>
+          <a:xfrm>
+            <a:off x="3328950" y="2501601"/>
+            <a:ext cx="0" cy="2650502"/>
+          </a:xfrm>
+          <a:prstGeom prst="line">
+            <a:avLst/>
+          </a:prstGeom>
+        </p:spPr>
+        <p:style>
+          <a:lnRef idx="2">
+            <a:schemeClr val="dk1"/>
+          </a:lnRef>
+          <a:fillRef idx="0">
+            <a:schemeClr val="dk1"/>
+          </a:fillRef>
+          <a:effectRef idx="1">
+            <a:schemeClr val="dk1"/>
+          </a:effectRef>
+          <a:fontRef idx="minor">
+            <a:schemeClr val="tx1"/>
+          </a:fontRef>
+        </p:style>
+      </p:cxnSp>
+      <p:cxnSp>
+        <p:nvCxnSpPr>
+          <p:cNvPr id="19" name="Прямая соединительная линия 18">
+            <a:extLst>
+              <a:ext uri="{FF2B5EF4-FFF2-40B4-BE49-F238E27FC236}">
+                <a16:creationId xmlns:a16="http://schemas.microsoft.com/office/drawing/2014/main" id="{329FE07A-E55C-AC81-E512-3864BF79C3AD}"/>
+              </a:ext>
+            </a:extLst>
+          </p:cNvPr>
+          <p:cNvCxnSpPr>
+            <a:cxnSpLocks/>
+          </p:cNvCxnSpPr>
+          <p:nvPr/>
+        </p:nvCxnSpPr>
+        <p:spPr>
+          <a:xfrm>
+            <a:off x="91837" y="3402825"/>
+            <a:ext cx="6004163" cy="0"/>
+          </a:xfrm>
+          <a:prstGeom prst="line">
+            <a:avLst/>
+          </a:prstGeom>
+        </p:spPr>
+        <p:style>
+          <a:lnRef idx="2">
+            <a:schemeClr val="dk1"/>
+          </a:lnRef>
+          <a:fillRef idx="0">
+            <a:schemeClr val="dk1"/>
+          </a:fillRef>
+          <a:effectRef idx="1">
+            <a:schemeClr val="dk1"/>
+          </a:effectRef>
+          <a:fontRef idx="minor">
+            <a:schemeClr val="tx1"/>
+          </a:fontRef>
+        </p:style>
+      </p:cxnSp>
+      <p:cxnSp>
+        <p:nvCxnSpPr>
+          <p:cNvPr id="22" name="Прямая соединительная линия 21">
+            <a:extLst>
+              <a:ext uri="{FF2B5EF4-FFF2-40B4-BE49-F238E27FC236}">
+                <a16:creationId xmlns:a16="http://schemas.microsoft.com/office/drawing/2014/main" id="{2602E048-F5AF-1BCC-DA88-FA9221E548B4}"/>
+              </a:ext>
+            </a:extLst>
+          </p:cNvPr>
+          <p:cNvCxnSpPr>
+            <a:cxnSpLocks/>
+          </p:cNvCxnSpPr>
+          <p:nvPr/>
+        </p:nvCxnSpPr>
+        <p:spPr>
+          <a:xfrm>
+            <a:off x="91837" y="4311377"/>
+            <a:ext cx="6004163" cy="0"/>
+          </a:xfrm>
+          <a:prstGeom prst="line">
+            <a:avLst/>
+          </a:prstGeom>
+        </p:spPr>
+        <p:style>
+          <a:lnRef idx="2">
+            <a:schemeClr val="dk1"/>
+          </a:lnRef>
+          <a:fillRef idx="0">
+            <a:schemeClr val="dk1"/>
+          </a:fillRef>
+          <a:effectRef idx="1">
+            <a:schemeClr val="dk1"/>
+          </a:effectRef>
+          <a:fontRef idx="minor">
+            <a:schemeClr val="tx1"/>
+          </a:fontRef>
+        </p:style>
+      </p:cxnSp>
     </p:spTree>
     <p:extLst>
       <p:ext uri="{BB962C8B-B14F-4D97-AF65-F5344CB8AC3E}">
-        <p14:creationId xmlns:p14="http://schemas.microsoft.com/office/powerpoint/2010/main" val="3733435198"/>
-      </p:ext>
-    </p:extLst>
-  </p:cSld>
-  <p:clrMapOvr>
-    <a:masterClrMapping/>
-  </p:clrMapOvr>
-</p:sld>
-</file>
-
-<file path=ppt/slides/slide8.xml><?xml version="1.0" encoding="utf-8"?>
-<p:sld xmlns:a="http://schemas.openxmlformats.org/drawingml/2006/main" xmlns:r="http://schemas.openxmlformats.org/officeDocument/2006/relationships" xmlns:p="http://schemas.openxmlformats.org/presentationml/2006/main">
-  <p:cSld>
-    <p:spTree>
-      <p:nvGrpSpPr>
-        <p:cNvPr id="1" name="">
-          <a:extLst>
-            <a:ext uri="{FF2B5EF4-FFF2-40B4-BE49-F238E27FC236}">
-              <a16:creationId xmlns:a16="http://schemas.microsoft.com/office/drawing/2014/main" id="{5A316485-D109-DBD3-B6D8-32EB3DBFA0B7}"/>
-            </a:ext>
-          </a:extLst>
-        </p:cNvPr>
-        <p:cNvGrpSpPr/>
-        <p:nvPr/>
-      </p:nvGrpSpPr>
-      <p:grpSpPr>
-        <a:xfrm>
-          <a:off x="0" y="0"/>
-          <a:ext cx="0" cy="0"/>
-          <a:chOff x="0" y="0"/>
-          <a:chExt cx="0" cy="0"/>
-        </a:xfrm>
-      </p:grpSpPr>
-      <p:sp>
-        <p:nvSpPr>
-          <p:cNvPr id="4098" name="Rectangle 2">
-            <a:extLst>
-              <a:ext uri="{FF2B5EF4-FFF2-40B4-BE49-F238E27FC236}">
-                <a16:creationId xmlns:a16="http://schemas.microsoft.com/office/drawing/2014/main" id="{8C9F11EA-36C2-2C51-8A96-00BEE3839342}"/>
-              </a:ext>
-            </a:extLst>
-          </p:cNvPr>
-          <p:cNvSpPr>
-            <a:spLocks noGrp="1" noChangeArrowheads="1"/>
-          </p:cNvSpPr>
-          <p:nvPr>
-            <p:ph type="title"/>
-          </p:nvPr>
-        </p:nvSpPr>
-        <p:spPr>
-          <a:xfrm>
-            <a:off x="1992314" y="274639"/>
-            <a:ext cx="8218487" cy="561975"/>
-          </a:xfrm>
-        </p:spPr>
-        <p:txBody>
-          <a:bodyPr>
-            <a:normAutofit fontScale="90000"/>
-          </a:bodyPr>
-          <a:lstStyle/>
-          <a:p>
-            <a:pPr algn="ctr">
-              <a:defRPr/>
-            </a:pPr>
-            <a:r>
-              <a:rPr kumimoji="0" lang="ru-RU" altLang="ru-RU" sz="1800" b="1" i="0" u="none" strike="noStrike" kern="1200" cap="none" spc="0" normalizeH="0" baseline="0" noProof="0" dirty="0">
-                <a:ln>
-                  <a:noFill/>
-                </a:ln>
-                <a:solidFill>
-                  <a:schemeClr val="tx1"/>
-                </a:solidFill>
-                <a:effectLst/>
-                <a:uLnTx/>
-                <a:uFillTx/>
-                <a:latin typeface="Times New Roman" panose="02020603050405020304" pitchFamily="18" charset="0"/>
-                <a:cs typeface="Times New Roman" panose="02020603050405020304" pitchFamily="18" charset="0"/>
-              </a:rPr>
-              <a:t>Разработка программного продукта на платформе 1С Предприятие для автоматизации учета готовой продукции на основе технологии RFID</a:t>
-            </a:r>
-          </a:p>
-        </p:txBody>
-      </p:sp>
-      <p:sp>
-        <p:nvSpPr>
-          <p:cNvPr id="2" name="Rectangle 1">
-            <a:extLst>
-              <a:ext uri="{FF2B5EF4-FFF2-40B4-BE49-F238E27FC236}">
-                <a16:creationId xmlns:a16="http://schemas.microsoft.com/office/drawing/2014/main" id="{14869202-20F1-D7C6-D64B-DFA5A3A0C8A8}"/>
-              </a:ext>
-            </a:extLst>
-          </p:cNvPr>
-          <p:cNvSpPr>
-            <a:spLocks noGrp="1" noChangeArrowheads="1"/>
-          </p:cNvSpPr>
-          <p:nvPr>
-            <p:ph idx="1"/>
-          </p:nvPr>
-        </p:nvSpPr>
-        <p:spPr bwMode="auto">
-          <a:xfrm>
-            <a:off x="1199488" y="2789733"/>
-            <a:ext cx="9720000" cy="1938992"/>
-          </a:xfrm>
-          <a:prstGeom prst="rect">
-            <a:avLst/>
-          </a:prstGeom>
-          <a:noFill/>
-          <a:ln>
-            <a:noFill/>
-          </a:ln>
-          <a:effectLst/>
-          <a:extLst>
-            <a:ext uri="{909E8E84-426E-40DD-AFC4-6F175D3DCCD1}">
-              <a14:hiddenFill xmlns:a14="http://schemas.microsoft.com/office/drawing/2010/main">
-                <a:solidFill>
-                  <a:schemeClr val="accent1"/>
-                </a:solidFill>
-              </a14:hiddenFill>
-            </a:ext>
-            <a:ext uri="{91240B29-F687-4F45-9708-019B960494DF}">
-              <a14:hiddenLine xmlns:a14="http://schemas.microsoft.com/office/drawing/2010/main" w="9525">
-                <a:solidFill>
-                  <a:schemeClr val="tx1"/>
-                </a:solidFill>
-                <a:miter lim="800000"/>
-                <a:headEnd/>
-                <a:tailEnd/>
-              </a14:hiddenLine>
-            </a:ext>
-            <a:ext uri="{AF507438-7753-43E0-B8FC-AC1667EBCBE1}">
-              <a14:hiddenEffects xmlns:a14="http://schemas.microsoft.com/office/drawing/2010/main">
-                <a:effectLst>
-                  <a:outerShdw dist="35921" dir="2700000" algn="ctr" rotWithShape="0">
-                    <a:schemeClr val="bg2"/>
-                  </a:outerShdw>
-                </a:effectLst>
-              </a14:hiddenEffects>
-            </a:ext>
-          </a:extLst>
-        </p:spPr>
-        <p:txBody>
-          <a:bodyPr vert="horz" wrap="square" lIns="91440" tIns="45720" rIns="91440" bIns="45720" numCol="1" anchor="ctr" anchorCtr="0" compatLnSpc="1">
-            <a:prstTxWarp prst="textNoShape">
-              <a:avLst/>
-            </a:prstTxWarp>
-            <a:spAutoFit/>
-          </a:bodyPr>
-          <a:lstStyle/>
-          <a:p>
-            <a:pPr marL="0" marR="0" lvl="0" indent="0" algn="just" defTabSz="914400" rtl="0" eaLnBrk="0" fontAlgn="base" latinLnBrk="0" hangingPunct="0">
-              <a:lnSpc>
-                <a:spcPct val="100000"/>
-              </a:lnSpc>
-              <a:spcBef>
-                <a:spcPct val="0"/>
-              </a:spcBef>
-              <a:spcAft>
-                <a:spcPct val="0"/>
-              </a:spcAft>
-              <a:buClrTx/>
-              <a:buSzTx/>
-              <a:buNone/>
-              <a:tabLst/>
-            </a:pPr>
-            <a:r>
-              <a:rPr lang="ru-RU" altLang="ru-RU" sz="2400" dirty="0">
-                <a:solidFill>
-                  <a:schemeClr val="tx1"/>
-                </a:solidFill>
-                <a:latin typeface="Times New Roman" panose="02020603050405020304" pitchFamily="18" charset="0"/>
-                <a:cs typeface="Times New Roman" panose="02020603050405020304" pitchFamily="18" charset="0"/>
-              </a:rPr>
-              <a:t>В результате выполнения дипломного проекта была разработана программа для учета готовой продукции на основе технологии RFID. Основные задачи, поставленные в начале работы, были успешно решены, что позволило создать эффективный инструмент для управления запасами на складах и в производственных помещениях. </a:t>
-            </a:r>
-          </a:p>
-        </p:txBody>
-      </p:sp>
-      <p:sp>
-        <p:nvSpPr>
-          <p:cNvPr id="7172" name="Text Box 4">
-            <a:extLst>
-              <a:ext uri="{FF2B5EF4-FFF2-40B4-BE49-F238E27FC236}">
-                <a16:creationId xmlns:a16="http://schemas.microsoft.com/office/drawing/2014/main" id="{1CDA172E-3752-6FB9-50EB-2DD888B0351D}"/>
-              </a:ext>
-            </a:extLst>
-          </p:cNvPr>
-          <p:cNvSpPr txBox="1">
-            <a:spLocks noChangeArrowheads="1"/>
-          </p:cNvSpPr>
-          <p:nvPr/>
-        </p:nvSpPr>
-        <p:spPr bwMode="auto">
-          <a:xfrm>
-            <a:off x="2782888" y="836613"/>
-            <a:ext cx="6553200" cy="519112"/>
-          </a:xfrm>
-          <a:prstGeom prst="rect">
-            <a:avLst/>
-          </a:prstGeom>
-          <a:noFill/>
-          <a:ln>
-            <a:noFill/>
-          </a:ln>
-          <a:effectLst/>
-          <a:extLst>
-            <a:ext uri="{909E8E84-426E-40DD-AFC4-6F175D3DCCD1}">
-              <a14:hiddenFill xmlns:a14="http://schemas.microsoft.com/office/drawing/2010/main">
-                <a:solidFill>
-                  <a:schemeClr val="accent1"/>
-                </a:solidFill>
-              </a14:hiddenFill>
-            </a:ext>
-            <a:ext uri="{91240B29-F687-4F45-9708-019B960494DF}">
-              <a14:hiddenLine xmlns:a14="http://schemas.microsoft.com/office/drawing/2010/main" w="9525">
-                <a:solidFill>
-                  <a:schemeClr val="tx1"/>
-                </a:solidFill>
-                <a:miter lim="800000"/>
-                <a:headEnd/>
-                <a:tailEnd/>
-              </a14:hiddenLine>
-            </a:ext>
-            <a:ext uri="{AF507438-7753-43E0-B8FC-AC1667EBCBE1}">
-              <a14:hiddenEffects xmlns:a14="http://schemas.microsoft.com/office/drawing/2010/main">
-                <a:effectLst>
-                  <a:outerShdw dist="35921" dir="2700000" algn="ctr" rotWithShape="0">
-                    <a:schemeClr val="bg2"/>
-                  </a:outerShdw>
-                </a:effectLst>
-              </a14:hiddenEffects>
-            </a:ext>
-          </a:extLst>
-        </p:spPr>
-        <p:txBody>
-          <a:bodyPr>
-            <a:spAutoFit/>
-          </a:bodyPr>
-          <a:lstStyle>
-            <a:lvl1pPr>
-              <a:defRPr>
-                <a:solidFill>
-                  <a:schemeClr val="tx1"/>
-                </a:solidFill>
-                <a:latin typeface="Arial" panose="020B0604020202020204" pitchFamily="34" charset="0"/>
-                <a:cs typeface="Arial" panose="020B0604020202020204" pitchFamily="34" charset="0"/>
-              </a:defRPr>
-            </a:lvl1pPr>
-            <a:lvl2pPr marL="742950" indent="-285750">
-              <a:defRPr>
-                <a:solidFill>
-                  <a:schemeClr val="tx1"/>
-                </a:solidFill>
-                <a:latin typeface="Arial" panose="020B0604020202020204" pitchFamily="34" charset="0"/>
-                <a:cs typeface="Arial" panose="020B0604020202020204" pitchFamily="34" charset="0"/>
-              </a:defRPr>
-            </a:lvl2pPr>
-            <a:lvl3pPr marL="1143000" indent="-228600">
-              <a:defRPr>
-                <a:solidFill>
-                  <a:schemeClr val="tx1"/>
-                </a:solidFill>
-                <a:latin typeface="Arial" panose="020B0604020202020204" pitchFamily="34" charset="0"/>
-                <a:cs typeface="Arial" panose="020B0604020202020204" pitchFamily="34" charset="0"/>
-              </a:defRPr>
-            </a:lvl3pPr>
-            <a:lvl4pPr marL="1600200" indent="-228600">
-              <a:defRPr>
-                <a:solidFill>
-                  <a:schemeClr val="tx1"/>
-                </a:solidFill>
-                <a:latin typeface="Arial" panose="020B0604020202020204" pitchFamily="34" charset="0"/>
-                <a:cs typeface="Arial" panose="020B0604020202020204" pitchFamily="34" charset="0"/>
-              </a:defRPr>
-            </a:lvl4pPr>
-            <a:lvl5pPr marL="2057400" indent="-228600">
-              <a:defRPr>
-                <a:solidFill>
-                  <a:schemeClr val="tx1"/>
-                </a:solidFill>
-                <a:latin typeface="Arial" panose="020B0604020202020204" pitchFamily="34" charset="0"/>
-                <a:cs typeface="Arial" panose="020B0604020202020204" pitchFamily="34" charset="0"/>
-              </a:defRPr>
-            </a:lvl5pPr>
-            <a:lvl6pPr marL="2514600" indent="-228600" eaLnBrk="0" fontAlgn="base" hangingPunct="0">
-              <a:spcBef>
-                <a:spcPct val="0"/>
-              </a:spcBef>
-              <a:spcAft>
-                <a:spcPct val="0"/>
-              </a:spcAft>
-              <a:defRPr>
-                <a:solidFill>
-                  <a:schemeClr val="tx1"/>
-                </a:solidFill>
-                <a:latin typeface="Arial" panose="020B0604020202020204" pitchFamily="34" charset="0"/>
-                <a:cs typeface="Arial" panose="020B0604020202020204" pitchFamily="34" charset="0"/>
-              </a:defRPr>
-            </a:lvl6pPr>
-            <a:lvl7pPr marL="2971800" indent="-228600" eaLnBrk="0" fontAlgn="base" hangingPunct="0">
-              <a:spcBef>
-                <a:spcPct val="0"/>
-              </a:spcBef>
-              <a:spcAft>
-                <a:spcPct val="0"/>
-              </a:spcAft>
-              <a:defRPr>
-                <a:solidFill>
-                  <a:schemeClr val="tx1"/>
-                </a:solidFill>
-                <a:latin typeface="Arial" panose="020B0604020202020204" pitchFamily="34" charset="0"/>
-                <a:cs typeface="Arial" panose="020B0604020202020204" pitchFamily="34" charset="0"/>
-              </a:defRPr>
-            </a:lvl7pPr>
-            <a:lvl8pPr marL="3429000" indent="-228600" eaLnBrk="0" fontAlgn="base" hangingPunct="0">
-              <a:spcBef>
-                <a:spcPct val="0"/>
-              </a:spcBef>
-              <a:spcAft>
-                <a:spcPct val="0"/>
-              </a:spcAft>
-              <a:defRPr>
-                <a:solidFill>
-                  <a:schemeClr val="tx1"/>
-                </a:solidFill>
-                <a:latin typeface="Arial" panose="020B0604020202020204" pitchFamily="34" charset="0"/>
-                <a:cs typeface="Arial" panose="020B0604020202020204" pitchFamily="34" charset="0"/>
-              </a:defRPr>
-            </a:lvl8pPr>
-            <a:lvl9pPr marL="3886200" indent="-228600" eaLnBrk="0" fontAlgn="base" hangingPunct="0">
-              <a:spcBef>
-                <a:spcPct val="0"/>
-              </a:spcBef>
-              <a:spcAft>
-                <a:spcPct val="0"/>
-              </a:spcAft>
-              <a:defRPr>
-                <a:solidFill>
-                  <a:schemeClr val="tx1"/>
-                </a:solidFill>
-                <a:latin typeface="Arial" panose="020B0604020202020204" pitchFamily="34" charset="0"/>
-                <a:cs typeface="Arial" panose="020B0604020202020204" pitchFamily="34" charset="0"/>
-              </a:defRPr>
-            </a:lvl9pPr>
-          </a:lstStyle>
-          <a:p>
-            <a:pPr algn="ctr" eaLnBrk="1" hangingPunct="1">
-              <a:spcBef>
-                <a:spcPct val="50000"/>
-              </a:spcBef>
-            </a:pPr>
-            <a:r>
-              <a:rPr lang="ru-RU" altLang="ru-RU" sz="2800" b="1" dirty="0">
-                <a:latin typeface="Times New Roman" panose="02020603050405020304" pitchFamily="18" charset="0"/>
-              </a:rPr>
-              <a:t>Заключение</a:t>
-            </a:r>
-          </a:p>
-        </p:txBody>
-      </p:sp>
-    </p:spTree>
-    <p:extLst>
-      <p:ext uri="{BB962C8B-B14F-4D97-AF65-F5344CB8AC3E}">
-        <p14:creationId xmlns:p14="http://schemas.microsoft.com/office/powerpoint/2010/main" val="3898786133"/>
+        <p14:creationId xmlns:p14="http://schemas.microsoft.com/office/powerpoint/2010/main" val="408281610"/>
       </p:ext>
     </p:extLst>
   </p:cSld>
@@ -9914,7 +12330,7 @@
 <file path=ppt/theme/theme1.xml><?xml version="1.0" encoding="utf-8"?>
 <a:theme xmlns:a="http://schemas.openxmlformats.org/drawingml/2006/main" name="Сланец">
   <a:themeElements>
-    <a:clrScheme name="Сланец">
+    <a:clrScheme name="Стандартная">
       <a:dk1>
         <a:sysClr val="windowText" lastClr="000000"/>
       </a:dk1>
@@ -9922,34 +12338,34 @@
         <a:sysClr val="window" lastClr="FFFFFF"/>
       </a:lt1>
       <a:dk2>
-        <a:srgbClr val="212123"/>
+        <a:srgbClr val="44546A"/>
       </a:dk2>
       <a:lt2>
-        <a:srgbClr val="DADADA"/>
+        <a:srgbClr val="E7E6E6"/>
       </a:lt2>
       <a:accent1>
-        <a:srgbClr val="BC451B"/>
+        <a:srgbClr val="5B9BD5"/>
       </a:accent1>
       <a:accent2>
-        <a:srgbClr val="D3BA68"/>
+        <a:srgbClr val="ED7D31"/>
       </a:accent2>
       <a:accent3>
-        <a:srgbClr val="BB8640"/>
+        <a:srgbClr val="A5A5A5"/>
       </a:accent3>
       <a:accent4>
-        <a:srgbClr val="AD9277"/>
+        <a:srgbClr val="FFC000"/>
       </a:accent4>
       <a:accent5>
-        <a:srgbClr val="A55A43"/>
+        <a:srgbClr val="4472C4"/>
       </a:accent5>
       <a:accent6>
-        <a:srgbClr val="AD9D7B"/>
+        <a:srgbClr val="70AD47"/>
       </a:accent6>
       <a:hlink>
-        <a:srgbClr val="E98052"/>
+        <a:srgbClr val="0563C1"/>
       </a:hlink>
       <a:folHlink>
-        <a:srgbClr val="F4B69B"/>
+        <a:srgbClr val="954F72"/>
       </a:folHlink>
     </a:clrScheme>
     <a:fontScheme name="Сланец">
@@ -10151,4 +12567,319 @@
     </a:ext>
   </a:extLst>
 </a:theme>
+</file>
+
+<file path=ppt/theme/theme2.xml><?xml version="1.0" encoding="utf-8"?>
+<a:theme xmlns:a="http://schemas.openxmlformats.org/drawingml/2006/main" name="Тема Office">
+  <a:themeElements>
+    <a:clrScheme name="Стандартная">
+      <a:dk1>
+        <a:sysClr val="windowText" lastClr="000000"/>
+      </a:dk1>
+      <a:lt1>
+        <a:sysClr val="window" lastClr="FFFFFF"/>
+      </a:lt1>
+      <a:dk2>
+        <a:srgbClr val="0E2841"/>
+      </a:dk2>
+      <a:lt2>
+        <a:srgbClr val="E8E8E8"/>
+      </a:lt2>
+      <a:accent1>
+        <a:srgbClr val="156082"/>
+      </a:accent1>
+      <a:accent2>
+        <a:srgbClr val="E97132"/>
+      </a:accent2>
+      <a:accent3>
+        <a:srgbClr val="196B24"/>
+      </a:accent3>
+      <a:accent4>
+        <a:srgbClr val="0F9ED5"/>
+      </a:accent4>
+      <a:accent5>
+        <a:srgbClr val="A02B93"/>
+      </a:accent5>
+      <a:accent6>
+        <a:srgbClr val="4EA72E"/>
+      </a:accent6>
+      <a:hlink>
+        <a:srgbClr val="467886"/>
+      </a:hlink>
+      <a:folHlink>
+        <a:srgbClr val="96607D"/>
+      </a:folHlink>
+    </a:clrScheme>
+    <a:fontScheme name="Стандартная">
+      <a:majorFont>
+        <a:latin typeface="Aptos Display" panose="02110004020202020204"/>
+        <a:ea typeface=""/>
+        <a:cs typeface=""/>
+        <a:font script="Jpan" typeface="游ゴシック Light"/>
+        <a:font script="Hang" typeface="맑은 고딕"/>
+        <a:font script="Hans" typeface="等线 Light"/>
+        <a:font script="Hant" typeface="新細明體"/>
+        <a:font script="Arab" typeface="Times New Roman"/>
+        <a:font script="Hebr" typeface="Times New Roman"/>
+        <a:font script="Thai" typeface="Angsana New"/>
+        <a:font script="Ethi" typeface="Nyala"/>
+        <a:font script="Beng" typeface="Vrinda"/>
+        <a:font script="Gujr" typeface="Shruti"/>
+        <a:font script="Khmr" typeface="MoolBoran"/>
+        <a:font script="Knda" typeface="Tunga"/>
+        <a:font script="Guru" typeface="Raavi"/>
+        <a:font script="Cans" typeface="Euphemia"/>
+        <a:font script="Cher" typeface="Plantagenet Cherokee"/>
+        <a:font script="Yiii" typeface="Microsoft Yi Baiti"/>
+        <a:font script="Tibt" typeface="Microsoft Himalaya"/>
+        <a:font script="Thaa" typeface="MV Boli"/>
+        <a:font script="Deva" typeface="Mangal"/>
+        <a:font script="Telu" typeface="Gautami"/>
+        <a:font script="Taml" typeface="Latha"/>
+        <a:font script="Syrc" typeface="Estrangelo Edessa"/>
+        <a:font script="Orya" typeface="Kalinga"/>
+        <a:font script="Mlym" typeface="Kartika"/>
+        <a:font script="Laoo" typeface="DokChampa"/>
+        <a:font script="Sinh" typeface="Iskoola Pota"/>
+        <a:font script="Mong" typeface="Mongolian Baiti"/>
+        <a:font script="Viet" typeface="Times New Roman"/>
+        <a:font script="Uigh" typeface="Microsoft Uighur"/>
+        <a:font script="Geor" typeface="Sylfaen"/>
+        <a:font script="Armn" typeface="Arial"/>
+        <a:font script="Bugi" typeface="Leelawadee UI"/>
+        <a:font script="Bopo" typeface="Microsoft JhengHei"/>
+        <a:font script="Java" typeface="Javanese Text"/>
+        <a:font script="Lisu" typeface="Segoe UI"/>
+        <a:font script="Mymr" typeface="Myanmar Text"/>
+        <a:font script="Nkoo" typeface="Ebrima"/>
+        <a:font script="Olck" typeface="Nirmala UI"/>
+        <a:font script="Osma" typeface="Ebrima"/>
+        <a:font script="Phag" typeface="Phagspa"/>
+        <a:font script="Syrn" typeface="Estrangelo Edessa"/>
+        <a:font script="Syrj" typeface="Estrangelo Edessa"/>
+        <a:font script="Syre" typeface="Estrangelo Edessa"/>
+        <a:font script="Sora" typeface="Nirmala UI"/>
+        <a:font script="Tale" typeface="Microsoft Tai Le"/>
+        <a:font script="Talu" typeface="Microsoft New Tai Lue"/>
+        <a:font script="Tfng" typeface="Ebrima"/>
+      </a:majorFont>
+      <a:minorFont>
+        <a:latin typeface="Aptos" panose="02110004020202020204"/>
+        <a:ea typeface=""/>
+        <a:cs typeface=""/>
+        <a:font script="Jpan" typeface="游ゴシック"/>
+        <a:font script="Hang" typeface="맑은 고딕"/>
+        <a:font script="Hans" typeface="等线"/>
+        <a:font script="Hant" typeface="新細明體"/>
+        <a:font script="Arab" typeface="Arial"/>
+        <a:font script="Hebr" typeface="Arial"/>
+        <a:font script="Thai" typeface="Cordia New"/>
+        <a:font script="Ethi" typeface="Nyala"/>
+        <a:font script="Beng" typeface="Vrinda"/>
+        <a:font script="Gujr" typeface="Shruti"/>
+        <a:font script="Khmr" typeface="DaunPenh"/>
+        <a:font script="Knda" typeface="Tunga"/>
+        <a:font script="Guru" typeface="Raavi"/>
+        <a:font script="Cans" typeface="Euphemia"/>
+        <a:font script="Cher" typeface="Plantagenet Cherokee"/>
+        <a:font script="Yiii" typeface="Microsoft Yi Baiti"/>
+        <a:font script="Tibt" typeface="Microsoft Himalaya"/>
+        <a:font script="Thaa" typeface="MV Boli"/>
+        <a:font script="Deva" typeface="Mangal"/>
+        <a:font script="Telu" typeface="Gautami"/>
+        <a:font script="Taml" typeface="Latha"/>
+        <a:font script="Syrc" typeface="Estrangelo Edessa"/>
+        <a:font script="Orya" typeface="Kalinga"/>
+        <a:font script="Mlym" typeface="Kartika"/>
+        <a:font script="Laoo" typeface="DokChampa"/>
+        <a:font script="Sinh" typeface="Iskoola Pota"/>
+        <a:font script="Mong" typeface="Mongolian Baiti"/>
+        <a:font script="Viet" typeface="Arial"/>
+        <a:font script="Uigh" typeface="Microsoft Uighur"/>
+        <a:font script="Geor" typeface="Sylfaen"/>
+        <a:font script="Armn" typeface="Arial"/>
+        <a:font script="Bugi" typeface="Leelawadee UI"/>
+        <a:font script="Bopo" typeface="Microsoft JhengHei"/>
+        <a:font script="Java" typeface="Javanese Text"/>
+        <a:font script="Lisu" typeface="Segoe UI"/>
+        <a:font script="Mymr" typeface="Myanmar Text"/>
+        <a:font script="Nkoo" typeface="Ebrima"/>
+        <a:font script="Olck" typeface="Nirmala UI"/>
+        <a:font script="Osma" typeface="Ebrima"/>
+        <a:font script="Phag" typeface="Phagspa"/>
+        <a:font script="Syrn" typeface="Estrangelo Edessa"/>
+        <a:font script="Syrj" typeface="Estrangelo Edessa"/>
+        <a:font script="Syre" typeface="Estrangelo Edessa"/>
+        <a:font script="Sora" typeface="Nirmala UI"/>
+        <a:font script="Tale" typeface="Microsoft Tai Le"/>
+        <a:font script="Talu" typeface="Microsoft New Tai Lue"/>
+        <a:font script="Tfng" typeface="Ebrima"/>
+      </a:minorFont>
+    </a:fontScheme>
+    <a:fmtScheme name="Стандартная">
+      <a:fillStyleLst>
+        <a:solidFill>
+          <a:schemeClr val="phClr"/>
+        </a:solidFill>
+        <a:gradFill rotWithShape="1">
+          <a:gsLst>
+            <a:gs pos="0">
+              <a:schemeClr val="phClr">
+                <a:lumMod val="110000"/>
+                <a:satMod val="105000"/>
+                <a:tint val="67000"/>
+              </a:schemeClr>
+            </a:gs>
+            <a:gs pos="50000">
+              <a:schemeClr val="phClr">
+                <a:lumMod val="105000"/>
+                <a:satMod val="103000"/>
+                <a:tint val="73000"/>
+              </a:schemeClr>
+            </a:gs>
+            <a:gs pos="100000">
+              <a:schemeClr val="phClr">
+                <a:lumMod val="105000"/>
+                <a:satMod val="109000"/>
+                <a:tint val="81000"/>
+              </a:schemeClr>
+            </a:gs>
+          </a:gsLst>
+          <a:lin ang="5400000" scaled="0"/>
+        </a:gradFill>
+        <a:gradFill rotWithShape="1">
+          <a:gsLst>
+            <a:gs pos="0">
+              <a:schemeClr val="phClr">
+                <a:satMod val="103000"/>
+                <a:lumMod val="102000"/>
+                <a:tint val="94000"/>
+              </a:schemeClr>
+            </a:gs>
+            <a:gs pos="50000">
+              <a:schemeClr val="phClr">
+                <a:satMod val="110000"/>
+                <a:lumMod val="100000"/>
+                <a:shade val="100000"/>
+              </a:schemeClr>
+            </a:gs>
+            <a:gs pos="100000">
+              <a:schemeClr val="phClr">
+                <a:lumMod val="99000"/>
+                <a:satMod val="120000"/>
+                <a:shade val="78000"/>
+              </a:schemeClr>
+            </a:gs>
+          </a:gsLst>
+          <a:lin ang="5400000" scaled="0"/>
+        </a:gradFill>
+      </a:fillStyleLst>
+      <a:lnStyleLst>
+        <a:ln w="12700" cap="flat" cmpd="sng" algn="ctr">
+          <a:solidFill>
+            <a:schemeClr val="phClr"/>
+          </a:solidFill>
+          <a:prstDash val="solid"/>
+          <a:miter lim="800000"/>
+        </a:ln>
+        <a:ln w="19050" cap="flat" cmpd="sng" algn="ctr">
+          <a:solidFill>
+            <a:schemeClr val="phClr"/>
+          </a:solidFill>
+          <a:prstDash val="solid"/>
+          <a:miter lim="800000"/>
+        </a:ln>
+        <a:ln w="25400" cap="flat" cmpd="sng" algn="ctr">
+          <a:solidFill>
+            <a:schemeClr val="phClr"/>
+          </a:solidFill>
+          <a:prstDash val="solid"/>
+          <a:miter lim="800000"/>
+        </a:ln>
+      </a:lnStyleLst>
+      <a:effectStyleLst>
+        <a:effectStyle>
+          <a:effectLst/>
+        </a:effectStyle>
+        <a:effectStyle>
+          <a:effectLst/>
+        </a:effectStyle>
+        <a:effectStyle>
+          <a:effectLst>
+            <a:outerShdw blurRad="57150" dist="19050" dir="5400000" algn="ctr" rotWithShape="0">
+              <a:srgbClr val="000000">
+                <a:alpha val="63000"/>
+              </a:srgbClr>
+            </a:outerShdw>
+          </a:effectLst>
+        </a:effectStyle>
+      </a:effectStyleLst>
+      <a:bgFillStyleLst>
+        <a:solidFill>
+          <a:schemeClr val="phClr"/>
+        </a:solidFill>
+        <a:solidFill>
+          <a:schemeClr val="phClr">
+            <a:tint val="95000"/>
+            <a:satMod val="170000"/>
+          </a:schemeClr>
+        </a:solidFill>
+        <a:gradFill rotWithShape="1">
+          <a:gsLst>
+            <a:gs pos="0">
+              <a:schemeClr val="phClr">
+                <a:tint val="93000"/>
+                <a:satMod val="150000"/>
+                <a:shade val="98000"/>
+                <a:lumMod val="102000"/>
+              </a:schemeClr>
+            </a:gs>
+            <a:gs pos="50000">
+              <a:schemeClr val="phClr">
+                <a:tint val="98000"/>
+                <a:satMod val="130000"/>
+                <a:shade val="90000"/>
+                <a:lumMod val="103000"/>
+              </a:schemeClr>
+            </a:gs>
+            <a:gs pos="100000">
+              <a:schemeClr val="phClr">
+                <a:shade val="63000"/>
+                <a:satMod val="120000"/>
+              </a:schemeClr>
+            </a:gs>
+          </a:gsLst>
+          <a:lin ang="5400000" scaled="0"/>
+        </a:gradFill>
+      </a:bgFillStyleLst>
+    </a:fmtScheme>
+  </a:themeElements>
+  <a:objectDefaults>
+    <a:lnDef>
+      <a:spPr/>
+      <a:bodyPr/>
+      <a:lstStyle/>
+      <a:style>
+        <a:lnRef idx="2">
+          <a:schemeClr val="accent1"/>
+        </a:lnRef>
+        <a:fillRef idx="0">
+          <a:schemeClr val="accent1"/>
+        </a:fillRef>
+        <a:effectRef idx="1">
+          <a:schemeClr val="accent1"/>
+        </a:effectRef>
+        <a:fontRef idx="minor">
+          <a:schemeClr val="tx1"/>
+        </a:fontRef>
+      </a:style>
+    </a:lnDef>
+  </a:objectDefaults>
+  <a:extraClrSchemeLst/>
+  <a:extLst>
+    <a:ext uri="{05A4C25C-085E-4340-85A3-A5531E510DB2}">
+      <thm15:themeFamily xmlns:thm15="http://schemas.microsoft.com/office/thememl/2012/main" name="Office Theme" id="{2E142A2C-CD16-42D6-873A-C26D2A0506FA}" vid="{1BDDFF52-6CD6-40A5-AB3C-68EB2F1E4D0A}"/>
+    </a:ext>
+  </a:extLst>
+</a:theme>
 </file>